--- a/基于Vavr的开发工具集.pptx
+++ b/基于Vavr的开发工具集.pptx
@@ -209,7 +209,7 @@
           <a:p>
             <a:fld id="{85307CC2-F273-4308-915D-7A15710688A2}" type="datetimeFigureOut">
               <a:rPr lang="zh-CN" altLang="en-US" smtClean="0"/>
-              <a:t>2020/4/12</a:t>
+              <a:t>2020/4/13</a:t>
             </a:fld>
             <a:endParaRPr lang="zh-CN" altLang="en-US"/>
           </a:p>
@@ -651,83 +651,38 @@
               <a:buAutoNum type="arabicPeriod"/>
             </a:pPr>
             <a:r>
+              <a:rPr lang="zh-CN" altLang="en-US" dirty="0" smtClean="0"/>
+              <a:t>举例</a:t>
+            </a:r>
+            <a:r>
               <a:rPr lang="zh-CN" altLang="en-US" dirty="0"/>
-              <a:t>很难从</a:t>
-            </a:r>
-            <a:r>
-              <a:rPr lang="en-US" altLang="zh-CN" dirty="0"/>
-              <a:t>info</a:t>
-            </a:r>
-            <a:r>
-              <a:rPr lang="zh-CN" altLang="en-US" dirty="0"/>
-              <a:t>和</a:t>
-            </a:r>
-            <a:r>
-              <a:rPr lang="en-US" altLang="zh-CN" dirty="0"/>
-              <a:t>warn</a:t>
-            </a:r>
-            <a:r>
-              <a:rPr lang="zh-CN" altLang="en-US" dirty="0"/>
-              <a:t>里找到有效信息</a:t>
-            </a:r>
-            <a:endParaRPr lang="en-US" altLang="zh-CN" dirty="0"/>
+              <a:t>，样板</a:t>
+            </a:r>
+            <a:r>
+              <a:rPr lang="zh-CN" altLang="en-US" dirty="0" smtClean="0"/>
+              <a:t>代码</a:t>
+            </a:r>
+            <a:endParaRPr lang="en-US" altLang="zh-CN" dirty="0" smtClean="0"/>
           </a:p>
           <a:p>
             <a:pPr marL="228600" indent="-228600">
               <a:buAutoNum type="arabicPeriod"/>
             </a:pPr>
             <a:r>
-              <a:rPr lang="en-US" altLang="zh-CN" dirty="0"/>
-              <a:t>Key</a:t>
-            </a:r>
-            <a:r>
-              <a:rPr lang="zh-CN" altLang="en-US" dirty="0"/>
-              <a:t>能用来作为边界的划分</a:t>
-            </a:r>
-            <a:r>
-              <a:rPr lang="en-US" altLang="zh-CN" dirty="0"/>
-              <a:t>+key</a:t>
-            </a:r>
-            <a:r>
-              <a:rPr lang="zh-CN" altLang="en-US" dirty="0"/>
-              <a:t>能做配置化</a:t>
-            </a:r>
-            <a:endParaRPr lang="en-US" altLang="zh-CN" dirty="0"/>
+              <a:rPr lang="zh-CN" altLang="en-US" dirty="0" smtClean="0"/>
+              <a:t>根据解决思路调整</a:t>
+            </a:r>
+            <a:endParaRPr lang="en-US" altLang="zh-CN" dirty="0" smtClean="0"/>
           </a:p>
           <a:p>
             <a:pPr marL="228600" indent="-228600">
               <a:buAutoNum type="arabicPeriod"/>
             </a:pPr>
             <a:r>
-              <a:rPr lang="zh-CN" altLang="en-US" dirty="0"/>
-              <a:t>把</a:t>
-            </a:r>
-            <a:r>
-              <a:rPr lang="en-US" altLang="zh-CN" dirty="0"/>
-              <a:t>log</a:t>
-            </a:r>
-            <a:r>
-              <a:rPr lang="zh-CN" altLang="en-US" dirty="0"/>
-              <a:t>装饰了一下</a:t>
-            </a:r>
-            <a:endParaRPr lang="en-US" altLang="zh-CN" dirty="0"/>
-          </a:p>
-          <a:p>
-            <a:pPr marL="228600" indent="-228600">
-              <a:buAutoNum type="arabicPeriod"/>
-            </a:pPr>
-            <a:r>
-              <a:rPr lang="zh-CN" altLang="en-US" dirty="0"/>
-              <a:t>分享</a:t>
-            </a:r>
-            <a:r>
-              <a:rPr lang="en-US" altLang="zh-CN" dirty="0"/>
-              <a:t>@Slf4j</a:t>
-            </a:r>
-            <a:r>
-              <a:rPr lang="zh-CN" altLang="en-US" dirty="0"/>
-              <a:t>类似的实现</a:t>
-            </a:r>
+              <a:rPr lang="zh-CN" altLang="en-US" dirty="0" smtClean="0"/>
+              <a:t>其他项目也有请求监督，建议和交流</a:t>
+            </a:r>
+            <a:endParaRPr lang="zh-CN" altLang="en-US" dirty="0"/>
           </a:p>
         </p:txBody>
       </p:sp>
@@ -748,7 +703,7 @@
           <a:p>
             <a:fld id="{2CA98A14-9180-4634-A0C2-48D36139D008}" type="slidenum">
               <a:rPr lang="zh-CN" altLang="en-US" smtClean="0"/>
-              <a:t>11</a:t>
+              <a:t>10</a:t>
             </a:fld>
             <a:endParaRPr lang="zh-CN" altLang="en-US"/>
           </a:p>
@@ -757,7 +712,7 @@
     </p:spTree>
     <p:extLst>
       <p:ext uri="{BB962C8B-B14F-4D97-AF65-F5344CB8AC3E}">
-        <p14:creationId xmlns:p14="http://schemas.microsoft.com/office/powerpoint/2010/main" val="2249407532"/>
+        <p14:creationId xmlns:p14="http://schemas.microsoft.com/office/powerpoint/2010/main" val="112555891"/>
       </p:ext>
     </p:extLst>
   </p:cSld>
@@ -816,15 +771,23 @@
             </a:pPr>
             <a:r>
               <a:rPr lang="zh-CN" altLang="en-US" dirty="0"/>
-              <a:t>结合前面的</a:t>
+              <a:t>很难从</a:t>
             </a:r>
             <a:r>
               <a:rPr lang="en-US" altLang="zh-CN" dirty="0"/>
-              <a:t>either</a:t>
+              <a:t>info</a:t>
             </a:r>
             <a:r>
               <a:rPr lang="zh-CN" altLang="en-US" dirty="0"/>
-              <a:t>错误处理机制，分享关于错误码的设计</a:t>
+              <a:t>和</a:t>
+            </a:r>
+            <a:r>
+              <a:rPr lang="en-US" altLang="zh-CN" dirty="0"/>
+              <a:t>warn</a:t>
+            </a:r>
+            <a:r>
+              <a:rPr lang="zh-CN" altLang="en-US" dirty="0"/>
+              <a:t>里找到有效信息</a:t>
             </a:r>
             <a:endParaRPr lang="en-US" altLang="zh-CN" dirty="0"/>
           </a:p>
@@ -832,7 +795,58 @@
             <a:pPr marL="228600" indent="-228600">
               <a:buAutoNum type="arabicPeriod"/>
             </a:pPr>
-            <a:endParaRPr lang="zh-CN" altLang="en-US" dirty="0"/>
+            <a:r>
+              <a:rPr lang="en-US" altLang="zh-CN" dirty="0"/>
+              <a:t>Key</a:t>
+            </a:r>
+            <a:r>
+              <a:rPr lang="zh-CN" altLang="en-US" dirty="0"/>
+              <a:t>能用来作为边界的划分</a:t>
+            </a:r>
+            <a:r>
+              <a:rPr lang="en-US" altLang="zh-CN" dirty="0"/>
+              <a:t>+key</a:t>
+            </a:r>
+            <a:r>
+              <a:rPr lang="zh-CN" altLang="en-US" dirty="0"/>
+              <a:t>能做配置化</a:t>
+            </a:r>
+            <a:endParaRPr lang="en-US" altLang="zh-CN" dirty="0"/>
+          </a:p>
+          <a:p>
+            <a:pPr marL="228600" indent="-228600">
+              <a:buAutoNum type="arabicPeriod"/>
+            </a:pPr>
+            <a:r>
+              <a:rPr lang="zh-CN" altLang="en-US" dirty="0"/>
+              <a:t>把</a:t>
+            </a:r>
+            <a:r>
+              <a:rPr lang="en-US" altLang="zh-CN" dirty="0"/>
+              <a:t>log</a:t>
+            </a:r>
+            <a:r>
+              <a:rPr lang="zh-CN" altLang="en-US" dirty="0"/>
+              <a:t>装饰了一下</a:t>
+            </a:r>
+            <a:endParaRPr lang="en-US" altLang="zh-CN" dirty="0"/>
+          </a:p>
+          <a:p>
+            <a:pPr marL="228600" indent="-228600">
+              <a:buAutoNum type="arabicPeriod"/>
+            </a:pPr>
+            <a:r>
+              <a:rPr lang="zh-CN" altLang="en-US" dirty="0"/>
+              <a:t>分享</a:t>
+            </a:r>
+            <a:r>
+              <a:rPr lang="en-US" altLang="zh-CN" dirty="0"/>
+              <a:t>@Slf4j</a:t>
+            </a:r>
+            <a:r>
+              <a:rPr lang="zh-CN" altLang="en-US" dirty="0"/>
+              <a:t>类似的实现</a:t>
+            </a:r>
           </a:p>
         </p:txBody>
       </p:sp>
@@ -853,7 +867,7 @@
           <a:p>
             <a:fld id="{2CA98A14-9180-4634-A0C2-48D36139D008}" type="slidenum">
               <a:rPr lang="zh-CN" altLang="en-US" smtClean="0"/>
-              <a:t>12</a:t>
+              <a:t>11</a:t>
             </a:fld>
             <a:endParaRPr lang="zh-CN" altLang="en-US"/>
           </a:p>
@@ -862,7 +876,7 @@
     </p:spTree>
     <p:extLst>
       <p:ext uri="{BB962C8B-B14F-4D97-AF65-F5344CB8AC3E}">
-        <p14:creationId xmlns:p14="http://schemas.microsoft.com/office/powerpoint/2010/main" val="800452819"/>
+        <p14:creationId xmlns:p14="http://schemas.microsoft.com/office/powerpoint/2010/main" val="2249407532"/>
       </p:ext>
     </p:extLst>
   </p:cSld>
@@ -921,7 +935,150 @@
             </a:pPr>
             <a:r>
               <a:rPr lang="zh-CN" altLang="en-US" dirty="0"/>
-              <a:t>分享的最主要目的，就是交流工具</a:t>
+              <a:t>结合前面的</a:t>
+            </a:r>
+            <a:r>
+              <a:rPr lang="en-US" altLang="zh-CN" dirty="0"/>
+              <a:t>either</a:t>
+            </a:r>
+            <a:r>
+              <a:rPr lang="zh-CN" altLang="en-US" dirty="0"/>
+              <a:t>错误处理机制，分享关于错误码的设计</a:t>
+            </a:r>
+            <a:endParaRPr lang="en-US" altLang="zh-CN" dirty="0"/>
+          </a:p>
+          <a:p>
+            <a:pPr marL="228600" indent="-228600">
+              <a:buAutoNum type="arabicPeriod"/>
+            </a:pPr>
+            <a:r>
+              <a:rPr lang="zh-CN" altLang="en-US" dirty="0" smtClean="0"/>
+              <a:t>参数错误精确到具体字段，依赖错误精确到具体服务具体接口</a:t>
+            </a:r>
+            <a:endParaRPr lang="en-US" altLang="zh-CN" dirty="0" smtClean="0"/>
+          </a:p>
+          <a:p>
+            <a:pPr marL="228600" indent="-228600">
+              <a:buAutoNum type="arabicPeriod"/>
+            </a:pPr>
+            <a:r>
+              <a:rPr lang="zh-CN" altLang="en-US" dirty="0" smtClean="0"/>
+              <a:t>结合上下文，可以找到唯一确定的语句</a:t>
+            </a:r>
+            <a:endParaRPr lang="en-US" altLang="zh-CN" dirty="0" smtClean="0"/>
+          </a:p>
+          <a:p>
+            <a:pPr marL="228600" indent="-228600">
+              <a:buAutoNum type="arabicPeriod"/>
+            </a:pPr>
+            <a:r>
+              <a:rPr lang="zh-CN" altLang="en-US" dirty="0" smtClean="0"/>
+              <a:t>半成品的文档生成</a:t>
+            </a:r>
+            <a:endParaRPr lang="zh-CN" altLang="en-US" dirty="0"/>
+          </a:p>
+        </p:txBody>
+      </p:sp>
+      <p:sp>
+        <p:nvSpPr>
+          <p:cNvPr id="4" name="灯片编号占位符 3"/>
+          <p:cNvSpPr>
+            <a:spLocks noGrp="1"/>
+          </p:cNvSpPr>
+          <p:nvPr>
+            <p:ph type="sldNum" sz="quarter" idx="5"/>
+          </p:nvPr>
+        </p:nvSpPr>
+        <p:spPr/>
+        <p:txBody>
+          <a:bodyPr/>
+          <a:lstStyle/>
+          <a:p>
+            <a:fld id="{2CA98A14-9180-4634-A0C2-48D36139D008}" type="slidenum">
+              <a:rPr lang="zh-CN" altLang="en-US" smtClean="0"/>
+              <a:t>12</a:t>
+            </a:fld>
+            <a:endParaRPr lang="zh-CN" altLang="en-US"/>
+          </a:p>
+        </p:txBody>
+      </p:sp>
+    </p:spTree>
+    <p:extLst>
+      <p:ext uri="{BB962C8B-B14F-4D97-AF65-F5344CB8AC3E}">
+        <p14:creationId xmlns:p14="http://schemas.microsoft.com/office/powerpoint/2010/main" val="800452819"/>
+      </p:ext>
+    </p:extLst>
+  </p:cSld>
+  <p:clrMapOvr>
+    <a:masterClrMapping/>
+  </p:clrMapOvr>
+</p:notes>
+</file>
+
+<file path=ppt/notesSlides/notesSlide13.xml><?xml version="1.0" encoding="utf-8"?>
+<p:notes xmlns:a="http://schemas.openxmlformats.org/drawingml/2006/main" xmlns:r="http://schemas.openxmlformats.org/officeDocument/2006/relationships" xmlns:p="http://schemas.openxmlformats.org/presentationml/2006/main">
+  <p:cSld>
+    <p:spTree>
+      <p:nvGrpSpPr>
+        <p:cNvPr id="1" name=""/>
+        <p:cNvGrpSpPr/>
+        <p:nvPr/>
+      </p:nvGrpSpPr>
+      <p:grpSpPr>
+        <a:xfrm>
+          <a:off x="0" y="0"/>
+          <a:ext cx="0" cy="0"/>
+          <a:chOff x="0" y="0"/>
+          <a:chExt cx="0" cy="0"/>
+        </a:xfrm>
+      </p:grpSpPr>
+      <p:sp>
+        <p:nvSpPr>
+          <p:cNvPr id="2" name="幻灯片图像占位符 1"/>
+          <p:cNvSpPr>
+            <a:spLocks noGrp="1" noRot="1" noChangeAspect="1"/>
+          </p:cNvSpPr>
+          <p:nvPr>
+            <p:ph type="sldImg"/>
+          </p:nvPr>
+        </p:nvSpPr>
+        <p:spPr/>
+      </p:sp>
+      <p:sp>
+        <p:nvSpPr>
+          <p:cNvPr id="3" name="备注占位符 2"/>
+          <p:cNvSpPr>
+            <a:spLocks noGrp="1"/>
+          </p:cNvSpPr>
+          <p:nvPr>
+            <p:ph type="body" idx="1"/>
+          </p:nvPr>
+        </p:nvSpPr>
+        <p:spPr/>
+        <p:txBody>
+          <a:bodyPr/>
+          <a:lstStyle/>
+          <a:p>
+            <a:pPr marL="228600" indent="-228600">
+              <a:buAutoNum type="arabicPeriod"/>
+            </a:pPr>
+            <a:r>
+              <a:rPr lang="zh-CN" altLang="en-US" dirty="0" smtClean="0"/>
+              <a:t>前面两部分讲的比较浅显，有需要的可以自己了解。主要是第三部分的交流</a:t>
+            </a:r>
+            <a:endParaRPr lang="en-US" altLang="zh-CN" dirty="0" smtClean="0"/>
+          </a:p>
+          <a:p>
+            <a:pPr marL="228600" indent="-228600">
+              <a:buAutoNum type="arabicPeriod"/>
+            </a:pPr>
+            <a:r>
+              <a:rPr lang="zh-CN" altLang="en-US" dirty="0" smtClean="0"/>
+              <a:t>分享</a:t>
+            </a:r>
+            <a:r>
+              <a:rPr lang="zh-CN" altLang="en-US" dirty="0"/>
+              <a:t>的最主要目的，就是交流工具</a:t>
             </a:r>
             <a:r>
               <a:rPr lang="en-US" altLang="zh-CN" dirty="0"/>
@@ -1174,6 +1331,10 @@
             <a:pPr marL="228600" indent="-228600">
               <a:buAutoNum type="arabicPeriod"/>
             </a:pPr>
+            <a:r>
+              <a:rPr lang="zh-CN" altLang="en-US" dirty="0" smtClean="0"/>
+              <a:t>异常：造成异常的滥用 、 实用角度：可以从深链路中返回</a:t>
+            </a:r>
             <a:endParaRPr lang="zh-CN" altLang="en-US" dirty="0"/>
           </a:p>
         </p:txBody>
@@ -1267,7 +1428,21 @@
             </a:r>
             <a:r>
               <a:rPr lang="zh-CN" altLang="en-US" dirty="0"/>
-              <a:t>双向链表</a:t>
+              <a:t>双向</a:t>
+            </a:r>
+            <a:r>
+              <a:rPr lang="zh-CN" altLang="en-US" dirty="0" smtClean="0"/>
+              <a:t>链表</a:t>
+            </a:r>
+            <a:endParaRPr lang="en-US" altLang="zh-CN" dirty="0" smtClean="0"/>
+          </a:p>
+          <a:p>
+            <a:pPr marL="228600" indent="-228600">
+              <a:buAutoNum type="arabicPeriod"/>
+            </a:pPr>
+            <a:r>
+              <a:rPr lang="zh-CN" altLang="en-US" dirty="0" smtClean="0"/>
+              <a:t>同步风格：代码写到哪一行，就执行到哪一行</a:t>
             </a:r>
             <a:endParaRPr lang="en-US" altLang="zh-CN" dirty="0"/>
           </a:p>
@@ -1616,27 +1791,14 @@
           <a:bodyPr/>
           <a:lstStyle/>
           <a:p>
-            <a:pPr marL="228600" indent="-228600">
-              <a:buAutoNum type="arabicPeriod"/>
-            </a:pPr>
-            <a:r>
-              <a:rPr lang="zh-CN" altLang="en-US" dirty="0"/>
-              <a:t>单值匹配</a:t>
-            </a:r>
-            <a:r>
-              <a:rPr lang="en-US" altLang="zh-CN" dirty="0"/>
-              <a:t>=&gt;</a:t>
-            </a:r>
-            <a:r>
-              <a:rPr lang="zh-CN" altLang="en-US" dirty="0"/>
-              <a:t>二维坐标</a:t>
-            </a:r>
-            <a:endParaRPr lang="en-US" altLang="zh-CN" dirty="0"/>
-          </a:p>
-          <a:p>
-            <a:pPr marL="228600" indent="-228600">
-              <a:buAutoNum type="arabicPeriod"/>
-            </a:pPr>
+            <a:r>
+              <a:rPr lang="en-US" altLang="zh-CN" dirty="0" smtClean="0"/>
+              <a:t>1</a:t>
+            </a:r>
+            <a:r>
+              <a:rPr lang="zh-CN" altLang="en-US" dirty="0" smtClean="0"/>
+              <a:t>， 在同一层级建模，语义清晰，维护逻辑关系</a:t>
+            </a:r>
             <a:endParaRPr lang="zh-CN" altLang="en-US" dirty="0"/>
           </a:p>
         </p:txBody>
@@ -1648,7 +1810,7 @@
             <a:spLocks noGrp="1"/>
           </p:cNvSpPr>
           <p:nvPr>
-            <p:ph type="sldNum" sz="quarter" idx="5"/>
+            <p:ph type="sldNum" sz="quarter" idx="10"/>
           </p:nvPr>
         </p:nvSpPr>
         <p:spPr/>
@@ -1658,7 +1820,7 @@
           <a:p>
             <a:fld id="{2CA98A14-9180-4634-A0C2-48D36139D008}" type="slidenum">
               <a:rPr lang="zh-CN" altLang="en-US" smtClean="0"/>
-              <a:t>7</a:t>
+              <a:t>6</a:t>
             </a:fld>
             <a:endParaRPr lang="zh-CN" altLang="en-US"/>
           </a:p>
@@ -1667,7 +1829,7 @@
     </p:spTree>
     <p:extLst>
       <p:ext uri="{BB962C8B-B14F-4D97-AF65-F5344CB8AC3E}">
-        <p14:creationId xmlns:p14="http://schemas.microsoft.com/office/powerpoint/2010/main" val="4258701576"/>
+        <p14:creationId xmlns:p14="http://schemas.microsoft.com/office/powerpoint/2010/main" val="260631743"/>
       </p:ext>
     </p:extLst>
   </p:cSld>
@@ -1721,22 +1883,70 @@
           <a:bodyPr/>
           <a:lstStyle/>
           <a:p>
+            <a:pPr marL="228600" indent="-228600">
+              <a:buAutoNum type="arabicPeriod"/>
+            </a:pPr>
+            <a:r>
+              <a:rPr lang="zh-CN" altLang="en-US" dirty="0"/>
+              <a:t>单值匹配</a:t>
+            </a:r>
             <a:r>
               <a:rPr lang="en-US" altLang="zh-CN" dirty="0"/>
-              <a:t>1. </a:t>
+              <a:t>=&gt;</a:t>
             </a:r>
             <a:r>
               <a:rPr lang="zh-CN" altLang="en-US" dirty="0"/>
-              <a:t>基于</a:t>
-            </a:r>
-            <a:r>
-              <a:rPr lang="en-US" altLang="zh-CN" dirty="0" err="1"/>
+              <a:t>二维坐标</a:t>
+            </a:r>
+            <a:endParaRPr lang="en-US" altLang="zh-CN" dirty="0"/>
+          </a:p>
+          <a:p>
+            <a:pPr marL="228600" indent="-228600">
+              <a:buAutoNum type="arabicPeriod"/>
+            </a:pPr>
+            <a:r>
+              <a:rPr lang="zh-CN" altLang="en-US" dirty="0" smtClean="0"/>
+              <a:t>通过</a:t>
+            </a:r>
+            <a:r>
+              <a:rPr lang="en-US" altLang="zh-CN" dirty="0" err="1" smtClean="0"/>
               <a:t>vavr</a:t>
             </a:r>
             <a:r>
-              <a:rPr lang="zh-CN" altLang="en-US" dirty="0"/>
-              <a:t>的原理和风格，针对工作中常遇到的问题，开发的工具</a:t>
-            </a:r>
+              <a:rPr lang="zh-CN" altLang="en-US" dirty="0" smtClean="0"/>
+              <a:t>的</a:t>
+            </a:r>
+            <a:r>
+              <a:rPr lang="en-US" altLang="zh-CN" dirty="0" smtClean="0"/>
+              <a:t>match</a:t>
+            </a:r>
+            <a:r>
+              <a:rPr lang="zh-CN" altLang="en-US" dirty="0" smtClean="0"/>
+              <a:t>容器对</a:t>
+            </a:r>
+            <a:r>
+              <a:rPr lang="en-US" altLang="zh-CN" dirty="0" smtClean="0"/>
+              <a:t>java</a:t>
+            </a:r>
+            <a:r>
+              <a:rPr lang="zh-CN" altLang="en-US" dirty="0" smtClean="0"/>
+              <a:t>模式匹配进行拓展</a:t>
+            </a:r>
+            <a:endParaRPr lang="en-US" altLang="zh-CN" dirty="0" smtClean="0"/>
+          </a:p>
+          <a:p>
+            <a:pPr marL="228600" indent="-228600">
+              <a:buAutoNum type="arabicPeriod"/>
+            </a:pPr>
+            <a:r>
+              <a:rPr lang="en-US" altLang="zh-CN" dirty="0" smtClean="0"/>
+              <a:t>14</a:t>
+            </a:r>
+            <a:r>
+              <a:rPr lang="zh-CN" altLang="en-US" dirty="0" smtClean="0"/>
+              <a:t>为模式匹配打好基础</a:t>
+            </a:r>
+            <a:endParaRPr lang="zh-CN" altLang="en-US" dirty="0"/>
           </a:p>
         </p:txBody>
       </p:sp>
@@ -1757,7 +1967,7 @@
           <a:p>
             <a:fld id="{2CA98A14-9180-4634-A0C2-48D36139D008}" type="slidenum">
               <a:rPr lang="zh-CN" altLang="en-US" smtClean="0"/>
-              <a:t>8</a:t>
+              <a:t>7</a:t>
             </a:fld>
             <a:endParaRPr lang="zh-CN" altLang="en-US"/>
           </a:p>
@@ -1766,7 +1976,7 @@
     </p:spTree>
     <p:extLst>
       <p:ext uri="{BB962C8B-B14F-4D97-AF65-F5344CB8AC3E}">
-        <p14:creationId xmlns:p14="http://schemas.microsoft.com/office/powerpoint/2010/main" val="1285447139"/>
+        <p14:creationId xmlns:p14="http://schemas.microsoft.com/office/powerpoint/2010/main" val="4258701576"/>
       </p:ext>
     </p:extLst>
   </p:cSld>
@@ -1820,106 +2030,21 @@
           <a:bodyPr/>
           <a:lstStyle/>
           <a:p>
-            <a:pPr marL="228600" indent="-228600">
-              <a:buAutoNum type="arabicPeriod"/>
-            </a:pPr>
+            <a:r>
+              <a:rPr lang="en-US" altLang="zh-CN" dirty="0"/>
+              <a:t>1. </a:t>
+            </a:r>
             <a:r>
               <a:rPr lang="zh-CN" altLang="en-US" dirty="0"/>
-              <a:t>各个项目都有自己的埋点</a:t>
-            </a:r>
-            <a:r>
-              <a:rPr lang="en-US" altLang="zh-CN" dirty="0"/>
-              <a:t>API</a:t>
-            </a:r>
-          </a:p>
-          <a:p>
-            <a:pPr marL="228600" indent="-228600">
-              <a:buAutoNum type="arabicPeriod"/>
-            </a:pPr>
+              <a:t>基于</a:t>
+            </a:r>
+            <a:r>
+              <a:rPr lang="en-US" altLang="zh-CN" dirty="0" err="1"/>
+              <a:t>vavr</a:t>
+            </a:r>
             <a:r>
               <a:rPr lang="zh-CN" altLang="en-US" dirty="0"/>
-              <a:t>旁支逻辑</a:t>
-            </a:r>
-            <a:endParaRPr lang="en-US" altLang="zh-CN" dirty="0"/>
-          </a:p>
-          <a:p>
-            <a:pPr marL="228600" indent="-228600">
-              <a:buAutoNum type="arabicPeriod"/>
-            </a:pPr>
-            <a:r>
-              <a:rPr lang="zh-CN" altLang="en-US" dirty="0"/>
-              <a:t>异常隔离</a:t>
-            </a:r>
-            <a:r>
-              <a:rPr lang="en-US" altLang="zh-CN" dirty="0"/>
-              <a:t>-</a:t>
-            </a:r>
-            <a:r>
-              <a:rPr lang="en-US" altLang="zh-CN" dirty="0" err="1"/>
-              <a:t>trycatch</a:t>
-            </a:r>
-            <a:r>
-              <a:rPr lang="en-US" altLang="zh-CN" dirty="0"/>
-              <a:t>-</a:t>
-            </a:r>
-            <a:r>
-              <a:rPr lang="zh-CN" altLang="en-US" dirty="0"/>
-              <a:t>闭包包装</a:t>
-            </a:r>
-            <a:r>
-              <a:rPr lang="en-US" altLang="zh-CN" dirty="0" err="1"/>
-              <a:t>trycatch</a:t>
-            </a:r>
-            <a:r>
-              <a:rPr lang="en-US" altLang="zh-CN" dirty="0"/>
-              <a:t>-</a:t>
-            </a:r>
-          </a:p>
-          <a:p>
-            <a:pPr marL="228600" indent="-228600">
-              <a:buAutoNum type="arabicPeriod"/>
-            </a:pPr>
-            <a:r>
-              <a:rPr lang="zh-CN" altLang="en-US" dirty="0"/>
-              <a:t>闭包</a:t>
-            </a:r>
-            <a:r>
-              <a:rPr lang="en-US" altLang="zh-CN" dirty="0"/>
-              <a:t>-</a:t>
-            </a:r>
-            <a:r>
-              <a:rPr lang="zh-CN" altLang="en-US" dirty="0"/>
-              <a:t>可配置，给闭包传入局部配置，或者以</a:t>
-            </a:r>
-            <a:r>
-              <a:rPr lang="en-US" altLang="zh-CN" dirty="0"/>
-              <a:t>API</a:t>
-            </a:r>
-            <a:r>
-              <a:rPr lang="zh-CN" altLang="en-US" dirty="0"/>
-              <a:t>区分配置</a:t>
-            </a:r>
-            <a:endParaRPr lang="en-US" altLang="zh-CN" dirty="0"/>
-          </a:p>
-          <a:p>
-            <a:pPr marL="228600" indent="-228600">
-              <a:buAutoNum type="arabicPeriod"/>
-            </a:pPr>
-            <a:r>
-              <a:rPr lang="en-US" altLang="zh-CN" dirty="0"/>
-              <a:t>FP</a:t>
-            </a:r>
-            <a:r>
-              <a:rPr lang="zh-CN" altLang="en-US" dirty="0"/>
-              <a:t>中，</a:t>
-            </a:r>
-            <a:r>
-              <a:rPr lang="en-US" altLang="zh-CN" dirty="0"/>
-              <a:t>$</a:t>
-            </a:r>
-            <a:r>
-              <a:rPr lang="zh-CN" altLang="en-US" dirty="0"/>
-              <a:t>代表运算，可以根据参数类型做推断</a:t>
+              <a:t>的原理和风格，针对工作中常遇到的问题，开发的工具</a:t>
             </a:r>
           </a:p>
         </p:txBody>
@@ -1941,7 +2066,7 @@
           <a:p>
             <a:fld id="{2CA98A14-9180-4634-A0C2-48D36139D008}" type="slidenum">
               <a:rPr lang="zh-CN" altLang="en-US" smtClean="0"/>
-              <a:t>9</a:t>
+              <a:t>8</a:t>
             </a:fld>
             <a:endParaRPr lang="zh-CN" altLang="en-US"/>
           </a:p>
@@ -1950,7 +2075,7 @@
     </p:spTree>
     <p:extLst>
       <p:ext uri="{BB962C8B-B14F-4D97-AF65-F5344CB8AC3E}">
-        <p14:creationId xmlns:p14="http://schemas.microsoft.com/office/powerpoint/2010/main" val="1218283989"/>
+        <p14:creationId xmlns:p14="http://schemas.microsoft.com/office/powerpoint/2010/main" val="1285447139"/>
       </p:ext>
     </p:extLst>
   </p:cSld>
@@ -2004,13 +2129,152 @@
           <a:bodyPr/>
           <a:lstStyle/>
           <a:p>
+            <a:pPr marL="228600" indent="-228600">
+              <a:buAutoNum type="arabicPeriod"/>
+            </a:pPr>
+            <a:r>
+              <a:rPr lang="zh-CN" altLang="en-US" dirty="0"/>
+              <a:t>各个项目都有自己的埋点</a:t>
+            </a:r>
             <a:r>
               <a:rPr lang="en-US" altLang="zh-CN" dirty="0"/>
-              <a:t>1. </a:t>
-            </a:r>
+              <a:t>API</a:t>
+            </a:r>
+          </a:p>
+          <a:p>
+            <a:pPr marL="228600" indent="-228600">
+              <a:buAutoNum type="arabicPeriod"/>
+            </a:pPr>
             <a:r>
               <a:rPr lang="zh-CN" altLang="en-US" dirty="0"/>
-              <a:t>举例，样板代码</a:t>
+              <a:t>旁支</a:t>
+            </a:r>
+            <a:r>
+              <a:rPr lang="zh-CN" altLang="en-US" dirty="0" smtClean="0"/>
+              <a:t>逻辑</a:t>
+            </a:r>
+            <a:r>
+              <a:rPr lang="en-US" altLang="zh-CN" dirty="0" smtClean="0"/>
+              <a:t>,NPE,GSON</a:t>
+            </a:r>
+            <a:r>
+              <a:rPr lang="zh-CN" altLang="en-US" dirty="0" smtClean="0"/>
+              <a:t>解析</a:t>
+            </a:r>
+            <a:endParaRPr lang="en-US" altLang="zh-CN" dirty="0"/>
+          </a:p>
+          <a:p>
+            <a:pPr marL="228600" indent="-228600">
+              <a:buAutoNum type="arabicPeriod"/>
+            </a:pPr>
+            <a:r>
+              <a:rPr lang="zh-CN" altLang="en-US" dirty="0"/>
+              <a:t>异常隔离</a:t>
+            </a:r>
+            <a:r>
+              <a:rPr lang="en-US" altLang="zh-CN" dirty="0"/>
+              <a:t>-</a:t>
+            </a:r>
+            <a:r>
+              <a:rPr lang="en-US" altLang="zh-CN" dirty="0" err="1"/>
+              <a:t>trycatch</a:t>
+            </a:r>
+            <a:r>
+              <a:rPr lang="en-US" altLang="zh-CN" dirty="0"/>
+              <a:t>-</a:t>
+            </a:r>
+            <a:r>
+              <a:rPr lang="zh-CN" altLang="en-US" dirty="0"/>
+              <a:t>闭包包装</a:t>
+            </a:r>
+            <a:r>
+              <a:rPr lang="en-US" altLang="zh-CN" dirty="0" err="1"/>
+              <a:t>trycatch</a:t>
+            </a:r>
+            <a:r>
+              <a:rPr lang="en-US" altLang="zh-CN" dirty="0"/>
+              <a:t>-</a:t>
+            </a:r>
+          </a:p>
+          <a:p>
+            <a:pPr marL="228600" indent="-228600">
+              <a:buAutoNum type="arabicPeriod"/>
+            </a:pPr>
+            <a:r>
+              <a:rPr lang="zh-CN" altLang="en-US" dirty="0"/>
+              <a:t>闭包</a:t>
+            </a:r>
+            <a:r>
+              <a:rPr lang="en-US" altLang="zh-CN" dirty="0"/>
+              <a:t>-</a:t>
+            </a:r>
+            <a:r>
+              <a:rPr lang="zh-CN" altLang="en-US" dirty="0"/>
+              <a:t>可配置，给闭包传入局部配置，或者以</a:t>
+            </a:r>
+            <a:r>
+              <a:rPr lang="en-US" altLang="zh-CN" dirty="0"/>
+              <a:t>API</a:t>
+            </a:r>
+            <a:r>
+              <a:rPr lang="zh-CN" altLang="en-US" dirty="0"/>
+              <a:t>区分</a:t>
+            </a:r>
+            <a:r>
+              <a:rPr lang="zh-CN" altLang="en-US" dirty="0" smtClean="0"/>
+              <a:t>配置</a:t>
+            </a:r>
+            <a:endParaRPr lang="en-US" altLang="zh-CN" dirty="0" smtClean="0"/>
+          </a:p>
+          <a:p>
+            <a:pPr marL="228600" indent="-228600">
+              <a:buAutoNum type="arabicPeriod"/>
+            </a:pPr>
+            <a:r>
+              <a:rPr lang="en-US" altLang="zh-CN" dirty="0" smtClean="0"/>
+              <a:t>OPTION1</a:t>
+            </a:r>
+            <a:r>
+              <a:rPr lang="zh-CN" altLang="en-US" dirty="0" smtClean="0"/>
+              <a:t>：</a:t>
+            </a:r>
+            <a:r>
+              <a:rPr lang="en-US" altLang="zh-CN" dirty="0" smtClean="0"/>
+              <a:t>;</a:t>
+            </a:r>
+            <a:r>
+              <a:rPr lang="zh-CN" altLang="en-US" dirty="0" smtClean="0"/>
+              <a:t>语句，</a:t>
+            </a:r>
+            <a:r>
+              <a:rPr lang="en-US" altLang="zh-CN" dirty="0" smtClean="0"/>
+              <a:t>CPU</a:t>
+            </a:r>
+            <a:r>
+              <a:rPr lang="zh-CN" altLang="en-US" dirty="0" smtClean="0"/>
+              <a:t>执行，非惰性求值，异常会影响后面</a:t>
+            </a:r>
+            <a:endParaRPr lang="en-US" altLang="zh-CN" dirty="0"/>
+          </a:p>
+          <a:p>
+            <a:pPr marL="228600" indent="-228600">
+              <a:buAutoNum type="arabicPeriod"/>
+            </a:pPr>
+            <a:r>
+              <a:rPr lang="en-US" altLang="zh-CN" dirty="0"/>
+              <a:t>FP</a:t>
+            </a:r>
+            <a:r>
+              <a:rPr lang="zh-CN" altLang="en-US" dirty="0"/>
+              <a:t>中，</a:t>
+            </a:r>
+            <a:r>
+              <a:rPr lang="en-US" altLang="zh-CN" dirty="0"/>
+              <a:t>$</a:t>
+            </a:r>
+            <a:r>
+              <a:rPr lang="zh-CN" altLang="en-US" dirty="0"/>
+              <a:t>代表运算，可以根据参数类型做推断</a:t>
             </a:r>
           </a:p>
         </p:txBody>
@@ -2032,7 +2296,7 @@
           <a:p>
             <a:fld id="{2CA98A14-9180-4634-A0C2-48D36139D008}" type="slidenum">
               <a:rPr lang="zh-CN" altLang="en-US" smtClean="0"/>
-              <a:t>10</a:t>
+              <a:t>9</a:t>
             </a:fld>
             <a:endParaRPr lang="zh-CN" altLang="en-US"/>
           </a:p>
@@ -2041,7 +2305,7 @@
     </p:spTree>
     <p:extLst>
       <p:ext uri="{BB962C8B-B14F-4D97-AF65-F5344CB8AC3E}">
-        <p14:creationId xmlns:p14="http://schemas.microsoft.com/office/powerpoint/2010/main" val="112555891"/>
+        <p14:creationId xmlns:p14="http://schemas.microsoft.com/office/powerpoint/2010/main" val="1218283989"/>
       </p:ext>
     </p:extLst>
   </p:cSld>
@@ -2198,7 +2462,7 @@
           <a:p>
             <a:fld id="{18A0E22B-95DE-4DC9-AF97-FA4A20A8739A}" type="datetimeFigureOut">
               <a:rPr lang="zh-CN" altLang="en-US" smtClean="0"/>
-              <a:t>2020/4/8</a:t>
+              <a:t>2020/4/13</a:t>
             </a:fld>
             <a:endParaRPr lang="zh-CN" altLang="en-US"/>
           </a:p>
@@ -2396,7 +2660,7 @@
           <a:p>
             <a:fld id="{18A0E22B-95DE-4DC9-AF97-FA4A20A8739A}" type="datetimeFigureOut">
               <a:rPr lang="zh-CN" altLang="en-US" smtClean="0"/>
-              <a:t>2020/4/8</a:t>
+              <a:t>2020/4/13</a:t>
             </a:fld>
             <a:endParaRPr lang="zh-CN" altLang="en-US"/>
           </a:p>
@@ -2604,7 +2868,7 @@
           <a:p>
             <a:fld id="{18A0E22B-95DE-4DC9-AF97-FA4A20A8739A}" type="datetimeFigureOut">
               <a:rPr lang="zh-CN" altLang="en-US" smtClean="0"/>
-              <a:t>2020/4/8</a:t>
+              <a:t>2020/4/13</a:t>
             </a:fld>
             <a:endParaRPr lang="zh-CN" altLang="en-US"/>
           </a:p>
@@ -2802,7 +3066,7 @@
           <a:p>
             <a:fld id="{18A0E22B-95DE-4DC9-AF97-FA4A20A8739A}" type="datetimeFigureOut">
               <a:rPr lang="zh-CN" altLang="en-US" smtClean="0"/>
-              <a:t>2020/4/8</a:t>
+              <a:t>2020/4/13</a:t>
             </a:fld>
             <a:endParaRPr lang="zh-CN" altLang="en-US"/>
           </a:p>
@@ -3077,7 +3341,7 @@
           <a:p>
             <a:fld id="{18A0E22B-95DE-4DC9-AF97-FA4A20A8739A}" type="datetimeFigureOut">
               <a:rPr lang="zh-CN" altLang="en-US" smtClean="0"/>
-              <a:t>2020/4/8</a:t>
+              <a:t>2020/4/13</a:t>
             </a:fld>
             <a:endParaRPr lang="zh-CN" altLang="en-US"/>
           </a:p>
@@ -3342,7 +3606,7 @@
           <a:p>
             <a:fld id="{18A0E22B-95DE-4DC9-AF97-FA4A20A8739A}" type="datetimeFigureOut">
               <a:rPr lang="zh-CN" altLang="en-US" smtClean="0"/>
-              <a:t>2020/4/8</a:t>
+              <a:t>2020/4/13</a:t>
             </a:fld>
             <a:endParaRPr lang="zh-CN" altLang="en-US"/>
           </a:p>
@@ -3754,7 +4018,7 @@
           <a:p>
             <a:fld id="{18A0E22B-95DE-4DC9-AF97-FA4A20A8739A}" type="datetimeFigureOut">
               <a:rPr lang="zh-CN" altLang="en-US" smtClean="0"/>
-              <a:t>2020/4/8</a:t>
+              <a:t>2020/4/13</a:t>
             </a:fld>
             <a:endParaRPr lang="zh-CN" altLang="en-US"/>
           </a:p>
@@ -3895,7 +4159,7 @@
           <a:p>
             <a:fld id="{18A0E22B-95DE-4DC9-AF97-FA4A20A8739A}" type="datetimeFigureOut">
               <a:rPr lang="zh-CN" altLang="en-US" smtClean="0"/>
-              <a:t>2020/4/8</a:t>
+              <a:t>2020/4/13</a:t>
             </a:fld>
             <a:endParaRPr lang="zh-CN" altLang="en-US"/>
           </a:p>
@@ -4008,7 +4272,7 @@
           <a:p>
             <a:fld id="{18A0E22B-95DE-4DC9-AF97-FA4A20A8739A}" type="datetimeFigureOut">
               <a:rPr lang="zh-CN" altLang="en-US" smtClean="0"/>
-              <a:t>2020/4/8</a:t>
+              <a:t>2020/4/13</a:t>
             </a:fld>
             <a:endParaRPr lang="zh-CN" altLang="en-US"/>
           </a:p>
@@ -4319,7 +4583,7 @@
           <a:p>
             <a:fld id="{18A0E22B-95DE-4DC9-AF97-FA4A20A8739A}" type="datetimeFigureOut">
               <a:rPr lang="zh-CN" altLang="en-US" smtClean="0"/>
-              <a:t>2020/4/8</a:t>
+              <a:t>2020/4/13</a:t>
             </a:fld>
             <a:endParaRPr lang="zh-CN" altLang="en-US"/>
           </a:p>
@@ -4607,7 +4871,7 @@
           <a:p>
             <a:fld id="{18A0E22B-95DE-4DC9-AF97-FA4A20A8739A}" type="datetimeFigureOut">
               <a:rPr lang="zh-CN" altLang="en-US" smtClean="0"/>
-              <a:t>2020/4/8</a:t>
+              <a:t>2020/4/13</a:t>
             </a:fld>
             <a:endParaRPr lang="zh-CN" altLang="en-US"/>
           </a:p>
@@ -4848,7 +5112,7 @@
           <a:p>
             <a:fld id="{18A0E22B-95DE-4DC9-AF97-FA4A20A8739A}" type="datetimeFigureOut">
               <a:rPr lang="zh-CN" altLang="en-US" smtClean="0"/>
-              <a:t>2020/4/8</a:t>
+              <a:t>2020/4/13</a:t>
             </a:fld>
             <a:endParaRPr lang="zh-CN" altLang="en-US"/>
           </a:p>
@@ -6487,6 +6751,13 @@
   <p:clrMapOvr>
     <a:masterClrMapping/>
   </p:clrMapOvr>
+  <p:timing>
+    <p:tnLst>
+      <p:par>
+        <p:cTn id="1" dur="indefinite" restart="never" nodeType="tmRoot"/>
+      </p:par>
+    </p:tnLst>
+  </p:timing>
 </p:sld>
 </file>
 
@@ -6673,7 +6944,7 @@
         <p:spPr>
           <a:xfrm>
             <a:off x="1487808" y="1756032"/>
-            <a:ext cx="3038234" cy="1526187"/>
+            <a:ext cx="3038234" cy="1823576"/>
           </a:xfrm>
           <a:prstGeom prst="rect">
             <a:avLst/>
@@ -6797,7 +7068,7 @@
               <a:t>简洁易用的</a:t>
             </a:r>
             <a:r>
-              <a:rPr lang="en-US" altLang="zh-CN" sz="1600" dirty="0">
+              <a:rPr lang="en-US" altLang="zh-CN" sz="1600" dirty="0" smtClean="0">
                 <a:solidFill>
                   <a:schemeClr val="tx1">
                     <a:lumMod val="75000"/>
@@ -6818,31 +7089,44 @@
               <a:buFont typeface="Arial" panose="020B0604020202020204" pitchFamily="34" charset="0"/>
               <a:buChar char="•"/>
             </a:pPr>
-            <a:r>
-              <a:rPr lang="en-US" altLang="zh-CN" sz="1600" dirty="0">
-                <a:solidFill>
-                  <a:schemeClr val="tx1">
-                    <a:lumMod val="75000"/>
-                    <a:lumOff val="25000"/>
-                  </a:schemeClr>
-                </a:solidFill>
-                <a:latin typeface="微软雅黑" panose="020B0503020204020204" pitchFamily="34" charset="-122"/>
-                <a:ea typeface="微软雅黑" panose="020B0503020204020204" pitchFamily="34" charset="-122"/>
-              </a:rPr>
-              <a:t>TODO </a:t>
-            </a:r>
-            <a:r>
-              <a:rPr lang="zh-CN" altLang="en-US" sz="1600" dirty="0">
-                <a:solidFill>
-                  <a:schemeClr val="tx1">
-                    <a:lumMod val="75000"/>
-                    <a:lumOff val="25000"/>
-                  </a:schemeClr>
-                </a:solidFill>
-                <a:latin typeface="微软雅黑" panose="020B0503020204020204" pitchFamily="34" charset="-122"/>
-                <a:ea typeface="微软雅黑" panose="020B0503020204020204" pitchFamily="34" charset="-122"/>
-              </a:rPr>
-              <a:t>样板代码</a:t>
+            <a:endParaRPr lang="en-US" altLang="zh-CN" sz="1600" dirty="0">
+              <a:solidFill>
+                <a:schemeClr val="tx1">
+                  <a:lumMod val="75000"/>
+                  <a:lumOff val="25000"/>
+                </a:schemeClr>
+              </a:solidFill>
+              <a:latin typeface="微软雅黑" panose="020B0503020204020204" pitchFamily="34" charset="-122"/>
+              <a:ea typeface="微软雅黑" panose="020B0503020204020204" pitchFamily="34" charset="-122"/>
+            </a:endParaRPr>
+          </a:p>
+          <a:p>
+            <a:pPr marL="285750" indent="-285750">
+              <a:lnSpc>
+                <a:spcPct val="150000"/>
+              </a:lnSpc>
+              <a:buFont typeface="Arial" panose="020B0604020202020204" pitchFamily="34" charset="0"/>
+              <a:buChar char="•"/>
+            </a:pPr>
+            <a:r>
+              <a:rPr lang="en-US" altLang="zh-CN" sz="1100" u="sng" dirty="0">
+                <a:solidFill>
+                  <a:srgbClr val="00B0F0"/>
+                </a:solidFill>
+                <a:latin typeface="微软雅黑" panose="020B0503020204020204" pitchFamily="34" charset="-122"/>
+                <a:ea typeface="微软雅黑" panose="020B0503020204020204" pitchFamily="34" charset="-122"/>
+              </a:rPr>
+              <a:t>=&gt; </a:t>
+            </a:r>
+            <a:r>
+              <a:rPr lang="en-US" altLang="zh-CN" sz="1100" u="sng" dirty="0" smtClean="0">
+                <a:solidFill>
+                  <a:srgbClr val="00B0F0"/>
+                </a:solidFill>
+                <a:latin typeface="微软雅黑" panose="020B0503020204020204" pitchFamily="34" charset="-122"/>
+                <a:ea typeface="微软雅黑" panose="020B0503020204020204" pitchFamily="34" charset="-122"/>
+              </a:rPr>
+              <a:t>demo</a:t>
             </a:r>
             <a:endParaRPr lang="en-US" altLang="zh-CN" sz="1600" dirty="0">
               <a:solidFill>
@@ -7190,7 +7474,7 @@
         <p:spPr>
           <a:xfrm>
             <a:off x="6096000" y="1950185"/>
-            <a:ext cx="3038234" cy="2541850"/>
+            <a:ext cx="3038234" cy="1962076"/>
           </a:xfrm>
           <a:prstGeom prst="rect">
             <a:avLst/>
@@ -7247,86 +7531,10 @@
             </a:r>
           </a:p>
           <a:p>
-            <a:pPr marL="285750" lvl="0" indent="-285750">
+            <a:pPr lvl="0">
               <a:lnSpc>
                 <a:spcPct val="150000"/>
               </a:lnSpc>
-              <a:buFont typeface="Arial" panose="020B0604020202020204" pitchFamily="34" charset="0"/>
-              <a:buChar char="•"/>
-            </a:pPr>
-            <a:endParaRPr lang="en-US" altLang="zh-CN" sz="1100" u="sng" dirty="0">
-              <a:solidFill>
-                <a:srgbClr val="00B0F0"/>
-              </a:solidFill>
-              <a:latin typeface="微软雅黑" panose="020B0503020204020204" pitchFamily="34" charset="-122"/>
-              <a:ea typeface="微软雅黑" panose="020B0503020204020204" pitchFamily="34" charset="-122"/>
-            </a:endParaRPr>
-          </a:p>
-          <a:p>
-            <a:pPr marL="285750" lvl="0" indent="-285750">
-              <a:lnSpc>
-                <a:spcPct val="150000"/>
-              </a:lnSpc>
-              <a:buFont typeface="Arial" panose="020B0604020202020204" pitchFamily="34" charset="0"/>
-              <a:buChar char="•"/>
-            </a:pPr>
-            <a:r>
-              <a:rPr lang="en-US" altLang="zh-CN" sz="1600" dirty="0">
-                <a:solidFill>
-                  <a:schemeClr val="tx1">
-                    <a:lumMod val="75000"/>
-                    <a:lumOff val="25000"/>
-                  </a:schemeClr>
-                </a:solidFill>
-                <a:latin typeface="微软雅黑" panose="020B0503020204020204" pitchFamily="34" charset="-122"/>
-                <a:ea typeface="微软雅黑" panose="020B0503020204020204" pitchFamily="34" charset="-122"/>
-              </a:rPr>
-              <a:t>TODO </a:t>
-            </a:r>
-            <a:r>
-              <a:rPr lang="zh-CN" altLang="en-US" sz="1600" dirty="0">
-                <a:solidFill>
-                  <a:schemeClr val="tx1">
-                    <a:lumMod val="75000"/>
-                    <a:lumOff val="25000"/>
-                  </a:schemeClr>
-                </a:solidFill>
-                <a:latin typeface="微软雅黑" panose="020B0503020204020204" pitchFamily="34" charset="-122"/>
-                <a:ea typeface="微软雅黑" panose="020B0503020204020204" pitchFamily="34" charset="-122"/>
-              </a:rPr>
-              <a:t>传统模式写</a:t>
-            </a:r>
-            <a:r>
-              <a:rPr lang="en-US" altLang="zh-CN" sz="1600" dirty="0" err="1">
-                <a:solidFill>
-                  <a:schemeClr val="tx1">
-                    <a:lumMod val="75000"/>
-                    <a:lumOff val="25000"/>
-                  </a:schemeClr>
-                </a:solidFill>
-                <a:latin typeface="微软雅黑" panose="020B0503020204020204" pitchFamily="34" charset="-122"/>
-                <a:ea typeface="微软雅黑" panose="020B0503020204020204" pitchFamily="34" charset="-122"/>
-              </a:rPr>
-              <a:t>intl</a:t>
-            </a:r>
-            <a:endParaRPr lang="en-US" altLang="zh-CN" sz="1600" dirty="0">
-              <a:solidFill>
-                <a:schemeClr val="tx1">
-                  <a:lumMod val="75000"/>
-                  <a:lumOff val="25000"/>
-                </a:schemeClr>
-              </a:solidFill>
-              <a:latin typeface="微软雅黑" panose="020B0503020204020204" pitchFamily="34" charset="-122"/>
-              <a:ea typeface="微软雅黑" panose="020B0503020204020204" pitchFamily="34" charset="-122"/>
-            </a:endParaRPr>
-          </a:p>
-          <a:p>
-            <a:pPr marL="285750" lvl="0" indent="-285750">
-              <a:lnSpc>
-                <a:spcPct val="150000"/>
-              </a:lnSpc>
-              <a:buFont typeface="Arial" panose="020B0604020202020204" pitchFamily="34" charset="0"/>
-              <a:buChar char="•"/>
             </a:pPr>
             <a:endParaRPr lang="en-US" altLang="zh-CN" sz="1100" u="sng" dirty="0">
               <a:solidFill>
@@ -10415,7 +10623,7 @@
         <p:spPr>
           <a:xfrm>
             <a:off x="619462" y="4529330"/>
-            <a:ext cx="9316653" cy="1156855"/>
+            <a:ext cx="9393597" cy="1200329"/>
           </a:xfrm>
           <a:prstGeom prst="rect">
             <a:avLst/>
@@ -10475,6 +10683,45 @@
               <a:t>Netflix</a:t>
             </a:r>
             <a:r>
+              <a:rPr lang="zh-CN" altLang="en-US" sz="1600" dirty="0" smtClean="0">
+                <a:solidFill>
+                  <a:schemeClr val="tx1">
+                    <a:lumMod val="75000"/>
+                    <a:lumOff val="25000"/>
+                  </a:schemeClr>
+                </a:solidFill>
+                <a:latin typeface="微软雅黑" panose="020B0503020204020204" pitchFamily="34" charset="-122"/>
+                <a:ea typeface="微软雅黑" panose="020B0503020204020204" pitchFamily="34" charset="-122"/>
+              </a:rPr>
+              <a:t>的</a:t>
+            </a:r>
+            <a:r>
+              <a:rPr lang="en-US" altLang="zh-CN" sz="1600" dirty="0" err="1">
+                <a:solidFill>
+                  <a:schemeClr val="tx1">
+                    <a:lumMod val="75000"/>
+                    <a:lumOff val="25000"/>
+                  </a:schemeClr>
+                </a:solidFill>
+                <a:latin typeface="微软雅黑" panose="020B0503020204020204" pitchFamily="34" charset="-122"/>
+                <a:ea typeface="微软雅黑" panose="020B0503020204020204" pitchFamily="34" charset="-122"/>
+              </a:rPr>
+              <a:t>Hystrix</a:t>
+            </a:r>
+            <a:r>
+              <a:rPr lang="zh-CN" altLang="en-US" sz="1600" dirty="0" smtClean="0">
+                <a:solidFill>
+                  <a:schemeClr val="tx1">
+                    <a:lumMod val="75000"/>
+                    <a:lumOff val="25000"/>
+                  </a:schemeClr>
+                </a:solidFill>
+                <a:latin typeface="微软雅黑" panose="020B0503020204020204" pitchFamily="34" charset="-122"/>
+                <a:ea typeface="微软雅黑" panose="020B0503020204020204" pitchFamily="34" charset="-122"/>
+              </a:rPr>
+              <a:t>项目</a:t>
+            </a:r>
+            <a:r>
               <a:rPr lang="zh-CN" altLang="en-US" sz="1600" dirty="0">
                 <a:solidFill>
                   <a:schemeClr val="tx1">
@@ -10485,33 +10732,7 @@
                 <a:latin typeface="微软雅黑" panose="020B0503020204020204" pitchFamily="34" charset="-122"/>
                 <a:ea typeface="微软雅黑" panose="020B0503020204020204" pitchFamily="34" charset="-122"/>
               </a:rPr>
-              <a:t>的</a:t>
-            </a:r>
-            <a:r>
-              <a:rPr lang="en-US" altLang="zh-CN" sz="1600" dirty="0" err="1">
-                <a:solidFill>
-                  <a:schemeClr val="tx1">
-                    <a:lumMod val="75000"/>
-                    <a:lumOff val="25000"/>
-                  </a:schemeClr>
-                </a:solidFill>
-                <a:latin typeface="微软雅黑" panose="020B0503020204020204" pitchFamily="34" charset="-122"/>
-                <a:ea typeface="微软雅黑" panose="020B0503020204020204" pitchFamily="34" charset="-122"/>
-              </a:rPr>
-              <a:t>Hysrix</a:t>
-            </a:r>
-            <a:r>
-              <a:rPr lang="zh-CN" altLang="en-US" sz="1600" dirty="0">
-                <a:solidFill>
-                  <a:schemeClr val="tx1">
-                    <a:lumMod val="75000"/>
-                    <a:lumOff val="25000"/>
-                  </a:schemeClr>
-                </a:solidFill>
-                <a:latin typeface="微软雅黑" panose="020B0503020204020204" pitchFamily="34" charset="-122"/>
-                <a:ea typeface="微软雅黑" panose="020B0503020204020204" pitchFamily="34" charset="-122"/>
-              </a:rPr>
-              <a:t>项目启发，专门为</a:t>
+              <a:t>启发，专门为</a:t>
             </a:r>
             <a:r>
               <a:rPr lang="en-US" altLang="zh-CN" sz="1600" dirty="0">
@@ -10730,6 +10951,13 @@
   <p:clrMapOvr>
     <a:masterClrMapping/>
   </p:clrMapOvr>
+  <p:timing>
+    <p:tnLst>
+      <p:par>
+        <p:cTn id="1" dur="indefinite" restart="never" nodeType="tmRoot"/>
+      </p:par>
+    </p:tnLst>
+  </p:timing>
 </p:sld>
 </file>
 
@@ -10933,7 +11161,7 @@
         <p:spPr>
           <a:xfrm>
             <a:off x="1487808" y="1756032"/>
-            <a:ext cx="3038234" cy="1526187"/>
+            <a:ext cx="3038234" cy="1200329"/>
           </a:xfrm>
           <a:prstGeom prst="rect">
             <a:avLst/>
@@ -10999,45 +11227,40 @@
                 <a:latin typeface="微软雅黑" panose="020B0503020204020204" pitchFamily="34" charset="-122"/>
                 <a:ea typeface="微软雅黑" panose="020B0503020204020204" pitchFamily="34" charset="-122"/>
               </a:rPr>
-              <a:t>条件运算</a:t>
-            </a:r>
-            <a:endParaRPr lang="en-US" altLang="zh-CN" sz="1600" dirty="0">
-              <a:solidFill>
-                <a:schemeClr val="tx1">
-                  <a:lumMod val="75000"/>
-                  <a:lumOff val="25000"/>
-                </a:schemeClr>
-              </a:solidFill>
-              <a:latin typeface="微软雅黑" panose="020B0503020204020204" pitchFamily="34" charset="-122"/>
-              <a:ea typeface="微软雅黑" panose="020B0503020204020204" pitchFamily="34" charset="-122"/>
-            </a:endParaRPr>
-          </a:p>
-          <a:p>
-            <a:pPr marL="285750" indent="-285750">
+              <a:t>条件</a:t>
+            </a:r>
+            <a:r>
+              <a:rPr lang="zh-CN" altLang="en-US" sz="1600" dirty="0" smtClean="0">
+                <a:solidFill>
+                  <a:schemeClr val="tx1">
+                    <a:lumMod val="75000"/>
+                    <a:lumOff val="25000"/>
+                  </a:schemeClr>
+                </a:solidFill>
+                <a:latin typeface="微软雅黑" panose="020B0503020204020204" pitchFamily="34" charset="-122"/>
+                <a:ea typeface="微软雅黑" panose="020B0503020204020204" pitchFamily="34" charset="-122"/>
+              </a:rPr>
+              <a:t>运算 </a:t>
+            </a:r>
+            <a:r>
+              <a:rPr lang="en-US" altLang="zh-CN" sz="1600" dirty="0" smtClean="0">
+                <a:solidFill>
+                  <a:schemeClr val="tx1">
+                    <a:lumMod val="75000"/>
+                    <a:lumOff val="25000"/>
+                  </a:schemeClr>
+                </a:solidFill>
+                <a:latin typeface="微软雅黑" panose="020B0503020204020204" pitchFamily="34" charset="-122"/>
+                <a:ea typeface="微软雅黑" panose="020B0503020204020204" pitchFamily="34" charset="-122"/>
+              </a:rPr>
+              <a:t>=&gt; </a:t>
+            </a:r>
+          </a:p>
+          <a:p>
+            <a:pPr>
               <a:lnSpc>
                 <a:spcPct val="150000"/>
               </a:lnSpc>
-              <a:buFont typeface="Arial" panose="020B0604020202020204" pitchFamily="34" charset="0"/>
-              <a:buChar char="•"/>
-            </a:pPr>
-            <a:endParaRPr lang="en-US" altLang="zh-CN" sz="1600" dirty="0">
-              <a:solidFill>
-                <a:schemeClr val="tx1">
-                  <a:lumMod val="75000"/>
-                  <a:lumOff val="25000"/>
-                </a:schemeClr>
-              </a:solidFill>
-              <a:latin typeface="微软雅黑" panose="020B0503020204020204" pitchFamily="34" charset="-122"/>
-              <a:ea typeface="微软雅黑" panose="020B0503020204020204" pitchFamily="34" charset="-122"/>
-            </a:endParaRPr>
-          </a:p>
-          <a:p>
-            <a:pPr marL="285750" indent="-285750">
-              <a:lnSpc>
-                <a:spcPct val="150000"/>
-              </a:lnSpc>
-              <a:buFont typeface="Arial" panose="020B0604020202020204" pitchFamily="34" charset="0"/>
-              <a:buChar char="•"/>
             </a:pPr>
             <a:r>
               <a:rPr lang="en-US" altLang="zh-CN" sz="1600" dirty="0">
@@ -11050,20 +11273,33 @@
                 <a:latin typeface="微软雅黑" panose="020B0503020204020204" pitchFamily="34" charset="-122"/>
                 <a:ea typeface="微软雅黑" panose="020B0503020204020204" pitchFamily="34" charset="-122"/>
               </a:rPr>
-              <a:t>TODO</a:t>
-            </a:r>
-            <a:r>
-              <a:rPr lang="zh-CN" altLang="en-US" sz="1600" dirty="0">
-                <a:solidFill>
-                  <a:schemeClr val="tx1">
-                    <a:lumMod val="75000"/>
-                    <a:lumOff val="25000"/>
-                  </a:schemeClr>
-                </a:solidFill>
-                <a:latin typeface="微软雅黑" panose="020B0503020204020204" pitchFamily="34" charset="-122"/>
-                <a:ea typeface="微软雅黑" panose="020B0503020204020204" pitchFamily="34" charset="-122"/>
-              </a:rPr>
-              <a:t>：举例</a:t>
+              <a:t> </a:t>
+            </a:r>
+            <a:r>
+              <a:rPr lang="en-US" altLang="zh-CN" sz="1600" dirty="0" smtClean="0">
+                <a:solidFill>
+                  <a:schemeClr val="tx1">
+                    <a:lumMod val="75000"/>
+                    <a:lumOff val="25000"/>
+                  </a:schemeClr>
+                </a:solidFill>
+                <a:latin typeface="微软雅黑" panose="020B0503020204020204" pitchFamily="34" charset="-122"/>
+                <a:ea typeface="微软雅黑" panose="020B0503020204020204" pitchFamily="34" charset="-122"/>
+              </a:rPr>
+              <a:t>    </a:t>
+            </a:r>
+            <a:r>
+              <a:rPr lang="zh-CN" altLang="en-US" sz="1600" dirty="0" smtClean="0">
+                <a:solidFill>
+                  <a:schemeClr val="tx1">
+                    <a:lumMod val="75000"/>
+                    <a:lumOff val="25000"/>
+                  </a:schemeClr>
+                </a:solidFill>
+                <a:latin typeface="微软雅黑" panose="020B0503020204020204" pitchFamily="34" charset="-122"/>
+                <a:ea typeface="微软雅黑" panose="020B0503020204020204" pitchFamily="34" charset="-122"/>
+              </a:rPr>
+              <a:t>可能正确，也可能错误</a:t>
             </a:r>
             <a:endParaRPr lang="en-US" altLang="zh-CN" sz="1600" dirty="0">
               <a:solidFill>
@@ -11111,6 +11347,16 @@
               <a:buChar char="u"/>
             </a:pPr>
             <a:r>
+              <a:rPr lang="en-US" altLang="zh-CN" dirty="0" smtClean="0">
+                <a:solidFill>
+                  <a:srgbClr val="2E90B8"/>
+                </a:solidFill>
+                <a:latin typeface="微软雅黑" panose="020B0503020204020204" pitchFamily="34" charset="-122"/>
+                <a:ea typeface="微软雅黑" panose="020B0503020204020204" pitchFamily="34" charset="-122"/>
+              </a:rPr>
+              <a:t>3. </a:t>
+            </a:r>
+            <a:r>
               <a:rPr lang="en-US" altLang="zh-CN" dirty="0">
                 <a:solidFill>
                   <a:srgbClr val="2E90B8"/>
@@ -11118,7 +11364,7 @@
                 <a:latin typeface="微软雅黑" panose="020B0503020204020204" pitchFamily="34" charset="-122"/>
                 <a:ea typeface="微软雅黑" panose="020B0503020204020204" pitchFamily="34" charset="-122"/>
               </a:rPr>
-              <a:t>2. Golang </a:t>
+              <a:t>Golang </a:t>
             </a:r>
             <a:r>
               <a:rPr lang="zh-CN" altLang="en-US" dirty="0">
@@ -11148,7 +11394,7 @@
         <p:spPr>
           <a:xfrm>
             <a:off x="5638679" y="1386700"/>
-            <a:ext cx="2199641" cy="369332"/>
+            <a:ext cx="1899879" cy="369332"/>
           </a:xfrm>
           <a:prstGeom prst="rect">
             <a:avLst/>
@@ -11166,25 +11412,32 @@
               <a:buChar char="u"/>
             </a:pPr>
             <a:r>
-              <a:rPr lang="en-US" altLang="zh-CN" dirty="0">
+              <a:rPr lang="en-US" altLang="zh-CN" dirty="0" smtClean="0">
                 <a:solidFill>
                   <a:srgbClr val="2E90B8"/>
                 </a:solidFill>
                 <a:latin typeface="微软雅黑" panose="020B0503020204020204" pitchFamily="34" charset="-122"/>
                 <a:ea typeface="微软雅黑" panose="020B0503020204020204" pitchFamily="34" charset="-122"/>
               </a:rPr>
-              <a:t>3. Either </a:t>
-            </a:r>
-            <a:r>
-              <a:rPr lang="zh-CN" altLang="en-US" dirty="0">
+              <a:t>2. Either </a:t>
+            </a:r>
+            <a:r>
+              <a:rPr lang="zh-CN" altLang="en-US" dirty="0" smtClean="0">
                 <a:solidFill>
                   <a:srgbClr val="2E90B8"/>
                 </a:solidFill>
                 <a:latin typeface="微软雅黑" panose="020B0503020204020204" pitchFamily="34" charset="-122"/>
                 <a:ea typeface="微软雅黑" panose="020B0503020204020204" pitchFamily="34" charset="-122"/>
               </a:rPr>
-              <a:t>和 异常</a:t>
-            </a:r>
+              <a:t>示例</a:t>
+            </a:r>
+            <a:endParaRPr lang="zh-CN" altLang="en-US" dirty="0">
+              <a:solidFill>
+                <a:srgbClr val="2E90B8"/>
+              </a:solidFill>
+              <a:latin typeface="微软雅黑" panose="020B0503020204020204" pitchFamily="34" charset="-122"/>
+              <a:ea typeface="微软雅黑" panose="020B0503020204020204" pitchFamily="34" charset="-122"/>
+            </a:endParaRPr>
           </a:p>
         </p:txBody>
       </p:sp>
@@ -11202,8 +11455,8 @@
         </p:nvSpPr>
         <p:spPr>
           <a:xfrm>
-            <a:off x="1485741" y="3798331"/>
-            <a:ext cx="4152938" cy="1526187"/>
+            <a:off x="1485740" y="3798331"/>
+            <a:ext cx="4930557" cy="1200329"/>
           </a:xfrm>
           <a:prstGeom prst="rect">
             <a:avLst/>
@@ -11247,7 +11500,33 @@
                 <a:latin typeface="微软雅黑" panose="020B0503020204020204" pitchFamily="34" charset="-122"/>
                 <a:ea typeface="微软雅黑" panose="020B0503020204020204" pitchFamily="34" charset="-122"/>
               </a:rPr>
-              <a:t>错误机制</a:t>
+              <a:t>错误</a:t>
+            </a:r>
+            <a:r>
+              <a:rPr lang="zh-CN" altLang="en-US" sz="1600" dirty="0" smtClean="0">
+                <a:solidFill>
+                  <a:schemeClr val="tx1">
+                    <a:lumMod val="75000"/>
+                    <a:lumOff val="25000"/>
+                  </a:schemeClr>
+                </a:solidFill>
+                <a:latin typeface="微软雅黑" panose="020B0503020204020204" pitchFamily="34" charset="-122"/>
+                <a:ea typeface="微软雅黑" panose="020B0503020204020204" pitchFamily="34" charset="-122"/>
+              </a:rPr>
+              <a:t>机制 </a:t>
+            </a:r>
+            <a:r>
+              <a:rPr lang="en-US" altLang="zh-CN" sz="1600" dirty="0" smtClean="0">
+                <a:solidFill>
+                  <a:schemeClr val="tx1">
+                    <a:lumMod val="75000"/>
+                    <a:lumOff val="25000"/>
+                  </a:schemeClr>
+                </a:solidFill>
+                <a:latin typeface="微软雅黑" panose="020B0503020204020204" pitchFamily="34" charset="-122"/>
+                <a:ea typeface="微软雅黑" panose="020B0503020204020204" pitchFamily="34" charset="-122"/>
+              </a:rPr>
+              <a:t>=&gt; error either(Exception)</a:t>
             </a:r>
             <a:endParaRPr lang="en-US" altLang="zh-CN" sz="1600" dirty="0">
               <a:solidFill>
@@ -11269,27 +11548,18 @@
               <a:buChar char="•"/>
             </a:pPr>
             <a:r>
-              <a:rPr lang="en-US" altLang="zh-CN" sz="1600" dirty="0">
-                <a:solidFill>
-                  <a:schemeClr val="tx1">
-                    <a:lumMod val="75000"/>
-                    <a:lumOff val="25000"/>
-                  </a:schemeClr>
-                </a:solidFill>
-                <a:latin typeface="微软雅黑" panose="020B0503020204020204" pitchFamily="34" charset="-122"/>
-                <a:ea typeface="微软雅黑" panose="020B0503020204020204" pitchFamily="34" charset="-122"/>
-              </a:rPr>
-              <a:t>Panic</a:t>
-            </a:r>
-          </a:p>
-          <a:p>
-            <a:pPr marL="285750" indent="-285750">
-              <a:lnSpc>
-                <a:spcPct val="150000"/>
-              </a:lnSpc>
-              <a:buFont typeface="Arial" panose="020B0604020202020204" pitchFamily="34" charset="0"/>
-              <a:buChar char="•"/>
-            </a:pPr>
+              <a:rPr lang="en-US" altLang="zh-CN" sz="1600" dirty="0" smtClean="0">
+                <a:solidFill>
+                  <a:schemeClr val="tx1">
+                    <a:lumMod val="75000"/>
+                    <a:lumOff val="25000"/>
+                  </a:schemeClr>
+                </a:solidFill>
+                <a:latin typeface="微软雅黑" panose="020B0503020204020204" pitchFamily="34" charset="-122"/>
+                <a:ea typeface="微软雅黑" panose="020B0503020204020204" pitchFamily="34" charset="-122"/>
+              </a:rPr>
+              <a:t>Panic =&gt; (Error)</a:t>
+            </a:r>
             <a:endParaRPr lang="en-US" altLang="zh-CN" sz="1600" dirty="0">
               <a:solidFill>
                 <a:schemeClr val="tx1">
@@ -11309,58 +11579,6 @@
               <a:buFont typeface="Arial" panose="020B0604020202020204" pitchFamily="34" charset="0"/>
               <a:buChar char="•"/>
             </a:pPr>
-            <a:r>
-              <a:rPr lang="en-US" altLang="zh-CN" sz="1600" dirty="0">
-                <a:solidFill>
-                  <a:schemeClr val="tx1">
-                    <a:lumMod val="75000"/>
-                    <a:lumOff val="25000"/>
-                  </a:schemeClr>
-                </a:solidFill>
-                <a:latin typeface="微软雅黑" panose="020B0503020204020204" pitchFamily="34" charset="-122"/>
-                <a:ea typeface="微软雅黑" panose="020B0503020204020204" pitchFamily="34" charset="-122"/>
-              </a:rPr>
-              <a:t>TODO</a:t>
-            </a:r>
-            <a:r>
-              <a:rPr lang="zh-CN" altLang="en-US" sz="1600" dirty="0">
-                <a:solidFill>
-                  <a:schemeClr val="tx1">
-                    <a:lumMod val="75000"/>
-                    <a:lumOff val="25000"/>
-                  </a:schemeClr>
-                </a:solidFill>
-                <a:latin typeface="微软雅黑" panose="020B0503020204020204" pitchFamily="34" charset="-122"/>
-                <a:ea typeface="微软雅黑" panose="020B0503020204020204" pitchFamily="34" charset="-122"/>
-              </a:rPr>
-              <a:t>：</a:t>
-            </a:r>
-            <a:r>
-              <a:rPr lang="en-US" altLang="zh-CN" sz="1600" dirty="0">
-                <a:solidFill>
-                  <a:schemeClr val="tx1">
-                    <a:lumMod val="75000"/>
-                    <a:lumOff val="25000"/>
-                  </a:schemeClr>
-                </a:solidFill>
-                <a:latin typeface="微软雅黑" panose="020B0503020204020204" pitchFamily="34" charset="-122"/>
-                <a:ea typeface="微软雅黑" panose="020B0503020204020204" pitchFamily="34" charset="-122"/>
-              </a:rPr>
-              <a:t>go</a:t>
-            </a:r>
-            <a:r>
-              <a:rPr lang="zh-CN" altLang="en-US" sz="1600" dirty="0">
-                <a:solidFill>
-                  <a:schemeClr val="tx1">
-                    <a:lumMod val="75000"/>
-                    <a:lumOff val="25000"/>
-                  </a:schemeClr>
-                </a:solidFill>
-                <a:latin typeface="微软雅黑" panose="020B0503020204020204" pitchFamily="34" charset="-122"/>
-                <a:ea typeface="微软雅黑" panose="020B0503020204020204" pitchFamily="34" charset="-122"/>
-              </a:rPr>
-              <a:t>代码举例</a:t>
-            </a:r>
             <a:endParaRPr lang="en-US" altLang="zh-CN" sz="1600" dirty="0">
               <a:solidFill>
                 <a:schemeClr val="tx1">
@@ -11389,7 +11607,7 @@
         <p:spPr>
           <a:xfrm>
             <a:off x="5906522" y="1756032"/>
-            <a:ext cx="3038234" cy="1156855"/>
+            <a:ext cx="3038234" cy="1084912"/>
           </a:xfrm>
           <a:prstGeom prst="rect">
             <a:avLst/>
@@ -11410,17 +11628,17 @@
               <a:buChar char="•"/>
             </a:pPr>
             <a:r>
-              <a:rPr lang="en-US" altLang="zh-CN" sz="1600" dirty="0" err="1">
-                <a:solidFill>
-                  <a:schemeClr val="tx1">
-                    <a:lumMod val="75000"/>
-                    <a:lumOff val="25000"/>
-                  </a:schemeClr>
-                </a:solidFill>
-                <a:latin typeface="微软雅黑" panose="020B0503020204020204" pitchFamily="34" charset="-122"/>
-                <a:ea typeface="微软雅黑" panose="020B0503020204020204" pitchFamily="34" charset="-122"/>
-              </a:rPr>
-              <a:t>EitherAPI</a:t>
+              <a:rPr lang="en-US" altLang="zh-CN" sz="1600" dirty="0" smtClean="0">
+                <a:solidFill>
+                  <a:schemeClr val="tx1">
+                    <a:lumMod val="75000"/>
+                    <a:lumOff val="25000"/>
+                  </a:schemeClr>
+                </a:solidFill>
+                <a:latin typeface="微软雅黑" panose="020B0503020204020204" pitchFamily="34" charset="-122"/>
+                <a:ea typeface="微软雅黑" panose="020B0503020204020204" pitchFamily="34" charset="-122"/>
+              </a:rPr>
+              <a:t>Either API</a:t>
             </a:r>
             <a:endParaRPr lang="en-US" altLang="zh-CN" sz="1600" dirty="0">
               <a:solidFill>
@@ -11453,7 +11671,7 @@
             </a:endParaRPr>
           </a:p>
           <a:p>
-            <a:pPr marL="285750" indent="-285750">
+            <a:pPr marL="285750" lvl="0" indent="-285750">
               <a:lnSpc>
                 <a:spcPct val="150000"/>
               </a:lnSpc>
@@ -11461,37 +11679,31 @@
               <a:buChar char="•"/>
             </a:pPr>
             <a:r>
-              <a:rPr lang="en-US" altLang="zh-CN" sz="1600" dirty="0">
-                <a:solidFill>
-                  <a:schemeClr val="tx1">
-                    <a:lumMod val="75000"/>
-                    <a:lumOff val="25000"/>
-                  </a:schemeClr>
-                </a:solidFill>
-                <a:latin typeface="微软雅黑" panose="020B0503020204020204" pitchFamily="34" charset="-122"/>
-                <a:ea typeface="微软雅黑" panose="020B0503020204020204" pitchFamily="34" charset="-122"/>
-              </a:rPr>
-              <a:t>TODO</a:t>
-            </a:r>
-            <a:r>
-              <a:rPr lang="zh-CN" altLang="en-US" sz="1600" dirty="0">
-                <a:solidFill>
-                  <a:schemeClr val="tx1">
-                    <a:lumMod val="75000"/>
-                    <a:lumOff val="25000"/>
-                  </a:schemeClr>
-                </a:solidFill>
-                <a:latin typeface="微软雅黑" panose="020B0503020204020204" pitchFamily="34" charset="-122"/>
-                <a:ea typeface="微软雅黑" panose="020B0503020204020204" pitchFamily="34" charset="-122"/>
-              </a:rPr>
-              <a:t>：举例</a:t>
+              <a:rPr lang="en-US" altLang="zh-CN" sz="1100" u="sng" dirty="0">
+                <a:solidFill>
+                  <a:srgbClr val="00B0F0"/>
+                </a:solidFill>
+                <a:latin typeface="微软雅黑" panose="020B0503020204020204" pitchFamily="34" charset="-122"/>
+                <a:ea typeface="微软雅黑" panose="020B0503020204020204" pitchFamily="34" charset="-122"/>
+              </a:rPr>
+              <a:t>=&gt; </a:t>
+            </a:r>
+            <a:r>
+              <a:rPr lang="en-US" altLang="zh-CN" sz="1100" u="sng" dirty="0" err="1" smtClean="0">
+                <a:solidFill>
+                  <a:srgbClr val="00B0F0"/>
+                </a:solidFill>
+                <a:latin typeface="微软雅黑" panose="020B0503020204020204" pitchFamily="34" charset="-122"/>
+                <a:ea typeface="微软雅黑" panose="020B0503020204020204" pitchFamily="34" charset="-122"/>
+              </a:rPr>
+              <a:t>EiteherTest</a:t>
             </a:r>
             <a:endParaRPr lang="en-US" altLang="zh-CN" sz="1600" dirty="0">
               <a:solidFill>
-                <a:schemeClr val="tx1">
+                <a:prstClr val="black">
                   <a:lumMod val="75000"/>
                   <a:lumOff val="25000"/>
-                </a:schemeClr>
+                </a:prstClr>
               </a:solidFill>
               <a:latin typeface="微软雅黑" panose="020B0503020204020204" pitchFamily="34" charset="-122"/>
               <a:ea typeface="微软雅黑" panose="020B0503020204020204" pitchFamily="34" charset="-122"/>
@@ -11509,6 +11721,13 @@
   <p:clrMapOvr>
     <a:masterClrMapping/>
   </p:clrMapOvr>
+  <p:timing>
+    <p:tnLst>
+      <p:par>
+        <p:cTn id="1" dur="indefinite" restart="never" nodeType="tmRoot"/>
+      </p:par>
+    </p:tnLst>
+  </p:timing>
 </p:sld>
 </file>
 
@@ -12347,6 +12566,13 @@
   <p:clrMapOvr>
     <a:masterClrMapping/>
   </p:clrMapOvr>
+  <p:timing>
+    <p:tnLst>
+      <p:par>
+        <p:cTn id="1" dur="indefinite" restart="never" nodeType="tmRoot"/>
+      </p:par>
+    </p:tnLst>
+  </p:timing>
 </p:sld>
 </file>
 
@@ -13251,7 +13477,7 @@
         </p:nvSpPr>
         <p:spPr>
           <a:xfrm>
-            <a:off x="516821" y="1166270"/>
+            <a:off x="718229" y="1187448"/>
             <a:ext cx="1266244" cy="369332"/>
           </a:xfrm>
           <a:prstGeom prst="rect">
@@ -13428,8 +13654,8 @@
         </p:nvSpPr>
         <p:spPr>
           <a:xfrm>
-            <a:off x="619462" y="1704031"/>
-            <a:ext cx="10969564" cy="1526187"/>
+            <a:off x="983446" y="1704112"/>
+            <a:ext cx="10969564" cy="1823576"/>
           </a:xfrm>
           <a:prstGeom prst="rect">
             <a:avLst/>
@@ -13450,57 +13676,41 @@
               <a:buChar char="•"/>
             </a:pPr>
             <a:r>
-              <a:rPr lang="en-US" altLang="zh-CN" sz="1600" dirty="0" err="1">
-                <a:solidFill>
-                  <a:schemeClr val="tx1">
-                    <a:lumMod val="75000"/>
-                    <a:lumOff val="25000"/>
-                  </a:schemeClr>
-                </a:solidFill>
-                <a:latin typeface="微软雅黑" panose="020B0503020204020204" pitchFamily="34" charset="-122"/>
-                <a:ea typeface="微软雅黑" panose="020B0503020204020204" pitchFamily="34" charset="-122"/>
-              </a:rPr>
-              <a:t>Vavr</a:t>
-            </a:r>
-            <a:r>
-              <a:rPr lang="zh-CN" altLang="en-US" sz="1600" dirty="0">
-                <a:solidFill>
-                  <a:schemeClr val="tx1">
-                    <a:lumMod val="75000"/>
-                    <a:lumOff val="25000"/>
-                  </a:schemeClr>
-                </a:solidFill>
-                <a:latin typeface="微软雅黑" panose="020B0503020204020204" pitchFamily="34" charset="-122"/>
-                <a:ea typeface="微软雅黑" panose="020B0503020204020204" pitchFamily="34" charset="-122"/>
-              </a:rPr>
-              <a:t>是</a:t>
-            </a:r>
-            <a:r>
-              <a:rPr lang="en-US" altLang="zh-CN" sz="1600" dirty="0">
-                <a:solidFill>
-                  <a:schemeClr val="tx1">
-                    <a:lumMod val="75000"/>
-                    <a:lumOff val="25000"/>
-                  </a:schemeClr>
-                </a:solidFill>
-                <a:latin typeface="微软雅黑" panose="020B0503020204020204" pitchFamily="34" charset="-122"/>
-                <a:ea typeface="微软雅黑" panose="020B0503020204020204" pitchFamily="34" charset="-122"/>
-              </a:rPr>
-              <a:t>Java 8 </a:t>
-            </a:r>
-            <a:r>
-              <a:rPr lang="zh-CN" altLang="en-US" sz="1600" dirty="0">
-                <a:solidFill>
-                  <a:schemeClr val="tx1">
-                    <a:lumMod val="75000"/>
-                    <a:lumOff val="25000"/>
-                  </a:schemeClr>
-                </a:solidFill>
-                <a:latin typeface="微软雅黑" panose="020B0503020204020204" pitchFamily="34" charset="-122"/>
-                <a:ea typeface="微软雅黑" panose="020B0503020204020204" pitchFamily="34" charset="-122"/>
-              </a:rPr>
-              <a:t>的对象函数式扩展，目标是减少代码行数，提高代码质量，提供了持久化集合、错误处理函数式抽象、模式匹配等等。</a:t>
-            </a:r>
+              <a:rPr lang="en-US" altLang="zh-CN" sz="1600" dirty="0" smtClean="0">
+                <a:solidFill>
+                  <a:schemeClr val="tx1">
+                    <a:lumMod val="75000"/>
+                    <a:lumOff val="25000"/>
+                  </a:schemeClr>
+                </a:solidFill>
+                <a:latin typeface="微软雅黑" panose="020B0503020204020204" pitchFamily="34" charset="-122"/>
+                <a:ea typeface="微软雅黑" panose="020B0503020204020204" pitchFamily="34" charset="-122"/>
+              </a:rPr>
+              <a:t>Try </a:t>
+            </a:r>
+            <a:r>
+              <a:rPr lang="zh-CN" altLang="en-US" sz="1600" dirty="0" smtClean="0">
+                <a:solidFill>
+                  <a:schemeClr val="tx1">
+                    <a:lumMod val="75000"/>
+                    <a:lumOff val="25000"/>
+                  </a:schemeClr>
+                </a:solidFill>
+                <a:latin typeface="微软雅黑" panose="020B0503020204020204" pitchFamily="34" charset="-122"/>
+                <a:ea typeface="微软雅黑" panose="020B0503020204020204" pitchFamily="34" charset="-122"/>
+              </a:rPr>
+              <a:t>复杂步骤子过程建模</a:t>
+            </a:r>
+            <a:endParaRPr lang="en-US" altLang="zh-CN" sz="1600" dirty="0" smtClean="0">
+              <a:solidFill>
+                <a:schemeClr val="tx1">
+                  <a:lumMod val="75000"/>
+                  <a:lumOff val="25000"/>
+                </a:schemeClr>
+              </a:solidFill>
+              <a:latin typeface="微软雅黑" panose="020B0503020204020204" pitchFamily="34" charset="-122"/>
+              <a:ea typeface="微软雅黑" panose="020B0503020204020204" pitchFamily="34" charset="-122"/>
+            </a:endParaRPr>
           </a:p>
           <a:p>
             <a:pPr marL="285750" indent="-285750">
@@ -13511,44 +13721,37 @@
               <a:buChar char="•"/>
             </a:pPr>
             <a:r>
-              <a:rPr lang="en-US" altLang="zh-CN" sz="1600" dirty="0" err="1">
-                <a:solidFill>
-                  <a:schemeClr val="tx1">
-                    <a:lumMod val="75000"/>
-                    <a:lumOff val="25000"/>
-                  </a:schemeClr>
-                </a:solidFill>
-                <a:latin typeface="微软雅黑" panose="020B0503020204020204" pitchFamily="34" charset="-122"/>
-                <a:ea typeface="微软雅黑" panose="020B0503020204020204" pitchFamily="34" charset="-122"/>
-              </a:rPr>
-              <a:t>Vavr</a:t>
-            </a:r>
-            <a:r>
-              <a:rPr lang="en-US" altLang="zh-CN" sz="1600" dirty="0">
-                <a:solidFill>
-                  <a:schemeClr val="tx1">
-                    <a:lumMod val="75000"/>
-                    <a:lumOff val="25000"/>
-                  </a:schemeClr>
-                </a:solidFill>
-                <a:latin typeface="微软雅黑" panose="020B0503020204020204" pitchFamily="34" charset="-122"/>
-                <a:ea typeface="微软雅黑" panose="020B0503020204020204" pitchFamily="34" charset="-122"/>
-              </a:rPr>
-              <a:t> </a:t>
-            </a:r>
-            <a:r>
-              <a:rPr lang="zh-CN" altLang="en-US" sz="1600" dirty="0">
-                <a:solidFill>
-                  <a:schemeClr val="tx1">
-                    <a:lumMod val="75000"/>
-                    <a:lumOff val="25000"/>
-                  </a:schemeClr>
-                </a:solidFill>
-                <a:latin typeface="微软雅黑" panose="020B0503020204020204" pitchFamily="34" charset="-122"/>
-                <a:ea typeface="微软雅黑" panose="020B0503020204020204" pitchFamily="34" charset="-122"/>
-              </a:rPr>
-              <a:t>融合了面向对象编程的强大功能，具有功能编程的优雅性和坚固性。 </a:t>
-            </a:r>
+              <a:rPr lang="zh-CN" altLang="en-US" sz="1600" dirty="0" smtClean="0">
+                <a:solidFill>
+                  <a:schemeClr val="tx1">
+                    <a:lumMod val="75000"/>
+                    <a:lumOff val="25000"/>
+                  </a:schemeClr>
+                </a:solidFill>
+                <a:latin typeface="微软雅黑" panose="020B0503020204020204" pitchFamily="34" charset="-122"/>
+                <a:ea typeface="微软雅黑" panose="020B0503020204020204" pitchFamily="34" charset="-122"/>
+              </a:rPr>
+              <a:t>强制思考异常处理</a:t>
+            </a:r>
+            <a:endParaRPr lang="en-US" altLang="zh-CN" sz="1600" dirty="0" smtClean="0">
+              <a:solidFill>
+                <a:schemeClr val="tx1">
+                  <a:lumMod val="75000"/>
+                  <a:lumOff val="25000"/>
+                </a:schemeClr>
+              </a:solidFill>
+              <a:latin typeface="微软雅黑" panose="020B0503020204020204" pitchFamily="34" charset="-122"/>
+              <a:ea typeface="微软雅黑" panose="020B0503020204020204" pitchFamily="34" charset="-122"/>
+            </a:endParaRPr>
+          </a:p>
+          <a:p>
+            <a:pPr marL="285750" indent="-285750">
+              <a:lnSpc>
+                <a:spcPct val="150000"/>
+              </a:lnSpc>
+              <a:buFont typeface="Arial" panose="020B0604020202020204" pitchFamily="34" charset="0"/>
+              <a:buChar char="•"/>
+            </a:pPr>
             <a:endParaRPr lang="en-US" altLang="zh-CN" sz="1600" dirty="0">
               <a:solidFill>
                 <a:schemeClr val="tx1">
@@ -13561,6 +13764,45 @@
             </a:endParaRPr>
           </a:p>
           <a:p>
+            <a:pPr marL="285750" lvl="0" indent="-285750">
+              <a:lnSpc>
+                <a:spcPct val="150000"/>
+              </a:lnSpc>
+              <a:buFont typeface="Arial" panose="020B0604020202020204" pitchFamily="34" charset="0"/>
+              <a:buChar char="•"/>
+            </a:pPr>
+            <a:r>
+              <a:rPr lang="en-US" altLang="zh-CN" sz="1100" u="sng" dirty="0">
+                <a:solidFill>
+                  <a:srgbClr val="00B0F0"/>
+                </a:solidFill>
+                <a:latin typeface="微软雅黑" panose="020B0503020204020204" pitchFamily="34" charset="-122"/>
+                <a:ea typeface="微软雅黑" panose="020B0503020204020204" pitchFamily="34" charset="-122"/>
+              </a:rPr>
+              <a:t>=&gt; </a:t>
+            </a:r>
+            <a:r>
+              <a:rPr lang="en-US" altLang="zh-CN" sz="1100" u="sng" dirty="0" err="1" smtClean="0">
+                <a:solidFill>
+                  <a:srgbClr val="00B0F0"/>
+                </a:solidFill>
+                <a:latin typeface="微软雅黑" panose="020B0503020204020204" pitchFamily="34" charset="-122"/>
+                <a:ea typeface="微软雅黑" panose="020B0503020204020204" pitchFamily="34" charset="-122"/>
+              </a:rPr>
+              <a:t>TryTest</a:t>
+            </a:r>
+            <a:endParaRPr lang="en-US" altLang="zh-CN" sz="1600" dirty="0">
+              <a:solidFill>
+                <a:prstClr val="black">
+                  <a:lumMod val="75000"/>
+                  <a:lumOff val="25000"/>
+                </a:prstClr>
+              </a:solidFill>
+              <a:latin typeface="微软雅黑" panose="020B0503020204020204" pitchFamily="34" charset="-122"/>
+              <a:ea typeface="微软雅黑" panose="020B0503020204020204" pitchFamily="34" charset="-122"/>
+            </a:endParaRPr>
+          </a:p>
+          <a:p>
             <a:pPr marL="285750" indent="-285750">
               <a:lnSpc>
                 <a:spcPct val="150000"/>
@@ -13568,45 +13810,16 @@
               <a:buFont typeface="Arial" panose="020B0604020202020204" pitchFamily="34" charset="0"/>
               <a:buChar char="•"/>
             </a:pPr>
-            <a:r>
-              <a:rPr lang="zh-CN" altLang="en-US" sz="1600" dirty="0">
-                <a:solidFill>
-                  <a:schemeClr val="tx1">
-                    <a:lumMod val="75000"/>
-                    <a:lumOff val="25000"/>
-                  </a:schemeClr>
-                </a:solidFill>
-                <a:latin typeface="微软雅黑" panose="020B0503020204020204" pitchFamily="34" charset="-122"/>
-                <a:ea typeface="微软雅黑" panose="020B0503020204020204" pitchFamily="34" charset="-122"/>
-              </a:rPr>
-              <a:t>最有趣的部分是拥有功能丰富且持久的集合库，可以与 </a:t>
-            </a:r>
-            <a:r>
-              <a:rPr lang="en-US" altLang="zh-CN" sz="1600" dirty="0">
-                <a:solidFill>
-                  <a:schemeClr val="tx1">
-                    <a:lumMod val="75000"/>
-                    <a:lumOff val="25000"/>
-                  </a:schemeClr>
-                </a:solidFill>
-                <a:latin typeface="微软雅黑" panose="020B0503020204020204" pitchFamily="34" charset="-122"/>
-                <a:ea typeface="微软雅黑" panose="020B0503020204020204" pitchFamily="34" charset="-122"/>
-              </a:rPr>
-              <a:t>Java </a:t>
-            </a:r>
-            <a:r>
-              <a:rPr lang="zh-CN" altLang="en-US" sz="1600" dirty="0">
-                <a:solidFill>
-                  <a:schemeClr val="tx1">
-                    <a:lumMod val="75000"/>
-                    <a:lumOff val="25000"/>
-                  </a:schemeClr>
-                </a:solidFill>
-                <a:latin typeface="微软雅黑" panose="020B0503020204020204" pitchFamily="34" charset="-122"/>
-                <a:ea typeface="微软雅黑" panose="020B0503020204020204" pitchFamily="34" charset="-122"/>
-              </a:rPr>
-              <a:t>的标准集合顺利集成。</a:t>
-            </a:r>
+            <a:endParaRPr lang="zh-CN" altLang="en-US" sz="1600" dirty="0">
+              <a:solidFill>
+                <a:schemeClr val="tx1">
+                  <a:lumMod val="75000"/>
+                  <a:lumOff val="25000"/>
+                </a:schemeClr>
+              </a:solidFill>
+              <a:latin typeface="微软雅黑" panose="020B0503020204020204" pitchFamily="34" charset="-122"/>
+              <a:ea typeface="微软雅黑" panose="020B0503020204020204" pitchFamily="34" charset="-122"/>
+            </a:endParaRPr>
           </a:p>
         </p:txBody>
       </p:sp>
@@ -13624,7 +13837,7 @@
         </p:nvSpPr>
         <p:spPr>
           <a:xfrm>
-            <a:off x="619461" y="3786331"/>
+            <a:off x="4600549" y="1111218"/>
             <a:ext cx="2247154" cy="369332"/>
           </a:xfrm>
           <a:prstGeom prst="rect">
@@ -13668,6 +13881,2260 @@
               </a:solidFill>
               <a:latin typeface="微软雅黑" panose="020B0503020204020204" pitchFamily="34" charset="-122"/>
               <a:ea typeface="微软雅黑" panose="020B0503020204020204" pitchFamily="34" charset="-122"/>
+            </a:endParaRPr>
+          </a:p>
+        </p:txBody>
+      </p:sp>
+      <p:sp>
+        <p:nvSpPr>
+          <p:cNvPr id="3" name="Rectangle 2"/>
+          <p:cNvSpPr>
+            <a:spLocks noChangeArrowheads="1"/>
+          </p:cNvSpPr>
+          <p:nvPr/>
+        </p:nvSpPr>
+        <p:spPr bwMode="auto">
+          <a:xfrm>
+            <a:off x="4716632" y="1697422"/>
+            <a:ext cx="6872394" cy="4832092"/>
+          </a:xfrm>
+          <a:prstGeom prst="rect">
+            <a:avLst/>
+          </a:prstGeom>
+          <a:solidFill>
+            <a:srgbClr val="2B2B2B"/>
+          </a:solidFill>
+          <a:ln>
+            <a:noFill/>
+          </a:ln>
+          <a:effectLst/>
+          <a:extLst>
+            <a:ext uri="{91240B29-F687-4F45-9708-019B960494DF}">
+              <a14:hiddenLine xmlns:a14="http://schemas.microsoft.com/office/drawing/2010/main" w="9525">
+                <a:solidFill>
+                  <a:schemeClr val="tx1"/>
+                </a:solidFill>
+                <a:miter lim="800000"/>
+                <a:headEnd/>
+                <a:tailEnd/>
+              </a14:hiddenLine>
+            </a:ext>
+            <a:ext uri="{AF507438-7753-43E0-B8FC-AC1667EBCBE1}">
+              <a14:hiddenEffects xmlns:a14="http://schemas.microsoft.com/office/drawing/2010/main">
+                <a:effectLst>
+                  <a:outerShdw dist="35921" dir="2700000" algn="ctr" rotWithShape="0">
+                    <a:schemeClr val="bg2"/>
+                  </a:outerShdw>
+                </a:effectLst>
+              </a14:hiddenEffects>
+            </a:ext>
+          </a:extLst>
+        </p:spPr>
+        <p:txBody>
+          <a:bodyPr vert="horz" wrap="none" lIns="91440" tIns="45720" rIns="91440" bIns="45720" numCol="1" anchor="ctr" anchorCtr="0" compatLnSpc="1">
+            <a:prstTxWarp prst="textNoShape">
+              <a:avLst/>
+            </a:prstTxWarp>
+            <a:spAutoFit/>
+          </a:bodyPr>
+          <a:lstStyle/>
+          <a:p>
+            <a:pPr marL="0" marR="0" lvl="0" indent="0" algn="l" defTabSz="914400" rtl="0" eaLnBrk="0" fontAlgn="base" latinLnBrk="0" hangingPunct="0">
+              <a:lnSpc>
+                <a:spcPct val="100000"/>
+              </a:lnSpc>
+              <a:spcBef>
+                <a:spcPct val="0"/>
+              </a:spcBef>
+              <a:spcAft>
+                <a:spcPct val="0"/>
+              </a:spcAft>
+              <a:buClrTx/>
+              <a:buSzTx/>
+              <a:buFontTx/>
+              <a:buNone/>
+              <a:tabLst/>
+            </a:pPr>
+            <a:r>
+              <a:rPr kumimoji="0" lang="zh-CN" altLang="zh-CN" sz="1100" b="0" i="0" u="none" strike="noStrike" cap="none" normalizeH="0" baseline="0" dirty="0" smtClean="0">
+                <a:ln>
+                  <a:noFill/>
+                </a:ln>
+                <a:solidFill>
+                  <a:srgbClr val="CC7832"/>
+                </a:solidFill>
+                <a:effectLst/>
+                <a:latin typeface="Arial Unicode MS" panose="020B0604020202020204" pitchFamily="34" charset="-122"/>
+                <a:ea typeface="Source Code Pro"/>
+              </a:rPr>
+              <a:t>public </a:t>
+            </a:r>
+            <a:r>
+              <a:rPr kumimoji="0" lang="zh-CN" altLang="zh-CN" sz="1100" b="0" i="0" u="none" strike="noStrike" cap="none" normalizeH="0" baseline="0" dirty="0" smtClean="0">
+                <a:ln>
+                  <a:noFill/>
+                </a:ln>
+                <a:solidFill>
+                  <a:srgbClr val="A9B7C6"/>
+                </a:solidFill>
+                <a:effectLst/>
+                <a:latin typeface="Arial Unicode MS" panose="020B0604020202020204" pitchFamily="34" charset="-122"/>
+                <a:ea typeface="Source Code Pro"/>
+              </a:rPr>
+              <a:t>List&lt;User&gt; </a:t>
+            </a:r>
+            <a:r>
+              <a:rPr kumimoji="0" lang="zh-CN" altLang="zh-CN" sz="1100" b="0" i="0" u="none" strike="noStrike" cap="none" normalizeH="0" baseline="0" dirty="0" smtClean="0">
+                <a:ln>
+                  <a:noFill/>
+                </a:ln>
+                <a:solidFill>
+                  <a:srgbClr val="FFC66D"/>
+                </a:solidFill>
+                <a:effectLst/>
+                <a:latin typeface="Arial Unicode MS" panose="020B0604020202020204" pitchFamily="34" charset="-122"/>
+                <a:ea typeface="Source Code Pro"/>
+              </a:rPr>
+              <a:t>circuitBreakerTimeLimiter</a:t>
+            </a:r>
+            <a:r>
+              <a:rPr kumimoji="0" lang="zh-CN" altLang="zh-CN" sz="1100" b="0" i="0" u="none" strike="noStrike" cap="none" normalizeH="0" baseline="0" dirty="0" smtClean="0">
+                <a:ln>
+                  <a:noFill/>
+                </a:ln>
+                <a:solidFill>
+                  <a:srgbClr val="A9B7C6"/>
+                </a:solidFill>
+                <a:effectLst/>
+                <a:latin typeface="Arial Unicode MS" panose="020B0604020202020204" pitchFamily="34" charset="-122"/>
+                <a:ea typeface="Source Code Pro"/>
+              </a:rPr>
+              <a:t>(){</a:t>
+            </a:r>
+            <a:br>
+              <a:rPr kumimoji="0" lang="zh-CN" altLang="zh-CN" sz="1100" b="0" i="0" u="none" strike="noStrike" cap="none" normalizeH="0" baseline="0" dirty="0" smtClean="0">
+                <a:ln>
+                  <a:noFill/>
+                </a:ln>
+                <a:solidFill>
+                  <a:srgbClr val="A9B7C6"/>
+                </a:solidFill>
+                <a:effectLst/>
+                <a:latin typeface="Arial Unicode MS" panose="020B0604020202020204" pitchFamily="34" charset="-122"/>
+                <a:ea typeface="Source Code Pro"/>
+              </a:rPr>
+            </a:br>
+            <a:r>
+              <a:rPr kumimoji="0" lang="zh-CN" altLang="zh-CN" sz="1100" b="0" i="0" u="none" strike="noStrike" cap="none" normalizeH="0" baseline="0" dirty="0" smtClean="0">
+                <a:ln>
+                  <a:noFill/>
+                </a:ln>
+                <a:solidFill>
+                  <a:srgbClr val="A9B7C6"/>
+                </a:solidFill>
+                <a:effectLst/>
+                <a:latin typeface="Arial Unicode MS" panose="020B0604020202020204" pitchFamily="34" charset="-122"/>
+                <a:ea typeface="Source Code Pro"/>
+              </a:rPr>
+              <a:t>    </a:t>
+            </a:r>
+            <a:r>
+              <a:rPr kumimoji="0" lang="zh-CN" altLang="zh-CN" sz="1100" b="0" i="0" u="none" strike="noStrike" cap="none" normalizeH="0" baseline="0" dirty="0" smtClean="0">
+                <a:ln>
+                  <a:noFill/>
+                </a:ln>
+                <a:solidFill>
+                  <a:srgbClr val="808080"/>
+                </a:solidFill>
+                <a:effectLst/>
+                <a:latin typeface="Arial Unicode MS" panose="020B0604020202020204" pitchFamily="34" charset="-122"/>
+                <a:ea typeface="Source Code Pro"/>
+              </a:rPr>
+              <a:t>// </a:t>
+            </a:r>
+            <a:r>
+              <a:rPr kumimoji="0" lang="zh-CN" altLang="zh-CN" sz="1100" b="0" i="0" u="none" strike="noStrike" cap="none" normalizeH="0" baseline="0" dirty="0" smtClean="0">
+                <a:ln>
+                  <a:noFill/>
+                </a:ln>
+                <a:solidFill>
+                  <a:srgbClr val="808080"/>
+                </a:solidFill>
+                <a:effectLst/>
+                <a:latin typeface="宋体" panose="02010600030101010101" pitchFamily="2" charset="-122"/>
+                <a:ea typeface="宋体" panose="02010600030101010101" pitchFamily="2" charset="-122"/>
+              </a:rPr>
+              <a:t>通过注册器获取熔断器的实例</a:t>
+            </a:r>
+            <a:br>
+              <a:rPr kumimoji="0" lang="zh-CN" altLang="zh-CN" sz="1100" b="0" i="0" u="none" strike="noStrike" cap="none" normalizeH="0" baseline="0" dirty="0" smtClean="0">
+                <a:ln>
+                  <a:noFill/>
+                </a:ln>
+                <a:solidFill>
+                  <a:srgbClr val="808080"/>
+                </a:solidFill>
+                <a:effectLst/>
+                <a:latin typeface="宋体" panose="02010600030101010101" pitchFamily="2" charset="-122"/>
+                <a:ea typeface="宋体" panose="02010600030101010101" pitchFamily="2" charset="-122"/>
+              </a:rPr>
+            </a:br>
+            <a:r>
+              <a:rPr kumimoji="0" lang="zh-CN" altLang="zh-CN" sz="1100" b="0" i="0" u="none" strike="noStrike" cap="none" normalizeH="0" baseline="0" dirty="0" smtClean="0">
+                <a:ln>
+                  <a:noFill/>
+                </a:ln>
+                <a:solidFill>
+                  <a:srgbClr val="808080"/>
+                </a:solidFill>
+                <a:effectLst/>
+                <a:latin typeface="宋体" panose="02010600030101010101" pitchFamily="2" charset="-122"/>
+                <a:ea typeface="宋体" panose="02010600030101010101" pitchFamily="2" charset="-122"/>
+              </a:rPr>
+              <a:t>    </a:t>
+            </a:r>
+            <a:r>
+              <a:rPr kumimoji="0" lang="zh-CN" altLang="zh-CN" sz="1100" b="0" i="0" u="none" strike="noStrike" cap="none" normalizeH="0" baseline="0" dirty="0" smtClean="0">
+                <a:ln>
+                  <a:noFill/>
+                </a:ln>
+                <a:solidFill>
+                  <a:srgbClr val="A9B7C6"/>
+                </a:solidFill>
+                <a:effectLst/>
+                <a:latin typeface="Arial Unicode MS" panose="020B0604020202020204" pitchFamily="34" charset="-122"/>
+                <a:ea typeface="Source Code Pro"/>
+              </a:rPr>
+              <a:t>CircuitBreaker circuitBreaker = circuitBreakerRegistry.circuitBreaker(</a:t>
+            </a:r>
+            <a:r>
+              <a:rPr kumimoji="0" lang="zh-CN" altLang="zh-CN" sz="1100" b="0" i="0" u="none" strike="noStrike" cap="none" normalizeH="0" baseline="0" dirty="0" smtClean="0">
+                <a:ln>
+                  <a:noFill/>
+                </a:ln>
+                <a:solidFill>
+                  <a:srgbClr val="6A8759"/>
+                </a:solidFill>
+                <a:effectLst/>
+                <a:latin typeface="Arial Unicode MS" panose="020B0604020202020204" pitchFamily="34" charset="-122"/>
+                <a:ea typeface="Source Code Pro"/>
+              </a:rPr>
+              <a:t>"backendA"</a:t>
+            </a:r>
+            <a:r>
+              <a:rPr kumimoji="0" lang="zh-CN" altLang="zh-CN" sz="1100" b="0" i="0" u="none" strike="noStrike" cap="none" normalizeH="0" baseline="0" dirty="0" smtClean="0">
+                <a:ln>
+                  <a:noFill/>
+                </a:ln>
+                <a:solidFill>
+                  <a:srgbClr val="A9B7C6"/>
+                </a:solidFill>
+                <a:effectLst/>
+                <a:latin typeface="Arial Unicode MS" panose="020B0604020202020204" pitchFamily="34" charset="-122"/>
+                <a:ea typeface="Source Code Pro"/>
+              </a:rPr>
+              <a:t>)</a:t>
+            </a:r>
+            <a:r>
+              <a:rPr kumimoji="0" lang="zh-CN" altLang="zh-CN" sz="1100" b="0" i="0" u="none" strike="noStrike" cap="none" normalizeH="0" baseline="0" dirty="0" smtClean="0">
+                <a:ln>
+                  <a:noFill/>
+                </a:ln>
+                <a:solidFill>
+                  <a:srgbClr val="CC7832"/>
+                </a:solidFill>
+                <a:effectLst/>
+                <a:latin typeface="Arial Unicode MS" panose="020B0604020202020204" pitchFamily="34" charset="-122"/>
+                <a:ea typeface="Source Code Pro"/>
+              </a:rPr>
+              <a:t>;</a:t>
+            </a:r>
+            <a:br>
+              <a:rPr kumimoji="0" lang="zh-CN" altLang="zh-CN" sz="1100" b="0" i="0" u="none" strike="noStrike" cap="none" normalizeH="0" baseline="0" dirty="0" smtClean="0">
+                <a:ln>
+                  <a:noFill/>
+                </a:ln>
+                <a:solidFill>
+                  <a:srgbClr val="CC7832"/>
+                </a:solidFill>
+                <a:effectLst/>
+                <a:latin typeface="Arial Unicode MS" panose="020B0604020202020204" pitchFamily="34" charset="-122"/>
+                <a:ea typeface="Source Code Pro"/>
+              </a:rPr>
+            </a:br>
+            <a:r>
+              <a:rPr kumimoji="0" lang="zh-CN" altLang="zh-CN" sz="1100" b="0" i="0" u="none" strike="noStrike" cap="none" normalizeH="0" baseline="0" dirty="0" smtClean="0">
+                <a:ln>
+                  <a:noFill/>
+                </a:ln>
+                <a:solidFill>
+                  <a:srgbClr val="CC7832"/>
+                </a:solidFill>
+                <a:effectLst/>
+                <a:latin typeface="Arial Unicode MS" panose="020B0604020202020204" pitchFamily="34" charset="-122"/>
+                <a:ea typeface="Source Code Pro"/>
+              </a:rPr>
+              <a:t>    </a:t>
+            </a:r>
+            <a:r>
+              <a:rPr kumimoji="0" lang="zh-CN" altLang="zh-CN" sz="1100" b="0" i="0" u="none" strike="noStrike" cap="none" normalizeH="0" baseline="0" dirty="0" smtClean="0">
+                <a:ln>
+                  <a:noFill/>
+                </a:ln>
+                <a:solidFill>
+                  <a:srgbClr val="A9B7C6"/>
+                </a:solidFill>
+                <a:effectLst/>
+                <a:latin typeface="Arial Unicode MS" panose="020B0604020202020204" pitchFamily="34" charset="-122"/>
+                <a:ea typeface="Source Code Pro"/>
+              </a:rPr>
+              <a:t>CircuitBreakerUtil.getCircuitBreakerStatus(</a:t>
+            </a:r>
+            <a:r>
+              <a:rPr kumimoji="0" lang="zh-CN" altLang="zh-CN" sz="1100" b="0" i="0" u="none" strike="noStrike" cap="none" normalizeH="0" baseline="0" dirty="0" smtClean="0">
+                <a:ln>
+                  <a:noFill/>
+                </a:ln>
+                <a:solidFill>
+                  <a:srgbClr val="6A8759"/>
+                </a:solidFill>
+                <a:effectLst/>
+                <a:latin typeface="Arial Unicode MS" panose="020B0604020202020204" pitchFamily="34" charset="-122"/>
+                <a:ea typeface="Source Code Pro"/>
+              </a:rPr>
+              <a:t>"</a:t>
+            </a:r>
+            <a:r>
+              <a:rPr kumimoji="0" lang="zh-CN" altLang="zh-CN" sz="1100" b="0" i="0" u="none" strike="noStrike" cap="none" normalizeH="0" baseline="0" dirty="0" smtClean="0">
+                <a:ln>
+                  <a:noFill/>
+                </a:ln>
+                <a:solidFill>
+                  <a:srgbClr val="6A8759"/>
+                </a:solidFill>
+                <a:effectLst/>
+                <a:latin typeface="宋体" panose="02010600030101010101" pitchFamily="2" charset="-122"/>
+                <a:ea typeface="宋体" panose="02010600030101010101" pitchFamily="2" charset="-122"/>
+              </a:rPr>
+              <a:t>执行开始前：</a:t>
+            </a:r>
+            <a:r>
+              <a:rPr kumimoji="0" lang="zh-CN" altLang="zh-CN" sz="1100" b="0" i="0" u="none" strike="noStrike" cap="none" normalizeH="0" baseline="0" dirty="0" smtClean="0">
+                <a:ln>
+                  <a:noFill/>
+                </a:ln>
+                <a:solidFill>
+                  <a:srgbClr val="6A8759"/>
+                </a:solidFill>
+                <a:effectLst/>
+                <a:latin typeface="Arial Unicode MS" panose="020B0604020202020204" pitchFamily="34" charset="-122"/>
+                <a:ea typeface="Source Code Pro"/>
+              </a:rPr>
+              <a:t>"</a:t>
+            </a:r>
+            <a:r>
+              <a:rPr kumimoji="0" lang="zh-CN" altLang="zh-CN" sz="1100" b="0" i="0" u="none" strike="noStrike" cap="none" normalizeH="0" baseline="0" dirty="0" smtClean="0">
+                <a:ln>
+                  <a:noFill/>
+                </a:ln>
+                <a:solidFill>
+                  <a:srgbClr val="CC7832"/>
+                </a:solidFill>
+                <a:effectLst/>
+                <a:latin typeface="Arial Unicode MS" panose="020B0604020202020204" pitchFamily="34" charset="-122"/>
+                <a:ea typeface="Source Code Pro"/>
+              </a:rPr>
+              <a:t>, </a:t>
+            </a:r>
+            <a:r>
+              <a:rPr kumimoji="0" lang="zh-CN" altLang="zh-CN" sz="1100" b="0" i="0" u="none" strike="noStrike" cap="none" normalizeH="0" baseline="0" dirty="0" smtClean="0">
+                <a:ln>
+                  <a:noFill/>
+                </a:ln>
+                <a:solidFill>
+                  <a:srgbClr val="A9B7C6"/>
+                </a:solidFill>
+                <a:effectLst/>
+                <a:latin typeface="Arial Unicode MS" panose="020B0604020202020204" pitchFamily="34" charset="-122"/>
+                <a:ea typeface="Source Code Pro"/>
+              </a:rPr>
+              <a:t>circuitBreaker)</a:t>
+            </a:r>
+            <a:r>
+              <a:rPr kumimoji="0" lang="zh-CN" altLang="zh-CN" sz="1100" b="0" i="0" u="none" strike="noStrike" cap="none" normalizeH="0" baseline="0" dirty="0" smtClean="0">
+                <a:ln>
+                  <a:noFill/>
+                </a:ln>
+                <a:solidFill>
+                  <a:srgbClr val="CC7832"/>
+                </a:solidFill>
+                <a:effectLst/>
+                <a:latin typeface="Arial Unicode MS" panose="020B0604020202020204" pitchFamily="34" charset="-122"/>
+                <a:ea typeface="Source Code Pro"/>
+              </a:rPr>
+              <a:t>;</a:t>
+            </a:r>
+            <a:br>
+              <a:rPr kumimoji="0" lang="zh-CN" altLang="zh-CN" sz="1100" b="0" i="0" u="none" strike="noStrike" cap="none" normalizeH="0" baseline="0" dirty="0" smtClean="0">
+                <a:ln>
+                  <a:noFill/>
+                </a:ln>
+                <a:solidFill>
+                  <a:srgbClr val="CC7832"/>
+                </a:solidFill>
+                <a:effectLst/>
+                <a:latin typeface="Arial Unicode MS" panose="020B0604020202020204" pitchFamily="34" charset="-122"/>
+                <a:ea typeface="Source Code Pro"/>
+              </a:rPr>
+            </a:br>
+            <a:r>
+              <a:rPr kumimoji="0" lang="zh-CN" altLang="zh-CN" sz="1100" b="0" i="0" u="none" strike="noStrike" cap="none" normalizeH="0" baseline="0" dirty="0" smtClean="0">
+                <a:ln>
+                  <a:noFill/>
+                </a:ln>
+                <a:solidFill>
+                  <a:srgbClr val="CC7832"/>
+                </a:solidFill>
+                <a:effectLst/>
+                <a:latin typeface="Arial Unicode MS" panose="020B0604020202020204" pitchFamily="34" charset="-122"/>
+                <a:ea typeface="Source Code Pro"/>
+              </a:rPr>
+              <a:t>    </a:t>
+            </a:r>
+            <a:r>
+              <a:rPr kumimoji="0" lang="zh-CN" altLang="zh-CN" sz="1100" b="0" i="0" u="none" strike="noStrike" cap="none" normalizeH="0" baseline="0" dirty="0" smtClean="0">
+                <a:ln>
+                  <a:noFill/>
+                </a:ln>
+                <a:solidFill>
+                  <a:srgbClr val="808080"/>
+                </a:solidFill>
+                <a:effectLst/>
+                <a:latin typeface="Arial Unicode MS" panose="020B0604020202020204" pitchFamily="34" charset="-122"/>
+                <a:ea typeface="Source Code Pro"/>
+              </a:rPr>
+              <a:t>// </a:t>
+            </a:r>
+            <a:r>
+              <a:rPr kumimoji="0" lang="zh-CN" altLang="zh-CN" sz="1100" b="0" i="0" u="none" strike="noStrike" cap="none" normalizeH="0" baseline="0" dirty="0" smtClean="0">
+                <a:ln>
+                  <a:noFill/>
+                </a:ln>
+                <a:solidFill>
+                  <a:srgbClr val="808080"/>
+                </a:solidFill>
+                <a:effectLst/>
+                <a:latin typeface="宋体" panose="02010600030101010101" pitchFamily="2" charset="-122"/>
+                <a:ea typeface="宋体" panose="02010600030101010101" pitchFamily="2" charset="-122"/>
+              </a:rPr>
+              <a:t>创建单线程的线程池</a:t>
+            </a:r>
+            <a:br>
+              <a:rPr kumimoji="0" lang="zh-CN" altLang="zh-CN" sz="1100" b="0" i="0" u="none" strike="noStrike" cap="none" normalizeH="0" baseline="0" dirty="0" smtClean="0">
+                <a:ln>
+                  <a:noFill/>
+                </a:ln>
+                <a:solidFill>
+                  <a:srgbClr val="808080"/>
+                </a:solidFill>
+                <a:effectLst/>
+                <a:latin typeface="宋体" panose="02010600030101010101" pitchFamily="2" charset="-122"/>
+                <a:ea typeface="宋体" panose="02010600030101010101" pitchFamily="2" charset="-122"/>
+              </a:rPr>
+            </a:br>
+            <a:r>
+              <a:rPr kumimoji="0" lang="zh-CN" altLang="zh-CN" sz="1100" b="0" i="0" u="none" strike="noStrike" cap="none" normalizeH="0" baseline="0" dirty="0" smtClean="0">
+                <a:ln>
+                  <a:noFill/>
+                </a:ln>
+                <a:solidFill>
+                  <a:srgbClr val="808080"/>
+                </a:solidFill>
+                <a:effectLst/>
+                <a:latin typeface="宋体" panose="02010600030101010101" pitchFamily="2" charset="-122"/>
+                <a:ea typeface="宋体" panose="02010600030101010101" pitchFamily="2" charset="-122"/>
+              </a:rPr>
+              <a:t>    </a:t>
+            </a:r>
+            <a:r>
+              <a:rPr kumimoji="0" lang="zh-CN" altLang="zh-CN" sz="1100" b="0" i="0" u="none" strike="noStrike" cap="none" normalizeH="0" baseline="0" dirty="0" smtClean="0">
+                <a:ln>
+                  <a:noFill/>
+                </a:ln>
+                <a:solidFill>
+                  <a:srgbClr val="A9B7C6"/>
+                </a:solidFill>
+                <a:effectLst/>
+                <a:latin typeface="Arial Unicode MS" panose="020B0604020202020204" pitchFamily="34" charset="-122"/>
+                <a:ea typeface="Source Code Pro"/>
+              </a:rPr>
+              <a:t>ExecutorService pool = Executors.newSingleThreadExecutor()</a:t>
+            </a:r>
+            <a:r>
+              <a:rPr kumimoji="0" lang="zh-CN" altLang="zh-CN" sz="1100" b="0" i="0" u="none" strike="noStrike" cap="none" normalizeH="0" baseline="0" dirty="0" smtClean="0">
+                <a:ln>
+                  <a:noFill/>
+                </a:ln>
+                <a:solidFill>
+                  <a:srgbClr val="CC7832"/>
+                </a:solidFill>
+                <a:effectLst/>
+                <a:latin typeface="Arial Unicode MS" panose="020B0604020202020204" pitchFamily="34" charset="-122"/>
+                <a:ea typeface="Source Code Pro"/>
+              </a:rPr>
+              <a:t>;</a:t>
+            </a:r>
+            <a:br>
+              <a:rPr kumimoji="0" lang="zh-CN" altLang="zh-CN" sz="1100" b="0" i="0" u="none" strike="noStrike" cap="none" normalizeH="0" baseline="0" dirty="0" smtClean="0">
+                <a:ln>
+                  <a:noFill/>
+                </a:ln>
+                <a:solidFill>
+                  <a:srgbClr val="CC7832"/>
+                </a:solidFill>
+                <a:effectLst/>
+                <a:latin typeface="Arial Unicode MS" panose="020B0604020202020204" pitchFamily="34" charset="-122"/>
+                <a:ea typeface="Source Code Pro"/>
+              </a:rPr>
+            </a:br>
+            <a:r>
+              <a:rPr kumimoji="0" lang="zh-CN" altLang="zh-CN" sz="1100" b="0" i="0" u="none" strike="noStrike" cap="none" normalizeH="0" baseline="0" dirty="0" smtClean="0">
+                <a:ln>
+                  <a:noFill/>
+                </a:ln>
+                <a:solidFill>
+                  <a:srgbClr val="CC7832"/>
+                </a:solidFill>
+                <a:effectLst/>
+                <a:latin typeface="Arial Unicode MS" panose="020B0604020202020204" pitchFamily="34" charset="-122"/>
+                <a:ea typeface="Source Code Pro"/>
+              </a:rPr>
+              <a:t>    </a:t>
+            </a:r>
+            <a:r>
+              <a:rPr kumimoji="0" lang="zh-CN" altLang="zh-CN" sz="1100" b="0" i="0" u="none" strike="noStrike" cap="none" normalizeH="0" baseline="0" dirty="0" smtClean="0">
+                <a:ln>
+                  <a:noFill/>
+                </a:ln>
+                <a:solidFill>
+                  <a:srgbClr val="808080"/>
+                </a:solidFill>
+                <a:effectLst/>
+                <a:latin typeface="Arial Unicode MS" panose="020B0604020202020204" pitchFamily="34" charset="-122"/>
+                <a:ea typeface="Source Code Pro"/>
+              </a:rPr>
+              <a:t>//</a:t>
+            </a:r>
+            <a:r>
+              <a:rPr kumimoji="0" lang="zh-CN" altLang="zh-CN" sz="1100" b="0" i="0" u="none" strike="noStrike" cap="none" normalizeH="0" baseline="0" dirty="0" smtClean="0">
+                <a:ln>
+                  <a:noFill/>
+                </a:ln>
+                <a:solidFill>
+                  <a:srgbClr val="808080"/>
+                </a:solidFill>
+                <a:effectLst/>
+                <a:latin typeface="宋体" panose="02010600030101010101" pitchFamily="2" charset="-122"/>
+                <a:ea typeface="宋体" panose="02010600030101010101" pitchFamily="2" charset="-122"/>
+              </a:rPr>
+              <a:t>将被保护方法包装为能够返回</a:t>
+            </a:r>
+            <a:r>
+              <a:rPr kumimoji="0" lang="zh-CN" altLang="zh-CN" sz="1100" b="0" i="0" u="none" strike="noStrike" cap="none" normalizeH="0" baseline="0" dirty="0" smtClean="0">
+                <a:ln>
+                  <a:noFill/>
+                </a:ln>
+                <a:solidFill>
+                  <a:srgbClr val="808080"/>
+                </a:solidFill>
+                <a:effectLst/>
+                <a:latin typeface="Arial Unicode MS" panose="020B0604020202020204" pitchFamily="34" charset="-122"/>
+                <a:ea typeface="Source Code Pro"/>
+              </a:rPr>
+              <a:t>Future</a:t>
+            </a:r>
+            <a:r>
+              <a:rPr kumimoji="0" lang="zh-CN" altLang="zh-CN" sz="1100" b="0" i="0" u="none" strike="noStrike" cap="none" normalizeH="0" baseline="0" dirty="0" smtClean="0">
+                <a:ln>
+                  <a:noFill/>
+                </a:ln>
+                <a:solidFill>
+                  <a:srgbClr val="808080"/>
+                </a:solidFill>
+                <a:effectLst/>
+                <a:latin typeface="宋体" panose="02010600030101010101" pitchFamily="2" charset="-122"/>
+                <a:ea typeface="宋体" panose="02010600030101010101" pitchFamily="2" charset="-122"/>
+              </a:rPr>
+              <a:t>的</a:t>
+            </a:r>
+            <a:r>
+              <a:rPr kumimoji="0" lang="zh-CN" altLang="zh-CN" sz="1100" b="0" i="0" u="none" strike="noStrike" cap="none" normalizeH="0" baseline="0" dirty="0" smtClean="0">
+                <a:ln>
+                  <a:noFill/>
+                </a:ln>
+                <a:solidFill>
+                  <a:srgbClr val="808080"/>
+                </a:solidFill>
+                <a:effectLst/>
+                <a:latin typeface="Arial Unicode MS" panose="020B0604020202020204" pitchFamily="34" charset="-122"/>
+                <a:ea typeface="Source Code Pro"/>
+              </a:rPr>
+              <a:t>supplier</a:t>
+            </a:r>
+            <a:r>
+              <a:rPr kumimoji="0" lang="zh-CN" altLang="zh-CN" sz="1100" b="0" i="0" u="none" strike="noStrike" cap="none" normalizeH="0" baseline="0" dirty="0" smtClean="0">
+                <a:ln>
+                  <a:noFill/>
+                </a:ln>
+                <a:solidFill>
+                  <a:srgbClr val="808080"/>
+                </a:solidFill>
+                <a:effectLst/>
+                <a:latin typeface="宋体" panose="02010600030101010101" pitchFamily="2" charset="-122"/>
+                <a:ea typeface="宋体" panose="02010600030101010101" pitchFamily="2" charset="-122"/>
+              </a:rPr>
+              <a:t>函数</a:t>
+            </a:r>
+            <a:br>
+              <a:rPr kumimoji="0" lang="zh-CN" altLang="zh-CN" sz="1100" b="0" i="0" u="none" strike="noStrike" cap="none" normalizeH="0" baseline="0" dirty="0" smtClean="0">
+                <a:ln>
+                  <a:noFill/>
+                </a:ln>
+                <a:solidFill>
+                  <a:srgbClr val="808080"/>
+                </a:solidFill>
+                <a:effectLst/>
+                <a:latin typeface="宋体" panose="02010600030101010101" pitchFamily="2" charset="-122"/>
+                <a:ea typeface="宋体" panose="02010600030101010101" pitchFamily="2" charset="-122"/>
+              </a:rPr>
+            </a:br>
+            <a:r>
+              <a:rPr kumimoji="0" lang="zh-CN" altLang="zh-CN" sz="1100" b="0" i="0" u="none" strike="noStrike" cap="none" normalizeH="0" baseline="0" dirty="0" smtClean="0">
+                <a:ln>
+                  <a:noFill/>
+                </a:ln>
+                <a:solidFill>
+                  <a:srgbClr val="808080"/>
+                </a:solidFill>
+                <a:effectLst/>
+                <a:latin typeface="宋体" panose="02010600030101010101" pitchFamily="2" charset="-122"/>
+                <a:ea typeface="宋体" panose="02010600030101010101" pitchFamily="2" charset="-122"/>
+              </a:rPr>
+              <a:t>    </a:t>
+            </a:r>
+            <a:r>
+              <a:rPr kumimoji="0" lang="zh-CN" altLang="zh-CN" sz="1100" b="0" i="0" u="none" strike="noStrike" cap="none" normalizeH="0" baseline="0" dirty="0" smtClean="0">
+                <a:ln>
+                  <a:noFill/>
+                </a:ln>
+                <a:solidFill>
+                  <a:srgbClr val="A9B7C6"/>
+                </a:solidFill>
+                <a:effectLst/>
+                <a:latin typeface="Arial Unicode MS" panose="020B0604020202020204" pitchFamily="34" charset="-122"/>
+                <a:ea typeface="Source Code Pro"/>
+              </a:rPr>
+              <a:t>Supplier&lt;Future&lt;List&lt;User&gt;&gt;&gt; futureSupplier = () -&gt; </a:t>
+            </a:r>
+            <a:r>
+              <a:rPr kumimoji="0" lang="zh-CN" altLang="zh-CN" sz="1100" b="0" i="0" u="none" strike="noStrike" cap="none" normalizeH="0" baseline="0" dirty="0" smtClean="0">
+                <a:ln>
+                  <a:noFill/>
+                </a:ln>
+                <a:solidFill>
+                  <a:srgbClr val="B389C5"/>
+                </a:solidFill>
+                <a:effectLst/>
+                <a:latin typeface="Arial Unicode MS" panose="020B0604020202020204" pitchFamily="34" charset="-122"/>
+                <a:ea typeface="Source Code Pro"/>
+              </a:rPr>
+              <a:t>pool</a:t>
+            </a:r>
+            <a:r>
+              <a:rPr kumimoji="0" lang="zh-CN" altLang="zh-CN" sz="1100" b="0" i="0" u="none" strike="noStrike" cap="none" normalizeH="0" baseline="0" dirty="0" smtClean="0">
+                <a:ln>
+                  <a:noFill/>
+                </a:ln>
+                <a:solidFill>
+                  <a:srgbClr val="A9B7C6"/>
+                </a:solidFill>
+                <a:effectLst/>
+                <a:latin typeface="Arial Unicode MS" panose="020B0604020202020204" pitchFamily="34" charset="-122"/>
+                <a:ea typeface="Source Code Pro"/>
+              </a:rPr>
+              <a:t>.submit(remoteServiceConnector::process)</a:t>
+            </a:r>
+            <a:r>
+              <a:rPr kumimoji="0" lang="zh-CN" altLang="zh-CN" sz="1100" b="0" i="0" u="none" strike="noStrike" cap="none" normalizeH="0" baseline="0" dirty="0" smtClean="0">
+                <a:ln>
+                  <a:noFill/>
+                </a:ln>
+                <a:solidFill>
+                  <a:srgbClr val="CC7832"/>
+                </a:solidFill>
+                <a:effectLst/>
+                <a:latin typeface="Arial Unicode MS" panose="020B0604020202020204" pitchFamily="34" charset="-122"/>
+                <a:ea typeface="Source Code Pro"/>
+              </a:rPr>
+              <a:t>;</a:t>
+            </a:r>
+            <a:br>
+              <a:rPr kumimoji="0" lang="zh-CN" altLang="zh-CN" sz="1100" b="0" i="0" u="none" strike="noStrike" cap="none" normalizeH="0" baseline="0" dirty="0" smtClean="0">
+                <a:ln>
+                  <a:noFill/>
+                </a:ln>
+                <a:solidFill>
+                  <a:srgbClr val="CC7832"/>
+                </a:solidFill>
+                <a:effectLst/>
+                <a:latin typeface="Arial Unicode MS" panose="020B0604020202020204" pitchFamily="34" charset="-122"/>
+                <a:ea typeface="Source Code Pro"/>
+              </a:rPr>
+            </a:br>
+            <a:r>
+              <a:rPr kumimoji="0" lang="zh-CN" altLang="zh-CN" sz="1100" b="0" i="0" u="none" strike="noStrike" cap="none" normalizeH="0" baseline="0" dirty="0" smtClean="0">
+                <a:ln>
+                  <a:noFill/>
+                </a:ln>
+                <a:solidFill>
+                  <a:srgbClr val="CC7832"/>
+                </a:solidFill>
+                <a:effectLst/>
+                <a:latin typeface="Arial Unicode MS" panose="020B0604020202020204" pitchFamily="34" charset="-122"/>
+                <a:ea typeface="Source Code Pro"/>
+              </a:rPr>
+              <a:t>    </a:t>
+            </a:r>
+            <a:r>
+              <a:rPr kumimoji="0" lang="zh-CN" altLang="zh-CN" sz="1100" b="0" i="0" u="none" strike="noStrike" cap="none" normalizeH="0" baseline="0" dirty="0" smtClean="0">
+                <a:ln>
+                  <a:noFill/>
+                </a:ln>
+                <a:solidFill>
+                  <a:srgbClr val="808080"/>
+                </a:solidFill>
+                <a:effectLst/>
+                <a:latin typeface="Arial Unicode MS" panose="020B0604020202020204" pitchFamily="34" charset="-122"/>
+                <a:ea typeface="Source Code Pro"/>
+              </a:rPr>
+              <a:t>// </a:t>
+            </a:r>
+            <a:r>
+              <a:rPr kumimoji="0" lang="zh-CN" altLang="zh-CN" sz="1100" b="0" i="0" u="none" strike="noStrike" cap="none" normalizeH="0" baseline="0" dirty="0" smtClean="0">
+                <a:ln>
+                  <a:noFill/>
+                </a:ln>
+                <a:solidFill>
+                  <a:srgbClr val="808080"/>
+                </a:solidFill>
+                <a:effectLst/>
+                <a:latin typeface="宋体" panose="02010600030101010101" pitchFamily="2" charset="-122"/>
+                <a:ea typeface="宋体" panose="02010600030101010101" pitchFamily="2" charset="-122"/>
+              </a:rPr>
+              <a:t>先用限时器包装，再用熔断器包装</a:t>
+            </a:r>
+            <a:br>
+              <a:rPr kumimoji="0" lang="zh-CN" altLang="zh-CN" sz="1100" b="0" i="0" u="none" strike="noStrike" cap="none" normalizeH="0" baseline="0" dirty="0" smtClean="0">
+                <a:ln>
+                  <a:noFill/>
+                </a:ln>
+                <a:solidFill>
+                  <a:srgbClr val="808080"/>
+                </a:solidFill>
+                <a:effectLst/>
+                <a:latin typeface="宋体" panose="02010600030101010101" pitchFamily="2" charset="-122"/>
+                <a:ea typeface="宋体" panose="02010600030101010101" pitchFamily="2" charset="-122"/>
+              </a:rPr>
+            </a:br>
+            <a:r>
+              <a:rPr kumimoji="0" lang="zh-CN" altLang="zh-CN" sz="1100" b="0" i="0" u="none" strike="noStrike" cap="none" normalizeH="0" baseline="0" dirty="0" smtClean="0">
+                <a:ln>
+                  <a:noFill/>
+                </a:ln>
+                <a:solidFill>
+                  <a:srgbClr val="808080"/>
+                </a:solidFill>
+                <a:effectLst/>
+                <a:latin typeface="宋体" panose="02010600030101010101" pitchFamily="2" charset="-122"/>
+                <a:ea typeface="宋体" panose="02010600030101010101" pitchFamily="2" charset="-122"/>
+              </a:rPr>
+              <a:t>    </a:t>
+            </a:r>
+            <a:r>
+              <a:rPr kumimoji="0" lang="zh-CN" altLang="zh-CN" sz="1100" b="0" i="0" u="none" strike="noStrike" cap="none" normalizeH="0" baseline="0" dirty="0" smtClean="0">
+                <a:ln>
+                  <a:noFill/>
+                </a:ln>
+                <a:solidFill>
+                  <a:srgbClr val="A9B7C6"/>
+                </a:solidFill>
+                <a:effectLst/>
+                <a:latin typeface="Arial Unicode MS" panose="020B0604020202020204" pitchFamily="34" charset="-122"/>
+                <a:ea typeface="Source Code Pro"/>
+              </a:rPr>
+              <a:t>Callable&lt;List&lt;User&gt;&gt; restrictedCall = TimeLimiter.decorateFutureSupplier(timeLimiter</a:t>
+            </a:r>
+            <a:r>
+              <a:rPr kumimoji="0" lang="zh-CN" altLang="zh-CN" sz="1100" b="0" i="0" u="none" strike="noStrike" cap="none" normalizeH="0" baseline="0" dirty="0" smtClean="0">
+                <a:ln>
+                  <a:noFill/>
+                </a:ln>
+                <a:solidFill>
+                  <a:srgbClr val="CC7832"/>
+                </a:solidFill>
+                <a:effectLst/>
+                <a:latin typeface="Arial Unicode MS" panose="020B0604020202020204" pitchFamily="34" charset="-122"/>
+                <a:ea typeface="Source Code Pro"/>
+              </a:rPr>
+              <a:t>, </a:t>
+            </a:r>
+            <a:r>
+              <a:rPr kumimoji="0" lang="zh-CN" altLang="zh-CN" sz="1100" b="0" i="0" u="none" strike="noStrike" cap="none" normalizeH="0" baseline="0" dirty="0" smtClean="0">
+                <a:ln>
+                  <a:noFill/>
+                </a:ln>
+                <a:solidFill>
+                  <a:srgbClr val="A9B7C6"/>
+                </a:solidFill>
+                <a:effectLst/>
+                <a:latin typeface="Arial Unicode MS" panose="020B0604020202020204" pitchFamily="34" charset="-122"/>
+                <a:ea typeface="Source Code Pro"/>
+              </a:rPr>
+              <a:t>futureSupplier)</a:t>
+            </a:r>
+            <a:r>
+              <a:rPr kumimoji="0" lang="zh-CN" altLang="zh-CN" sz="1100" b="0" i="0" u="none" strike="noStrike" cap="none" normalizeH="0" baseline="0" dirty="0" smtClean="0">
+                <a:ln>
+                  <a:noFill/>
+                </a:ln>
+                <a:solidFill>
+                  <a:srgbClr val="CC7832"/>
+                </a:solidFill>
+                <a:effectLst/>
+                <a:latin typeface="Arial Unicode MS" panose="020B0604020202020204" pitchFamily="34" charset="-122"/>
+                <a:ea typeface="Source Code Pro"/>
+              </a:rPr>
+              <a:t>;</a:t>
+            </a:r>
+            <a:br>
+              <a:rPr kumimoji="0" lang="zh-CN" altLang="zh-CN" sz="1100" b="0" i="0" u="none" strike="noStrike" cap="none" normalizeH="0" baseline="0" dirty="0" smtClean="0">
+                <a:ln>
+                  <a:noFill/>
+                </a:ln>
+                <a:solidFill>
+                  <a:srgbClr val="CC7832"/>
+                </a:solidFill>
+                <a:effectLst/>
+                <a:latin typeface="Arial Unicode MS" panose="020B0604020202020204" pitchFamily="34" charset="-122"/>
+                <a:ea typeface="Source Code Pro"/>
+              </a:rPr>
+            </a:br>
+            <a:r>
+              <a:rPr kumimoji="0" lang="zh-CN" altLang="zh-CN" sz="1100" b="0" i="0" u="none" strike="noStrike" cap="none" normalizeH="0" baseline="0" dirty="0" smtClean="0">
+                <a:ln>
+                  <a:noFill/>
+                </a:ln>
+                <a:solidFill>
+                  <a:srgbClr val="CC7832"/>
+                </a:solidFill>
+                <a:effectLst/>
+                <a:latin typeface="Arial Unicode MS" panose="020B0604020202020204" pitchFamily="34" charset="-122"/>
+                <a:ea typeface="Source Code Pro"/>
+              </a:rPr>
+              <a:t>    </a:t>
+            </a:r>
+            <a:r>
+              <a:rPr kumimoji="0" lang="zh-CN" altLang="zh-CN" sz="1100" b="0" i="0" u="none" strike="noStrike" cap="none" normalizeH="0" baseline="0" dirty="0" smtClean="0">
+                <a:ln>
+                  <a:noFill/>
+                </a:ln>
+                <a:solidFill>
+                  <a:srgbClr val="A9B7C6"/>
+                </a:solidFill>
+                <a:effectLst/>
+                <a:latin typeface="Arial Unicode MS" panose="020B0604020202020204" pitchFamily="34" charset="-122"/>
+                <a:ea typeface="Source Code Pro"/>
+              </a:rPr>
+              <a:t>Callable&lt;List&lt;User&gt;&gt; chainedCallable = CircuitBreaker.decorateCallable(circuitBreaker</a:t>
+            </a:r>
+            <a:r>
+              <a:rPr kumimoji="0" lang="zh-CN" altLang="zh-CN" sz="1100" b="0" i="0" u="none" strike="noStrike" cap="none" normalizeH="0" baseline="0" dirty="0" smtClean="0">
+                <a:ln>
+                  <a:noFill/>
+                </a:ln>
+                <a:solidFill>
+                  <a:srgbClr val="CC7832"/>
+                </a:solidFill>
+                <a:effectLst/>
+                <a:latin typeface="Arial Unicode MS" panose="020B0604020202020204" pitchFamily="34" charset="-122"/>
+                <a:ea typeface="Source Code Pro"/>
+              </a:rPr>
+              <a:t>, </a:t>
+            </a:r>
+            <a:r>
+              <a:rPr kumimoji="0" lang="zh-CN" altLang="zh-CN" sz="1100" b="0" i="0" u="none" strike="noStrike" cap="none" normalizeH="0" baseline="0" dirty="0" smtClean="0">
+                <a:ln>
+                  <a:noFill/>
+                </a:ln>
+                <a:solidFill>
+                  <a:srgbClr val="A9B7C6"/>
+                </a:solidFill>
+                <a:effectLst/>
+                <a:latin typeface="Arial Unicode MS" panose="020B0604020202020204" pitchFamily="34" charset="-122"/>
+                <a:ea typeface="Source Code Pro"/>
+              </a:rPr>
+              <a:t>restrictedCall)</a:t>
+            </a:r>
+            <a:r>
+              <a:rPr kumimoji="0" lang="zh-CN" altLang="zh-CN" sz="1100" b="0" i="0" u="none" strike="noStrike" cap="none" normalizeH="0" baseline="0" dirty="0" smtClean="0">
+                <a:ln>
+                  <a:noFill/>
+                </a:ln>
+                <a:solidFill>
+                  <a:srgbClr val="CC7832"/>
+                </a:solidFill>
+                <a:effectLst/>
+                <a:latin typeface="Arial Unicode MS" panose="020B0604020202020204" pitchFamily="34" charset="-122"/>
+                <a:ea typeface="Source Code Pro"/>
+              </a:rPr>
+              <a:t>;</a:t>
+            </a:r>
+            <a:br>
+              <a:rPr kumimoji="0" lang="zh-CN" altLang="zh-CN" sz="1100" b="0" i="0" u="none" strike="noStrike" cap="none" normalizeH="0" baseline="0" dirty="0" smtClean="0">
+                <a:ln>
+                  <a:noFill/>
+                </a:ln>
+                <a:solidFill>
+                  <a:srgbClr val="CC7832"/>
+                </a:solidFill>
+                <a:effectLst/>
+                <a:latin typeface="Arial Unicode MS" panose="020B0604020202020204" pitchFamily="34" charset="-122"/>
+                <a:ea typeface="Source Code Pro"/>
+              </a:rPr>
+            </a:br>
+            <a:r>
+              <a:rPr kumimoji="0" lang="zh-CN" altLang="zh-CN" sz="1100" b="0" i="0" u="none" strike="noStrike" cap="none" normalizeH="0" baseline="0" dirty="0" smtClean="0">
+                <a:ln>
+                  <a:noFill/>
+                </a:ln>
+                <a:solidFill>
+                  <a:srgbClr val="CC7832"/>
+                </a:solidFill>
+                <a:effectLst/>
+                <a:latin typeface="Arial Unicode MS" panose="020B0604020202020204" pitchFamily="34" charset="-122"/>
+                <a:ea typeface="Source Code Pro"/>
+              </a:rPr>
+              <a:t>    </a:t>
+            </a:r>
+            <a:r>
+              <a:rPr kumimoji="0" lang="zh-CN" altLang="zh-CN" sz="1100" b="0" i="0" u="none" strike="noStrike" cap="none" normalizeH="0" baseline="0" dirty="0" smtClean="0">
+                <a:ln>
+                  <a:noFill/>
+                </a:ln>
+                <a:solidFill>
+                  <a:srgbClr val="808080"/>
+                </a:solidFill>
+                <a:effectLst/>
+                <a:latin typeface="Arial Unicode MS" panose="020B0604020202020204" pitchFamily="34" charset="-122"/>
+                <a:ea typeface="Source Code Pro"/>
+              </a:rPr>
+              <a:t>// </a:t>
+            </a:r>
+            <a:r>
+              <a:rPr kumimoji="0" lang="zh-CN" altLang="zh-CN" sz="1100" b="0" i="0" u="none" strike="noStrike" cap="none" normalizeH="0" baseline="0" dirty="0" smtClean="0">
+                <a:ln>
+                  <a:noFill/>
+                </a:ln>
+                <a:solidFill>
+                  <a:srgbClr val="808080"/>
+                </a:solidFill>
+                <a:effectLst/>
+                <a:latin typeface="宋体" panose="02010600030101010101" pitchFamily="2" charset="-122"/>
+                <a:ea typeface="宋体" panose="02010600030101010101" pitchFamily="2" charset="-122"/>
+              </a:rPr>
+              <a:t>使用</a:t>
+            </a:r>
+            <a:r>
+              <a:rPr kumimoji="0" lang="zh-CN" altLang="zh-CN" sz="1100" b="0" i="0" u="none" strike="noStrike" cap="none" normalizeH="0" baseline="0" dirty="0" smtClean="0">
+                <a:ln>
+                  <a:noFill/>
+                </a:ln>
+                <a:solidFill>
+                  <a:srgbClr val="808080"/>
+                </a:solidFill>
+                <a:effectLst/>
+                <a:latin typeface="Arial Unicode MS" panose="020B0604020202020204" pitchFamily="34" charset="-122"/>
+                <a:ea typeface="Source Code Pro"/>
+              </a:rPr>
+              <a:t>Try.of().recover()</a:t>
+            </a:r>
+            <a:r>
+              <a:rPr kumimoji="0" lang="zh-CN" altLang="zh-CN" sz="1100" b="0" i="0" u="none" strike="noStrike" cap="none" normalizeH="0" baseline="0" dirty="0" smtClean="0">
+                <a:ln>
+                  <a:noFill/>
+                </a:ln>
+                <a:solidFill>
+                  <a:srgbClr val="808080"/>
+                </a:solidFill>
+                <a:effectLst/>
+                <a:latin typeface="宋体" panose="02010600030101010101" pitchFamily="2" charset="-122"/>
+                <a:ea typeface="宋体" panose="02010600030101010101" pitchFamily="2" charset="-122"/>
+              </a:rPr>
+              <a:t>调用并进行降级处理</a:t>
+            </a:r>
+            <a:br>
+              <a:rPr kumimoji="0" lang="zh-CN" altLang="zh-CN" sz="1100" b="0" i="0" u="none" strike="noStrike" cap="none" normalizeH="0" baseline="0" dirty="0" smtClean="0">
+                <a:ln>
+                  <a:noFill/>
+                </a:ln>
+                <a:solidFill>
+                  <a:srgbClr val="808080"/>
+                </a:solidFill>
+                <a:effectLst/>
+                <a:latin typeface="宋体" panose="02010600030101010101" pitchFamily="2" charset="-122"/>
+                <a:ea typeface="宋体" panose="02010600030101010101" pitchFamily="2" charset="-122"/>
+              </a:rPr>
+            </a:br>
+            <a:r>
+              <a:rPr kumimoji="0" lang="zh-CN" altLang="zh-CN" sz="1100" b="0" i="0" u="none" strike="noStrike" cap="none" normalizeH="0" baseline="0" dirty="0" smtClean="0">
+                <a:ln>
+                  <a:noFill/>
+                </a:ln>
+                <a:solidFill>
+                  <a:srgbClr val="808080"/>
+                </a:solidFill>
+                <a:effectLst/>
+                <a:latin typeface="宋体" panose="02010600030101010101" pitchFamily="2" charset="-122"/>
+                <a:ea typeface="宋体" panose="02010600030101010101" pitchFamily="2" charset="-122"/>
+              </a:rPr>
+              <a:t>    </a:t>
+            </a:r>
+            <a:r>
+              <a:rPr kumimoji="0" lang="zh-CN" altLang="zh-CN" sz="1100" b="0" i="0" u="none" strike="noStrike" cap="none" normalizeH="0" baseline="0" dirty="0" smtClean="0">
+                <a:ln>
+                  <a:noFill/>
+                </a:ln>
+                <a:solidFill>
+                  <a:srgbClr val="A9B7C6"/>
+                </a:solidFill>
+                <a:effectLst/>
+                <a:latin typeface="Arial Unicode MS" panose="020B0604020202020204" pitchFamily="34" charset="-122"/>
+                <a:ea typeface="Source Code Pro"/>
+              </a:rPr>
+              <a:t>Try&lt;List&lt;User&gt;&gt; result = Try.</a:t>
+            </a:r>
+            <a:r>
+              <a:rPr kumimoji="0" lang="zh-CN" altLang="zh-CN" sz="1100" b="0" i="1" u="none" strike="noStrike" cap="none" normalizeH="0" baseline="0" dirty="0" smtClean="0">
+                <a:ln>
+                  <a:noFill/>
+                </a:ln>
+                <a:solidFill>
+                  <a:srgbClr val="A9B7C6"/>
+                </a:solidFill>
+                <a:effectLst/>
+                <a:latin typeface="Arial Unicode MS" panose="020B0604020202020204" pitchFamily="34" charset="-122"/>
+                <a:ea typeface="Source Code Pro"/>
+              </a:rPr>
+              <a:t>of</a:t>
+            </a:r>
+            <a:r>
+              <a:rPr kumimoji="0" lang="zh-CN" altLang="zh-CN" sz="1100" b="0" i="0" u="none" strike="noStrike" cap="none" normalizeH="0" baseline="0" dirty="0" smtClean="0">
+                <a:ln>
+                  <a:noFill/>
+                </a:ln>
+                <a:solidFill>
+                  <a:srgbClr val="A9B7C6"/>
+                </a:solidFill>
+                <a:effectLst/>
+                <a:latin typeface="Arial Unicode MS" panose="020B0604020202020204" pitchFamily="34" charset="-122"/>
+                <a:ea typeface="Source Code Pro"/>
+              </a:rPr>
+              <a:t>(chainedCallable::call)</a:t>
+            </a:r>
+            <a:br>
+              <a:rPr kumimoji="0" lang="zh-CN" altLang="zh-CN" sz="1100" b="0" i="0" u="none" strike="noStrike" cap="none" normalizeH="0" baseline="0" dirty="0" smtClean="0">
+                <a:ln>
+                  <a:noFill/>
+                </a:ln>
+                <a:solidFill>
+                  <a:srgbClr val="A9B7C6"/>
+                </a:solidFill>
+                <a:effectLst/>
+                <a:latin typeface="Arial Unicode MS" panose="020B0604020202020204" pitchFamily="34" charset="-122"/>
+                <a:ea typeface="Source Code Pro"/>
+              </a:rPr>
+            </a:br>
+            <a:r>
+              <a:rPr kumimoji="0" lang="zh-CN" altLang="zh-CN" sz="1100" b="0" i="0" u="none" strike="noStrike" cap="none" normalizeH="0" baseline="0" dirty="0" smtClean="0">
+                <a:ln>
+                  <a:noFill/>
+                </a:ln>
+                <a:solidFill>
+                  <a:srgbClr val="A9B7C6"/>
+                </a:solidFill>
+                <a:effectLst/>
+                <a:latin typeface="Arial Unicode MS" panose="020B0604020202020204" pitchFamily="34" charset="-122"/>
+                <a:ea typeface="Source Code Pro"/>
+              </a:rPr>
+              <a:t>            .recover(CallNotPermittedException.</a:t>
+            </a:r>
+            <a:r>
+              <a:rPr kumimoji="0" lang="zh-CN" altLang="zh-CN" sz="1100" b="0" i="0" u="none" strike="noStrike" cap="none" normalizeH="0" baseline="0" dirty="0" smtClean="0">
+                <a:ln>
+                  <a:noFill/>
+                </a:ln>
+                <a:solidFill>
+                  <a:srgbClr val="CC7832"/>
+                </a:solidFill>
+                <a:effectLst/>
+                <a:latin typeface="Arial Unicode MS" panose="020B0604020202020204" pitchFamily="34" charset="-122"/>
+                <a:ea typeface="Source Code Pro"/>
+              </a:rPr>
+              <a:t>class, </a:t>
+            </a:r>
+            <a:r>
+              <a:rPr kumimoji="0" lang="zh-CN" altLang="zh-CN" sz="1100" b="0" i="0" u="none" strike="noStrike" cap="none" normalizeH="0" baseline="0" dirty="0" smtClean="0">
+                <a:ln>
+                  <a:noFill/>
+                </a:ln>
+                <a:solidFill>
+                  <a:srgbClr val="A9B7C6"/>
+                </a:solidFill>
+                <a:effectLst/>
+                <a:latin typeface="Arial Unicode MS" panose="020B0604020202020204" pitchFamily="34" charset="-122"/>
+                <a:ea typeface="Source Code Pro"/>
+              </a:rPr>
+              <a:t>throwable -&gt;{</a:t>
+            </a:r>
+            <a:r>
+              <a:rPr kumimoji="0" lang="en-US" altLang="zh-CN" sz="1100" b="0" i="0" u="none" strike="noStrike" cap="none" normalizeH="0" baseline="0" dirty="0" smtClean="0">
+                <a:ln>
+                  <a:noFill/>
+                </a:ln>
+                <a:solidFill>
+                  <a:srgbClr val="A9B7C6"/>
+                </a:solidFill>
+                <a:effectLst/>
+                <a:latin typeface="Arial Unicode MS" panose="020B0604020202020204" pitchFamily="34" charset="-122"/>
+                <a:ea typeface="Source Code Pro"/>
+              </a:rPr>
+              <a:t> </a:t>
+            </a:r>
+            <a:r>
+              <a:rPr kumimoji="0" lang="zh-CN" altLang="zh-CN" sz="1100" b="0" i="0" u="none" strike="noStrike" cap="none" normalizeH="0" baseline="0" dirty="0" smtClean="0">
+                <a:ln>
+                  <a:noFill/>
+                </a:ln>
+                <a:solidFill>
+                  <a:srgbClr val="A9B7C6"/>
+                </a:solidFill>
+                <a:effectLst/>
+                <a:latin typeface="Arial Unicode MS" panose="020B0604020202020204" pitchFamily="34" charset="-122"/>
+                <a:ea typeface="Source Code Pro"/>
+              </a:rPr>
+              <a:t/>
+            </a:r>
+            <a:br>
+              <a:rPr kumimoji="0" lang="zh-CN" altLang="zh-CN" sz="1100" b="0" i="0" u="none" strike="noStrike" cap="none" normalizeH="0" baseline="0" dirty="0" smtClean="0">
+                <a:ln>
+                  <a:noFill/>
+                </a:ln>
+                <a:solidFill>
+                  <a:srgbClr val="A9B7C6"/>
+                </a:solidFill>
+                <a:effectLst/>
+                <a:latin typeface="Arial Unicode MS" panose="020B0604020202020204" pitchFamily="34" charset="-122"/>
+                <a:ea typeface="Source Code Pro"/>
+              </a:rPr>
+            </a:br>
+            <a:r>
+              <a:rPr kumimoji="0" lang="zh-CN" altLang="zh-CN" sz="1100" b="0" i="0" u="none" strike="noStrike" cap="none" normalizeH="0" baseline="0" dirty="0" smtClean="0">
+                <a:ln>
+                  <a:noFill/>
+                </a:ln>
+                <a:solidFill>
+                  <a:srgbClr val="A9B7C6"/>
+                </a:solidFill>
+                <a:effectLst/>
+                <a:latin typeface="Arial Unicode MS" panose="020B0604020202020204" pitchFamily="34" charset="-122"/>
+                <a:ea typeface="Source Code Pro"/>
+              </a:rPr>
+              <a:t>                </a:t>
+            </a:r>
+            <a:r>
+              <a:rPr kumimoji="0" lang="zh-CN" altLang="zh-CN" sz="1100" b="0" i="1" u="none" strike="noStrike" cap="none" normalizeH="0" baseline="0" dirty="0" smtClean="0">
+                <a:ln>
+                  <a:noFill/>
+                </a:ln>
+                <a:solidFill>
+                  <a:srgbClr val="9876AA"/>
+                </a:solidFill>
+                <a:effectLst/>
+                <a:latin typeface="Arial Unicode MS" panose="020B0604020202020204" pitchFamily="34" charset="-122"/>
+                <a:ea typeface="Source Code Pro"/>
+              </a:rPr>
+              <a:t>log</a:t>
+            </a:r>
+            <a:r>
+              <a:rPr kumimoji="0" lang="zh-CN" altLang="zh-CN" sz="1100" b="0" i="0" u="none" strike="noStrike" cap="none" normalizeH="0" baseline="0" dirty="0" smtClean="0">
+                <a:ln>
+                  <a:noFill/>
+                </a:ln>
+                <a:solidFill>
+                  <a:srgbClr val="A9B7C6"/>
+                </a:solidFill>
+                <a:effectLst/>
+                <a:latin typeface="Arial Unicode MS" panose="020B0604020202020204" pitchFamily="34" charset="-122"/>
+                <a:ea typeface="Source Code Pro"/>
+              </a:rPr>
+              <a:t>.info(</a:t>
+            </a:r>
+            <a:r>
+              <a:rPr kumimoji="0" lang="zh-CN" altLang="zh-CN" sz="1100" b="0" i="0" u="none" strike="noStrike" cap="none" normalizeH="0" baseline="0" dirty="0" smtClean="0">
+                <a:ln>
+                  <a:noFill/>
+                </a:ln>
+                <a:solidFill>
+                  <a:srgbClr val="6A8759"/>
+                </a:solidFill>
+                <a:effectLst/>
+                <a:latin typeface="Arial Unicode MS" panose="020B0604020202020204" pitchFamily="34" charset="-122"/>
+                <a:ea typeface="Source Code Pro"/>
+              </a:rPr>
+              <a:t>"</a:t>
+            </a:r>
+            <a:r>
+              <a:rPr kumimoji="0" lang="zh-CN" altLang="zh-CN" sz="1100" b="0" i="0" u="none" strike="noStrike" cap="none" normalizeH="0" baseline="0" dirty="0" smtClean="0">
+                <a:ln>
+                  <a:noFill/>
+                </a:ln>
+                <a:solidFill>
+                  <a:srgbClr val="6A8759"/>
+                </a:solidFill>
+                <a:effectLst/>
+                <a:latin typeface="宋体" panose="02010600030101010101" pitchFamily="2" charset="-122"/>
+                <a:ea typeface="宋体" panose="02010600030101010101" pitchFamily="2" charset="-122"/>
+              </a:rPr>
+              <a:t>熔断器已经打开，拒绝访问被保护方法</a:t>
+            </a:r>
+            <a:r>
+              <a:rPr kumimoji="0" lang="zh-CN" altLang="zh-CN" sz="1100" b="0" i="0" u="none" strike="noStrike" cap="none" normalizeH="0" baseline="0" dirty="0" smtClean="0">
+                <a:ln>
+                  <a:noFill/>
+                </a:ln>
+                <a:solidFill>
+                  <a:srgbClr val="6A8759"/>
+                </a:solidFill>
+                <a:effectLst/>
+                <a:latin typeface="Arial Unicode MS" panose="020B0604020202020204" pitchFamily="34" charset="-122"/>
+                <a:ea typeface="Source Code Pro"/>
+              </a:rPr>
+              <a:t>~"</a:t>
+            </a:r>
+            <a:r>
+              <a:rPr kumimoji="0" lang="zh-CN" altLang="zh-CN" sz="1100" b="0" i="0" u="none" strike="noStrike" cap="none" normalizeH="0" baseline="0" dirty="0" smtClean="0">
+                <a:ln>
+                  <a:noFill/>
+                </a:ln>
+                <a:solidFill>
+                  <a:srgbClr val="A9B7C6"/>
+                </a:solidFill>
+                <a:effectLst/>
+                <a:latin typeface="Arial Unicode MS" panose="020B0604020202020204" pitchFamily="34" charset="-122"/>
+                <a:ea typeface="Source Code Pro"/>
+              </a:rPr>
+              <a:t>)</a:t>
+            </a:r>
+            <a:r>
+              <a:rPr kumimoji="0" lang="zh-CN" altLang="zh-CN" sz="1100" b="0" i="0" u="none" strike="noStrike" cap="none" normalizeH="0" baseline="0" dirty="0" smtClean="0">
+                <a:ln>
+                  <a:noFill/>
+                </a:ln>
+                <a:solidFill>
+                  <a:srgbClr val="CC7832"/>
+                </a:solidFill>
+                <a:effectLst/>
+                <a:latin typeface="Arial Unicode MS" panose="020B0604020202020204" pitchFamily="34" charset="-122"/>
+                <a:ea typeface="Source Code Pro"/>
+              </a:rPr>
+              <a:t>;</a:t>
+            </a:r>
+            <a:br>
+              <a:rPr kumimoji="0" lang="zh-CN" altLang="zh-CN" sz="1100" b="0" i="0" u="none" strike="noStrike" cap="none" normalizeH="0" baseline="0" dirty="0" smtClean="0">
+                <a:ln>
+                  <a:noFill/>
+                </a:ln>
+                <a:solidFill>
+                  <a:srgbClr val="CC7832"/>
+                </a:solidFill>
+                <a:effectLst/>
+                <a:latin typeface="Arial Unicode MS" panose="020B0604020202020204" pitchFamily="34" charset="-122"/>
+                <a:ea typeface="Source Code Pro"/>
+              </a:rPr>
+            </a:br>
+            <a:r>
+              <a:rPr kumimoji="0" lang="zh-CN" altLang="zh-CN" sz="1100" b="0" i="0" u="none" strike="noStrike" cap="none" normalizeH="0" baseline="0" dirty="0" smtClean="0">
+                <a:ln>
+                  <a:noFill/>
+                </a:ln>
+                <a:solidFill>
+                  <a:srgbClr val="CC7832"/>
+                </a:solidFill>
+                <a:effectLst/>
+                <a:latin typeface="Arial Unicode MS" panose="020B0604020202020204" pitchFamily="34" charset="-122"/>
+                <a:ea typeface="Source Code Pro"/>
+              </a:rPr>
+              <a:t>                </a:t>
+            </a:r>
+            <a:r>
+              <a:rPr kumimoji="0" lang="zh-CN" altLang="zh-CN" sz="1100" b="0" i="0" u="none" strike="noStrike" cap="none" normalizeH="0" baseline="0" dirty="0" smtClean="0">
+                <a:ln>
+                  <a:noFill/>
+                </a:ln>
+                <a:solidFill>
+                  <a:srgbClr val="A9B7C6"/>
+                </a:solidFill>
+                <a:effectLst/>
+                <a:latin typeface="Arial Unicode MS" panose="020B0604020202020204" pitchFamily="34" charset="-122"/>
+                <a:ea typeface="Source Code Pro"/>
+              </a:rPr>
+              <a:t>CircuitBreakerUtil.getCircuitBreakerStatus(</a:t>
+            </a:r>
+            <a:r>
+              <a:rPr kumimoji="0" lang="zh-CN" altLang="zh-CN" sz="1100" b="0" i="0" u="none" strike="noStrike" cap="none" normalizeH="0" baseline="0" dirty="0" smtClean="0">
+                <a:ln>
+                  <a:noFill/>
+                </a:ln>
+                <a:solidFill>
+                  <a:srgbClr val="6A8759"/>
+                </a:solidFill>
+                <a:effectLst/>
+                <a:latin typeface="Arial Unicode MS" panose="020B0604020202020204" pitchFamily="34" charset="-122"/>
+                <a:ea typeface="Source Code Pro"/>
+              </a:rPr>
+              <a:t>"</a:t>
+            </a:r>
+            <a:r>
+              <a:rPr kumimoji="0" lang="zh-CN" altLang="zh-CN" sz="1100" b="0" i="0" u="none" strike="noStrike" cap="none" normalizeH="0" baseline="0" dirty="0" smtClean="0">
+                <a:ln>
+                  <a:noFill/>
+                </a:ln>
+                <a:solidFill>
+                  <a:srgbClr val="6A8759"/>
+                </a:solidFill>
+                <a:effectLst/>
+                <a:latin typeface="宋体" panose="02010600030101010101" pitchFamily="2" charset="-122"/>
+                <a:ea typeface="宋体" panose="02010600030101010101" pitchFamily="2" charset="-122"/>
+              </a:rPr>
+              <a:t>熔断器打开中</a:t>
+            </a:r>
+            <a:r>
+              <a:rPr kumimoji="0" lang="zh-CN" altLang="zh-CN" sz="1100" b="0" i="0" u="none" strike="noStrike" cap="none" normalizeH="0" baseline="0" dirty="0" smtClean="0">
+                <a:ln>
+                  <a:noFill/>
+                </a:ln>
+                <a:solidFill>
+                  <a:srgbClr val="6A8759"/>
+                </a:solidFill>
+                <a:effectLst/>
+                <a:latin typeface="Arial Unicode MS" panose="020B0604020202020204" pitchFamily="34" charset="-122"/>
+                <a:ea typeface="Source Code Pro"/>
+              </a:rPr>
+              <a:t>"</a:t>
+            </a:r>
+            <a:r>
+              <a:rPr kumimoji="0" lang="zh-CN" altLang="zh-CN" sz="1100" b="0" i="0" u="none" strike="noStrike" cap="none" normalizeH="0" baseline="0" dirty="0" smtClean="0">
+                <a:ln>
+                  <a:noFill/>
+                </a:ln>
+                <a:solidFill>
+                  <a:srgbClr val="CC7832"/>
+                </a:solidFill>
+                <a:effectLst/>
+                <a:latin typeface="Arial Unicode MS" panose="020B0604020202020204" pitchFamily="34" charset="-122"/>
+                <a:ea typeface="Source Code Pro"/>
+              </a:rPr>
+              <a:t>, </a:t>
+            </a:r>
+            <a:r>
+              <a:rPr kumimoji="0" lang="zh-CN" altLang="zh-CN" sz="1100" b="0" i="0" u="none" strike="noStrike" cap="none" normalizeH="0" baseline="0" dirty="0" smtClean="0">
+                <a:ln>
+                  <a:noFill/>
+                </a:ln>
+                <a:solidFill>
+                  <a:srgbClr val="B389C5"/>
+                </a:solidFill>
+                <a:effectLst/>
+                <a:latin typeface="Arial Unicode MS" panose="020B0604020202020204" pitchFamily="34" charset="-122"/>
+                <a:ea typeface="Source Code Pro"/>
+              </a:rPr>
+              <a:t>circuitBreaker</a:t>
+            </a:r>
+            <a:r>
+              <a:rPr kumimoji="0" lang="zh-CN" altLang="zh-CN" sz="1100" b="0" i="0" u="none" strike="noStrike" cap="none" normalizeH="0" baseline="0" dirty="0" smtClean="0">
+                <a:ln>
+                  <a:noFill/>
+                </a:ln>
+                <a:solidFill>
+                  <a:srgbClr val="A9B7C6"/>
+                </a:solidFill>
+                <a:effectLst/>
+                <a:latin typeface="Arial Unicode MS" panose="020B0604020202020204" pitchFamily="34" charset="-122"/>
+                <a:ea typeface="Source Code Pro"/>
+              </a:rPr>
+              <a:t>)</a:t>
+            </a:r>
+            <a:r>
+              <a:rPr kumimoji="0" lang="zh-CN" altLang="zh-CN" sz="1100" b="0" i="0" u="none" strike="noStrike" cap="none" normalizeH="0" baseline="0" dirty="0" smtClean="0">
+                <a:ln>
+                  <a:noFill/>
+                </a:ln>
+                <a:solidFill>
+                  <a:srgbClr val="CC7832"/>
+                </a:solidFill>
+                <a:effectLst/>
+                <a:latin typeface="Arial Unicode MS" panose="020B0604020202020204" pitchFamily="34" charset="-122"/>
+                <a:ea typeface="Source Code Pro"/>
+              </a:rPr>
+              <a:t>;</a:t>
+            </a:r>
+            <a:br>
+              <a:rPr kumimoji="0" lang="zh-CN" altLang="zh-CN" sz="1100" b="0" i="0" u="none" strike="noStrike" cap="none" normalizeH="0" baseline="0" dirty="0" smtClean="0">
+                <a:ln>
+                  <a:noFill/>
+                </a:ln>
+                <a:solidFill>
+                  <a:srgbClr val="CC7832"/>
+                </a:solidFill>
+                <a:effectLst/>
+                <a:latin typeface="Arial Unicode MS" panose="020B0604020202020204" pitchFamily="34" charset="-122"/>
+                <a:ea typeface="Source Code Pro"/>
+              </a:rPr>
+            </a:br>
+            <a:r>
+              <a:rPr kumimoji="0" lang="zh-CN" altLang="zh-CN" sz="1100" b="0" i="0" u="none" strike="noStrike" cap="none" normalizeH="0" baseline="0" dirty="0" smtClean="0">
+                <a:ln>
+                  <a:noFill/>
+                </a:ln>
+                <a:solidFill>
+                  <a:srgbClr val="CC7832"/>
+                </a:solidFill>
+                <a:effectLst/>
+                <a:latin typeface="Arial Unicode MS" panose="020B0604020202020204" pitchFamily="34" charset="-122"/>
+                <a:ea typeface="Source Code Pro"/>
+              </a:rPr>
+              <a:t>                </a:t>
+            </a:r>
+            <a:r>
+              <a:rPr kumimoji="0" lang="zh-CN" altLang="zh-CN" sz="1100" b="0" i="0" u="none" strike="noStrike" cap="none" normalizeH="0" baseline="0" dirty="0" smtClean="0">
+                <a:ln>
+                  <a:noFill/>
+                </a:ln>
+                <a:solidFill>
+                  <a:srgbClr val="A9B7C6"/>
+                </a:solidFill>
+                <a:effectLst/>
+                <a:latin typeface="Arial Unicode MS" panose="020B0604020202020204" pitchFamily="34" charset="-122"/>
+                <a:ea typeface="Source Code Pro"/>
+              </a:rPr>
+              <a:t>List&lt;User&gt; users = </a:t>
+            </a:r>
+            <a:r>
+              <a:rPr kumimoji="0" lang="zh-CN" altLang="zh-CN" sz="1100" b="0" i="0" u="none" strike="noStrike" cap="none" normalizeH="0" baseline="0" dirty="0" smtClean="0">
+                <a:ln>
+                  <a:noFill/>
+                </a:ln>
+                <a:solidFill>
+                  <a:srgbClr val="CC7832"/>
+                </a:solidFill>
+                <a:effectLst/>
+                <a:latin typeface="Arial Unicode MS" panose="020B0604020202020204" pitchFamily="34" charset="-122"/>
+                <a:ea typeface="Source Code Pro"/>
+              </a:rPr>
+              <a:t>new </a:t>
+            </a:r>
+            <a:r>
+              <a:rPr kumimoji="0" lang="zh-CN" altLang="zh-CN" sz="1100" b="0" i="0" u="none" strike="noStrike" cap="none" normalizeH="0" baseline="0" dirty="0" smtClean="0">
+                <a:ln>
+                  <a:noFill/>
+                </a:ln>
+                <a:solidFill>
+                  <a:srgbClr val="A9B7C6"/>
+                </a:solidFill>
+                <a:effectLst/>
+                <a:latin typeface="Arial Unicode MS" panose="020B0604020202020204" pitchFamily="34" charset="-122"/>
+                <a:ea typeface="Source Code Pro"/>
+              </a:rPr>
+              <a:t>ArrayList()</a:t>
+            </a:r>
+            <a:r>
+              <a:rPr kumimoji="0" lang="zh-CN" altLang="zh-CN" sz="1100" b="0" i="0" u="none" strike="noStrike" cap="none" normalizeH="0" baseline="0" dirty="0" smtClean="0">
+                <a:ln>
+                  <a:noFill/>
+                </a:ln>
+                <a:solidFill>
+                  <a:srgbClr val="CC7832"/>
+                </a:solidFill>
+                <a:effectLst/>
+                <a:latin typeface="Arial Unicode MS" panose="020B0604020202020204" pitchFamily="34" charset="-122"/>
+                <a:ea typeface="Source Code Pro"/>
+              </a:rPr>
+              <a:t>;</a:t>
+            </a:r>
+            <a:br>
+              <a:rPr kumimoji="0" lang="zh-CN" altLang="zh-CN" sz="1100" b="0" i="0" u="none" strike="noStrike" cap="none" normalizeH="0" baseline="0" dirty="0" smtClean="0">
+                <a:ln>
+                  <a:noFill/>
+                </a:ln>
+                <a:solidFill>
+                  <a:srgbClr val="CC7832"/>
+                </a:solidFill>
+                <a:effectLst/>
+                <a:latin typeface="Arial Unicode MS" panose="020B0604020202020204" pitchFamily="34" charset="-122"/>
+                <a:ea typeface="Source Code Pro"/>
+              </a:rPr>
+            </a:br>
+            <a:r>
+              <a:rPr kumimoji="0" lang="zh-CN" altLang="zh-CN" sz="1100" b="0" i="0" u="none" strike="noStrike" cap="none" normalizeH="0" baseline="0" dirty="0" smtClean="0">
+                <a:ln>
+                  <a:noFill/>
+                </a:ln>
+                <a:solidFill>
+                  <a:srgbClr val="CC7832"/>
+                </a:solidFill>
+                <a:effectLst/>
+                <a:latin typeface="Arial Unicode MS" panose="020B0604020202020204" pitchFamily="34" charset="-122"/>
+                <a:ea typeface="Source Code Pro"/>
+              </a:rPr>
+              <a:t>                return </a:t>
+            </a:r>
+            <a:r>
+              <a:rPr kumimoji="0" lang="zh-CN" altLang="zh-CN" sz="1100" b="0" i="0" u="none" strike="noStrike" cap="none" normalizeH="0" baseline="0" dirty="0" smtClean="0">
+                <a:ln>
+                  <a:noFill/>
+                </a:ln>
+                <a:solidFill>
+                  <a:srgbClr val="A9B7C6"/>
+                </a:solidFill>
+                <a:effectLst/>
+                <a:latin typeface="Arial Unicode MS" panose="020B0604020202020204" pitchFamily="34" charset="-122"/>
+                <a:ea typeface="Source Code Pro"/>
+              </a:rPr>
+              <a:t>users</a:t>
+            </a:r>
+            <a:r>
+              <a:rPr kumimoji="0" lang="zh-CN" altLang="zh-CN" sz="1100" b="0" i="0" u="none" strike="noStrike" cap="none" normalizeH="0" baseline="0" dirty="0" smtClean="0">
+                <a:ln>
+                  <a:noFill/>
+                </a:ln>
+                <a:solidFill>
+                  <a:srgbClr val="CC7832"/>
+                </a:solidFill>
+                <a:effectLst/>
+                <a:latin typeface="Arial Unicode MS" panose="020B0604020202020204" pitchFamily="34" charset="-122"/>
+                <a:ea typeface="Source Code Pro"/>
+              </a:rPr>
+              <a:t>;</a:t>
+            </a:r>
+            <a:br>
+              <a:rPr kumimoji="0" lang="zh-CN" altLang="zh-CN" sz="1100" b="0" i="0" u="none" strike="noStrike" cap="none" normalizeH="0" baseline="0" dirty="0" smtClean="0">
+                <a:ln>
+                  <a:noFill/>
+                </a:ln>
+                <a:solidFill>
+                  <a:srgbClr val="CC7832"/>
+                </a:solidFill>
+                <a:effectLst/>
+                <a:latin typeface="Arial Unicode MS" panose="020B0604020202020204" pitchFamily="34" charset="-122"/>
+                <a:ea typeface="Source Code Pro"/>
+              </a:rPr>
+            </a:br>
+            <a:r>
+              <a:rPr kumimoji="0" lang="zh-CN" altLang="zh-CN" sz="1100" b="0" i="0" u="none" strike="noStrike" cap="none" normalizeH="0" baseline="0" dirty="0" smtClean="0">
+                <a:ln>
+                  <a:noFill/>
+                </a:ln>
+                <a:solidFill>
+                  <a:srgbClr val="CC7832"/>
+                </a:solidFill>
+                <a:effectLst/>
+                <a:latin typeface="Arial Unicode MS" panose="020B0604020202020204" pitchFamily="34" charset="-122"/>
+                <a:ea typeface="Source Code Pro"/>
+              </a:rPr>
+              <a:t>            </a:t>
+            </a:r>
+            <a:r>
+              <a:rPr kumimoji="0" lang="zh-CN" altLang="zh-CN" sz="1100" b="0" i="0" u="none" strike="noStrike" cap="none" normalizeH="0" baseline="0" dirty="0" smtClean="0">
+                <a:ln>
+                  <a:noFill/>
+                </a:ln>
+                <a:solidFill>
+                  <a:srgbClr val="A9B7C6"/>
+                </a:solidFill>
+                <a:effectLst/>
+                <a:latin typeface="Arial Unicode MS" panose="020B0604020202020204" pitchFamily="34" charset="-122"/>
+                <a:ea typeface="Source Code Pro"/>
+              </a:rPr>
+              <a:t>})</a:t>
+            </a:r>
+            <a:br>
+              <a:rPr kumimoji="0" lang="zh-CN" altLang="zh-CN" sz="1100" b="0" i="0" u="none" strike="noStrike" cap="none" normalizeH="0" baseline="0" dirty="0" smtClean="0">
+                <a:ln>
+                  <a:noFill/>
+                </a:ln>
+                <a:solidFill>
+                  <a:srgbClr val="A9B7C6"/>
+                </a:solidFill>
+                <a:effectLst/>
+                <a:latin typeface="Arial Unicode MS" panose="020B0604020202020204" pitchFamily="34" charset="-122"/>
+                <a:ea typeface="Source Code Pro"/>
+              </a:rPr>
+            </a:br>
+            <a:r>
+              <a:rPr kumimoji="0" lang="zh-CN" altLang="zh-CN" sz="1100" b="0" i="0" u="none" strike="noStrike" cap="none" normalizeH="0" baseline="0" dirty="0" smtClean="0">
+                <a:ln>
+                  <a:noFill/>
+                </a:ln>
+                <a:solidFill>
+                  <a:srgbClr val="A9B7C6"/>
+                </a:solidFill>
+                <a:effectLst/>
+                <a:latin typeface="Arial Unicode MS" panose="020B0604020202020204" pitchFamily="34" charset="-122"/>
+                <a:ea typeface="Source Code Pro"/>
+              </a:rPr>
+              <a:t>            .recover(throwable -&gt; {</a:t>
+            </a:r>
+            <a:br>
+              <a:rPr kumimoji="0" lang="zh-CN" altLang="zh-CN" sz="1100" b="0" i="0" u="none" strike="noStrike" cap="none" normalizeH="0" baseline="0" dirty="0" smtClean="0">
+                <a:ln>
+                  <a:noFill/>
+                </a:ln>
+                <a:solidFill>
+                  <a:srgbClr val="A9B7C6"/>
+                </a:solidFill>
+                <a:effectLst/>
+                <a:latin typeface="Arial Unicode MS" panose="020B0604020202020204" pitchFamily="34" charset="-122"/>
+                <a:ea typeface="Source Code Pro"/>
+              </a:rPr>
+            </a:br>
+            <a:r>
+              <a:rPr kumimoji="0" lang="zh-CN" altLang="zh-CN" sz="1100" b="0" i="0" u="none" strike="noStrike" cap="none" normalizeH="0" baseline="0" dirty="0" smtClean="0">
+                <a:ln>
+                  <a:noFill/>
+                </a:ln>
+                <a:solidFill>
+                  <a:srgbClr val="A9B7C6"/>
+                </a:solidFill>
+                <a:effectLst/>
+                <a:latin typeface="Arial Unicode MS" panose="020B0604020202020204" pitchFamily="34" charset="-122"/>
+                <a:ea typeface="Source Code Pro"/>
+              </a:rPr>
+              <a:t>                log.info(throwable.getLocalizedMessage() + </a:t>
+            </a:r>
+            <a:r>
+              <a:rPr kumimoji="0" lang="zh-CN" altLang="zh-CN" sz="1100" b="0" i="0" u="none" strike="noStrike" cap="none" normalizeH="0" baseline="0" dirty="0" smtClean="0">
+                <a:ln>
+                  <a:noFill/>
+                </a:ln>
+                <a:solidFill>
+                  <a:srgbClr val="6A8759"/>
+                </a:solidFill>
+                <a:effectLst/>
+                <a:latin typeface="Arial Unicode MS" panose="020B0604020202020204" pitchFamily="34" charset="-122"/>
+                <a:ea typeface="Source Code Pro"/>
+              </a:rPr>
+              <a:t>",</a:t>
+            </a:r>
+            <a:r>
+              <a:rPr kumimoji="0" lang="zh-CN" altLang="zh-CN" sz="1100" b="0" i="0" u="none" strike="noStrike" cap="none" normalizeH="0" baseline="0" dirty="0" smtClean="0">
+                <a:ln>
+                  <a:noFill/>
+                </a:ln>
+                <a:solidFill>
+                  <a:srgbClr val="6A8759"/>
+                </a:solidFill>
+                <a:effectLst/>
+                <a:latin typeface="宋体" panose="02010600030101010101" pitchFamily="2" charset="-122"/>
+                <a:ea typeface="宋体" panose="02010600030101010101" pitchFamily="2" charset="-122"/>
+              </a:rPr>
+              <a:t>方法被降级了</a:t>
+            </a:r>
+            <a:r>
+              <a:rPr kumimoji="0" lang="zh-CN" altLang="zh-CN" sz="1100" b="0" i="0" u="none" strike="noStrike" cap="none" normalizeH="0" baseline="0" dirty="0" smtClean="0">
+                <a:ln>
+                  <a:noFill/>
+                </a:ln>
+                <a:solidFill>
+                  <a:srgbClr val="6A8759"/>
+                </a:solidFill>
+                <a:effectLst/>
+                <a:latin typeface="Arial Unicode MS" panose="020B0604020202020204" pitchFamily="34" charset="-122"/>
+                <a:ea typeface="Source Code Pro"/>
+              </a:rPr>
+              <a:t>~~"</a:t>
+            </a:r>
+            <a:r>
+              <a:rPr kumimoji="0" lang="zh-CN" altLang="zh-CN" sz="1100" b="0" i="0" u="none" strike="noStrike" cap="none" normalizeH="0" baseline="0" dirty="0" smtClean="0">
+                <a:ln>
+                  <a:noFill/>
+                </a:ln>
+                <a:solidFill>
+                  <a:srgbClr val="A9B7C6"/>
+                </a:solidFill>
+                <a:effectLst/>
+                <a:latin typeface="Arial Unicode MS" panose="020B0604020202020204" pitchFamily="34" charset="-122"/>
+                <a:ea typeface="Source Code Pro"/>
+              </a:rPr>
+              <a:t>)</a:t>
+            </a:r>
+            <a:r>
+              <a:rPr kumimoji="0" lang="zh-CN" altLang="zh-CN" sz="1100" b="0" i="0" u="none" strike="noStrike" cap="none" normalizeH="0" baseline="0" dirty="0" smtClean="0">
+                <a:ln>
+                  <a:noFill/>
+                </a:ln>
+                <a:solidFill>
+                  <a:srgbClr val="CC7832"/>
+                </a:solidFill>
+                <a:effectLst/>
+                <a:latin typeface="Arial Unicode MS" panose="020B0604020202020204" pitchFamily="34" charset="-122"/>
+                <a:ea typeface="Source Code Pro"/>
+              </a:rPr>
+              <a:t>;</a:t>
+            </a:r>
+            <a:br>
+              <a:rPr kumimoji="0" lang="zh-CN" altLang="zh-CN" sz="1100" b="0" i="0" u="none" strike="noStrike" cap="none" normalizeH="0" baseline="0" dirty="0" smtClean="0">
+                <a:ln>
+                  <a:noFill/>
+                </a:ln>
+                <a:solidFill>
+                  <a:srgbClr val="CC7832"/>
+                </a:solidFill>
+                <a:effectLst/>
+                <a:latin typeface="Arial Unicode MS" panose="020B0604020202020204" pitchFamily="34" charset="-122"/>
+                <a:ea typeface="Source Code Pro"/>
+              </a:rPr>
+            </a:br>
+            <a:r>
+              <a:rPr kumimoji="0" lang="zh-CN" altLang="zh-CN" sz="1100" b="0" i="0" u="none" strike="noStrike" cap="none" normalizeH="0" baseline="0" dirty="0" smtClean="0">
+                <a:ln>
+                  <a:noFill/>
+                </a:ln>
+                <a:solidFill>
+                  <a:srgbClr val="CC7832"/>
+                </a:solidFill>
+                <a:effectLst/>
+                <a:latin typeface="Arial Unicode MS" panose="020B0604020202020204" pitchFamily="34" charset="-122"/>
+                <a:ea typeface="Source Code Pro"/>
+              </a:rPr>
+              <a:t>                </a:t>
+            </a:r>
+            <a:r>
+              <a:rPr kumimoji="0" lang="zh-CN" altLang="zh-CN" sz="1100" b="0" i="0" u="none" strike="noStrike" cap="none" normalizeH="0" baseline="0" dirty="0" smtClean="0">
+                <a:ln>
+                  <a:noFill/>
+                </a:ln>
+                <a:solidFill>
+                  <a:srgbClr val="A9B7C6"/>
+                </a:solidFill>
+                <a:effectLst/>
+                <a:latin typeface="Arial Unicode MS" panose="020B0604020202020204" pitchFamily="34" charset="-122"/>
+                <a:ea typeface="Source Code Pro"/>
+              </a:rPr>
+              <a:t>CircuitBreakerUtil.getCircuitBreakerStatus(</a:t>
+            </a:r>
+            <a:r>
+              <a:rPr kumimoji="0" lang="zh-CN" altLang="zh-CN" sz="1100" b="0" i="0" u="none" strike="noStrike" cap="none" normalizeH="0" baseline="0" dirty="0" smtClean="0">
+                <a:ln>
+                  <a:noFill/>
+                </a:ln>
+                <a:solidFill>
+                  <a:srgbClr val="6A8759"/>
+                </a:solidFill>
+                <a:effectLst/>
+                <a:latin typeface="Arial Unicode MS" panose="020B0604020202020204" pitchFamily="34" charset="-122"/>
+                <a:ea typeface="Source Code Pro"/>
+              </a:rPr>
+              <a:t>"</a:t>
+            </a:r>
+            <a:r>
+              <a:rPr kumimoji="0" lang="zh-CN" altLang="zh-CN" sz="1100" b="0" i="0" u="none" strike="noStrike" cap="none" normalizeH="0" baseline="0" dirty="0" smtClean="0">
+                <a:ln>
+                  <a:noFill/>
+                </a:ln>
+                <a:solidFill>
+                  <a:srgbClr val="6A8759"/>
+                </a:solidFill>
+                <a:effectLst/>
+                <a:latin typeface="宋体" panose="02010600030101010101" pitchFamily="2" charset="-122"/>
+                <a:ea typeface="宋体" panose="02010600030101010101" pitchFamily="2" charset="-122"/>
+              </a:rPr>
+              <a:t>降级方法中</a:t>
+            </a:r>
+            <a:r>
+              <a:rPr kumimoji="0" lang="zh-CN" altLang="zh-CN" sz="1100" b="0" i="0" u="none" strike="noStrike" cap="none" normalizeH="0" baseline="0" dirty="0" smtClean="0">
+                <a:ln>
+                  <a:noFill/>
+                </a:ln>
+                <a:solidFill>
+                  <a:srgbClr val="6A8759"/>
+                </a:solidFill>
+                <a:effectLst/>
+                <a:latin typeface="Arial Unicode MS" panose="020B0604020202020204" pitchFamily="34" charset="-122"/>
+                <a:ea typeface="Source Code Pro"/>
+              </a:rPr>
+              <a:t>:"</a:t>
+            </a:r>
+            <a:r>
+              <a:rPr kumimoji="0" lang="zh-CN" altLang="zh-CN" sz="1100" b="0" i="0" u="none" strike="noStrike" cap="none" normalizeH="0" baseline="0" dirty="0" smtClean="0">
+                <a:ln>
+                  <a:noFill/>
+                </a:ln>
+                <a:solidFill>
+                  <a:srgbClr val="CC7832"/>
+                </a:solidFill>
+                <a:effectLst/>
+                <a:latin typeface="Arial Unicode MS" panose="020B0604020202020204" pitchFamily="34" charset="-122"/>
+                <a:ea typeface="Source Code Pro"/>
+              </a:rPr>
+              <a:t>,</a:t>
+            </a:r>
+            <a:r>
+              <a:rPr kumimoji="0" lang="zh-CN" altLang="zh-CN" sz="1100" b="0" i="0" u="none" strike="noStrike" cap="none" normalizeH="0" baseline="0" dirty="0" smtClean="0">
+                <a:ln>
+                  <a:noFill/>
+                </a:ln>
+                <a:solidFill>
+                  <a:srgbClr val="A9B7C6"/>
+                </a:solidFill>
+                <a:effectLst/>
+                <a:latin typeface="Arial Unicode MS" panose="020B0604020202020204" pitchFamily="34" charset="-122"/>
+                <a:ea typeface="Source Code Pro"/>
+              </a:rPr>
+              <a:t>circuitBreaker)</a:t>
+            </a:r>
+            <a:r>
+              <a:rPr kumimoji="0" lang="zh-CN" altLang="zh-CN" sz="1100" b="0" i="0" u="none" strike="noStrike" cap="none" normalizeH="0" baseline="0" dirty="0" smtClean="0">
+                <a:ln>
+                  <a:noFill/>
+                </a:ln>
+                <a:solidFill>
+                  <a:srgbClr val="CC7832"/>
+                </a:solidFill>
+                <a:effectLst/>
+                <a:latin typeface="Arial Unicode MS" panose="020B0604020202020204" pitchFamily="34" charset="-122"/>
+                <a:ea typeface="Source Code Pro"/>
+              </a:rPr>
+              <a:t>;</a:t>
+            </a:r>
+            <a:br>
+              <a:rPr kumimoji="0" lang="zh-CN" altLang="zh-CN" sz="1100" b="0" i="0" u="none" strike="noStrike" cap="none" normalizeH="0" baseline="0" dirty="0" smtClean="0">
+                <a:ln>
+                  <a:noFill/>
+                </a:ln>
+                <a:solidFill>
+                  <a:srgbClr val="CC7832"/>
+                </a:solidFill>
+                <a:effectLst/>
+                <a:latin typeface="Arial Unicode MS" panose="020B0604020202020204" pitchFamily="34" charset="-122"/>
+                <a:ea typeface="Source Code Pro"/>
+              </a:rPr>
+            </a:br>
+            <a:r>
+              <a:rPr kumimoji="0" lang="zh-CN" altLang="zh-CN" sz="1100" b="0" i="0" u="none" strike="noStrike" cap="none" normalizeH="0" baseline="0" dirty="0" smtClean="0">
+                <a:ln>
+                  <a:noFill/>
+                </a:ln>
+                <a:solidFill>
+                  <a:srgbClr val="CC7832"/>
+                </a:solidFill>
+                <a:effectLst/>
+                <a:latin typeface="Arial Unicode MS" panose="020B0604020202020204" pitchFamily="34" charset="-122"/>
+                <a:ea typeface="Source Code Pro"/>
+              </a:rPr>
+              <a:t>                </a:t>
+            </a:r>
+            <a:r>
+              <a:rPr kumimoji="0" lang="zh-CN" altLang="zh-CN" sz="1100" b="0" i="0" u="none" strike="noStrike" cap="none" normalizeH="0" baseline="0" dirty="0" smtClean="0">
+                <a:ln>
+                  <a:noFill/>
+                </a:ln>
+                <a:solidFill>
+                  <a:srgbClr val="A9B7C6"/>
+                </a:solidFill>
+                <a:effectLst/>
+                <a:latin typeface="Arial Unicode MS" panose="020B0604020202020204" pitchFamily="34" charset="-122"/>
+                <a:ea typeface="Source Code Pro"/>
+              </a:rPr>
+              <a:t>List&lt;User&gt; users = </a:t>
+            </a:r>
+            <a:r>
+              <a:rPr kumimoji="0" lang="zh-CN" altLang="zh-CN" sz="1100" b="0" i="0" u="none" strike="noStrike" cap="none" normalizeH="0" baseline="0" dirty="0" smtClean="0">
+                <a:ln>
+                  <a:noFill/>
+                </a:ln>
+                <a:solidFill>
+                  <a:srgbClr val="CC7832"/>
+                </a:solidFill>
+                <a:effectLst/>
+                <a:latin typeface="Arial Unicode MS" panose="020B0604020202020204" pitchFamily="34" charset="-122"/>
+                <a:ea typeface="Source Code Pro"/>
+              </a:rPr>
+              <a:t>new </a:t>
+            </a:r>
+            <a:r>
+              <a:rPr kumimoji="0" lang="zh-CN" altLang="zh-CN" sz="1100" b="0" i="0" u="none" strike="noStrike" cap="none" normalizeH="0" baseline="0" dirty="0" smtClean="0">
+                <a:ln>
+                  <a:noFill/>
+                </a:ln>
+                <a:solidFill>
+                  <a:srgbClr val="A9B7C6"/>
+                </a:solidFill>
+                <a:effectLst/>
+                <a:latin typeface="Arial Unicode MS" panose="020B0604020202020204" pitchFamily="34" charset="-122"/>
+                <a:ea typeface="Source Code Pro"/>
+              </a:rPr>
+              <a:t>ArrayList()</a:t>
+            </a:r>
+            <a:r>
+              <a:rPr kumimoji="0" lang="zh-CN" altLang="zh-CN" sz="1100" b="0" i="0" u="none" strike="noStrike" cap="none" normalizeH="0" baseline="0" dirty="0" smtClean="0">
+                <a:ln>
+                  <a:noFill/>
+                </a:ln>
+                <a:solidFill>
+                  <a:srgbClr val="CC7832"/>
+                </a:solidFill>
+                <a:effectLst/>
+                <a:latin typeface="Arial Unicode MS" panose="020B0604020202020204" pitchFamily="34" charset="-122"/>
+                <a:ea typeface="Source Code Pro"/>
+              </a:rPr>
+              <a:t>;</a:t>
+            </a:r>
+            <a:br>
+              <a:rPr kumimoji="0" lang="zh-CN" altLang="zh-CN" sz="1100" b="0" i="0" u="none" strike="noStrike" cap="none" normalizeH="0" baseline="0" dirty="0" smtClean="0">
+                <a:ln>
+                  <a:noFill/>
+                </a:ln>
+                <a:solidFill>
+                  <a:srgbClr val="CC7832"/>
+                </a:solidFill>
+                <a:effectLst/>
+                <a:latin typeface="Arial Unicode MS" panose="020B0604020202020204" pitchFamily="34" charset="-122"/>
+                <a:ea typeface="Source Code Pro"/>
+              </a:rPr>
+            </a:br>
+            <a:r>
+              <a:rPr kumimoji="0" lang="zh-CN" altLang="zh-CN" sz="1100" b="0" i="0" u="none" strike="noStrike" cap="none" normalizeH="0" baseline="0" dirty="0" smtClean="0">
+                <a:ln>
+                  <a:noFill/>
+                </a:ln>
+                <a:solidFill>
+                  <a:srgbClr val="CC7832"/>
+                </a:solidFill>
+                <a:effectLst/>
+                <a:latin typeface="Arial Unicode MS" panose="020B0604020202020204" pitchFamily="34" charset="-122"/>
+                <a:ea typeface="Source Code Pro"/>
+              </a:rPr>
+              <a:t>                return </a:t>
+            </a:r>
+            <a:r>
+              <a:rPr kumimoji="0" lang="zh-CN" altLang="zh-CN" sz="1100" b="0" i="0" u="none" strike="noStrike" cap="none" normalizeH="0" baseline="0" dirty="0" smtClean="0">
+                <a:ln>
+                  <a:noFill/>
+                </a:ln>
+                <a:solidFill>
+                  <a:srgbClr val="A9B7C6"/>
+                </a:solidFill>
+                <a:effectLst/>
+                <a:latin typeface="Arial Unicode MS" panose="020B0604020202020204" pitchFamily="34" charset="-122"/>
+                <a:ea typeface="Source Code Pro"/>
+              </a:rPr>
+              <a:t>users</a:t>
+            </a:r>
+            <a:r>
+              <a:rPr kumimoji="0" lang="zh-CN" altLang="zh-CN" sz="1100" b="0" i="0" u="none" strike="noStrike" cap="none" normalizeH="0" baseline="0" dirty="0" smtClean="0">
+                <a:ln>
+                  <a:noFill/>
+                </a:ln>
+                <a:solidFill>
+                  <a:srgbClr val="CC7832"/>
+                </a:solidFill>
+                <a:effectLst/>
+                <a:latin typeface="Arial Unicode MS" panose="020B0604020202020204" pitchFamily="34" charset="-122"/>
+                <a:ea typeface="Source Code Pro"/>
+              </a:rPr>
+              <a:t>;</a:t>
+            </a:r>
+            <a:br>
+              <a:rPr kumimoji="0" lang="zh-CN" altLang="zh-CN" sz="1100" b="0" i="0" u="none" strike="noStrike" cap="none" normalizeH="0" baseline="0" dirty="0" smtClean="0">
+                <a:ln>
+                  <a:noFill/>
+                </a:ln>
+                <a:solidFill>
+                  <a:srgbClr val="CC7832"/>
+                </a:solidFill>
+                <a:effectLst/>
+                <a:latin typeface="Arial Unicode MS" panose="020B0604020202020204" pitchFamily="34" charset="-122"/>
+                <a:ea typeface="Source Code Pro"/>
+              </a:rPr>
+            </a:br>
+            <a:r>
+              <a:rPr kumimoji="0" lang="zh-CN" altLang="zh-CN" sz="1100" b="0" i="0" u="none" strike="noStrike" cap="none" normalizeH="0" baseline="0" dirty="0" smtClean="0">
+                <a:ln>
+                  <a:noFill/>
+                </a:ln>
+                <a:solidFill>
+                  <a:srgbClr val="CC7832"/>
+                </a:solidFill>
+                <a:effectLst/>
+                <a:latin typeface="Arial Unicode MS" panose="020B0604020202020204" pitchFamily="34" charset="-122"/>
+                <a:ea typeface="Source Code Pro"/>
+              </a:rPr>
+              <a:t>            </a:t>
+            </a:r>
+            <a:r>
+              <a:rPr kumimoji="0" lang="zh-CN" altLang="zh-CN" sz="1100" b="0" i="0" u="none" strike="noStrike" cap="none" normalizeH="0" baseline="0" dirty="0" smtClean="0">
+                <a:ln>
+                  <a:noFill/>
+                </a:ln>
+                <a:solidFill>
+                  <a:srgbClr val="A9B7C6"/>
+                </a:solidFill>
+                <a:effectLst/>
+                <a:latin typeface="Arial Unicode MS" panose="020B0604020202020204" pitchFamily="34" charset="-122"/>
+                <a:ea typeface="Source Code Pro"/>
+              </a:rPr>
+              <a:t>})</a:t>
+            </a:r>
+            <a:r>
+              <a:rPr kumimoji="0" lang="zh-CN" altLang="zh-CN" sz="1100" b="0" i="0" u="none" strike="noStrike" cap="none" normalizeH="0" baseline="0" dirty="0" smtClean="0">
+                <a:ln>
+                  <a:noFill/>
+                </a:ln>
+                <a:solidFill>
+                  <a:srgbClr val="CC7832"/>
+                </a:solidFill>
+                <a:effectLst/>
+                <a:latin typeface="Arial Unicode MS" panose="020B0604020202020204" pitchFamily="34" charset="-122"/>
+                <a:ea typeface="Source Code Pro"/>
+              </a:rPr>
+              <a:t>;</a:t>
+            </a:r>
+            <a:br>
+              <a:rPr kumimoji="0" lang="zh-CN" altLang="zh-CN" sz="1100" b="0" i="0" u="none" strike="noStrike" cap="none" normalizeH="0" baseline="0" dirty="0" smtClean="0">
+                <a:ln>
+                  <a:noFill/>
+                </a:ln>
+                <a:solidFill>
+                  <a:srgbClr val="CC7832"/>
+                </a:solidFill>
+                <a:effectLst/>
+                <a:latin typeface="Arial Unicode MS" panose="020B0604020202020204" pitchFamily="34" charset="-122"/>
+                <a:ea typeface="Source Code Pro"/>
+              </a:rPr>
+            </a:br>
+            <a:r>
+              <a:rPr kumimoji="0" lang="zh-CN" altLang="zh-CN" sz="1100" b="0" i="0" u="none" strike="noStrike" cap="none" normalizeH="0" baseline="0" dirty="0" smtClean="0">
+                <a:ln>
+                  <a:noFill/>
+                </a:ln>
+                <a:solidFill>
+                  <a:srgbClr val="CC7832"/>
+                </a:solidFill>
+                <a:effectLst/>
+                <a:latin typeface="Arial Unicode MS" panose="020B0604020202020204" pitchFamily="34" charset="-122"/>
+                <a:ea typeface="Source Code Pro"/>
+              </a:rPr>
+              <a:t>    </a:t>
+            </a:r>
+            <a:r>
+              <a:rPr kumimoji="0" lang="zh-CN" altLang="zh-CN" sz="1100" b="0" i="0" u="none" strike="noStrike" cap="none" normalizeH="0" baseline="0" dirty="0" smtClean="0">
+                <a:ln>
+                  <a:noFill/>
+                </a:ln>
+                <a:solidFill>
+                  <a:srgbClr val="A9B7C6"/>
+                </a:solidFill>
+                <a:effectLst/>
+                <a:latin typeface="Arial Unicode MS" panose="020B0604020202020204" pitchFamily="34" charset="-122"/>
+                <a:ea typeface="Source Code Pro"/>
+              </a:rPr>
+              <a:t>CircuitBreakerUtil.getCircuitBreakerStatus(</a:t>
+            </a:r>
+            <a:r>
+              <a:rPr kumimoji="0" lang="zh-CN" altLang="zh-CN" sz="1100" b="0" i="0" u="none" strike="noStrike" cap="none" normalizeH="0" baseline="0" dirty="0" smtClean="0">
+                <a:ln>
+                  <a:noFill/>
+                </a:ln>
+                <a:solidFill>
+                  <a:srgbClr val="6A8759"/>
+                </a:solidFill>
+                <a:effectLst/>
+                <a:latin typeface="Arial Unicode MS" panose="020B0604020202020204" pitchFamily="34" charset="-122"/>
+                <a:ea typeface="Source Code Pro"/>
+              </a:rPr>
+              <a:t>"</a:t>
+            </a:r>
+            <a:r>
+              <a:rPr kumimoji="0" lang="zh-CN" altLang="zh-CN" sz="1100" b="0" i="0" u="none" strike="noStrike" cap="none" normalizeH="0" baseline="0" dirty="0" smtClean="0">
+                <a:ln>
+                  <a:noFill/>
+                </a:ln>
+                <a:solidFill>
+                  <a:srgbClr val="6A8759"/>
+                </a:solidFill>
+                <a:effectLst/>
+                <a:latin typeface="宋体" panose="02010600030101010101" pitchFamily="2" charset="-122"/>
+                <a:ea typeface="宋体" panose="02010600030101010101" pitchFamily="2" charset="-122"/>
+              </a:rPr>
+              <a:t>执行结束后：</a:t>
+            </a:r>
+            <a:r>
+              <a:rPr kumimoji="0" lang="zh-CN" altLang="zh-CN" sz="1100" b="0" i="0" u="none" strike="noStrike" cap="none" normalizeH="0" baseline="0" dirty="0" smtClean="0">
+                <a:ln>
+                  <a:noFill/>
+                </a:ln>
+                <a:solidFill>
+                  <a:srgbClr val="6A8759"/>
+                </a:solidFill>
+                <a:effectLst/>
+                <a:latin typeface="Arial Unicode MS" panose="020B0604020202020204" pitchFamily="34" charset="-122"/>
+                <a:ea typeface="Source Code Pro"/>
+              </a:rPr>
+              <a:t>"</a:t>
+            </a:r>
+            <a:r>
+              <a:rPr kumimoji="0" lang="zh-CN" altLang="zh-CN" sz="1100" b="0" i="0" u="none" strike="noStrike" cap="none" normalizeH="0" baseline="0" dirty="0" smtClean="0">
+                <a:ln>
+                  <a:noFill/>
+                </a:ln>
+                <a:solidFill>
+                  <a:srgbClr val="CC7832"/>
+                </a:solidFill>
+                <a:effectLst/>
+                <a:latin typeface="Arial Unicode MS" panose="020B0604020202020204" pitchFamily="34" charset="-122"/>
+                <a:ea typeface="Source Code Pro"/>
+              </a:rPr>
+              <a:t>, </a:t>
+            </a:r>
+            <a:r>
+              <a:rPr kumimoji="0" lang="zh-CN" altLang="zh-CN" sz="1100" b="0" i="0" u="none" strike="noStrike" cap="none" normalizeH="0" baseline="0" dirty="0" smtClean="0">
+                <a:ln>
+                  <a:noFill/>
+                </a:ln>
+                <a:solidFill>
+                  <a:srgbClr val="A9B7C6"/>
+                </a:solidFill>
+                <a:effectLst/>
+                <a:latin typeface="Arial Unicode MS" panose="020B0604020202020204" pitchFamily="34" charset="-122"/>
+                <a:ea typeface="Source Code Pro"/>
+              </a:rPr>
+              <a:t>circuitBreaker)</a:t>
+            </a:r>
+            <a:r>
+              <a:rPr kumimoji="0" lang="zh-CN" altLang="zh-CN" sz="1100" b="0" i="0" u="none" strike="noStrike" cap="none" normalizeH="0" baseline="0" dirty="0" smtClean="0">
+                <a:ln>
+                  <a:noFill/>
+                </a:ln>
+                <a:solidFill>
+                  <a:srgbClr val="CC7832"/>
+                </a:solidFill>
+                <a:effectLst/>
+                <a:latin typeface="Arial Unicode MS" panose="020B0604020202020204" pitchFamily="34" charset="-122"/>
+                <a:ea typeface="Source Code Pro"/>
+              </a:rPr>
+              <a:t>;</a:t>
+            </a:r>
+            <a:br>
+              <a:rPr kumimoji="0" lang="zh-CN" altLang="zh-CN" sz="1100" b="0" i="0" u="none" strike="noStrike" cap="none" normalizeH="0" baseline="0" dirty="0" smtClean="0">
+                <a:ln>
+                  <a:noFill/>
+                </a:ln>
+                <a:solidFill>
+                  <a:srgbClr val="CC7832"/>
+                </a:solidFill>
+                <a:effectLst/>
+                <a:latin typeface="Arial Unicode MS" panose="020B0604020202020204" pitchFamily="34" charset="-122"/>
+                <a:ea typeface="Source Code Pro"/>
+              </a:rPr>
+            </a:br>
+            <a:r>
+              <a:rPr kumimoji="0" lang="zh-CN" altLang="zh-CN" sz="1100" b="0" i="0" u="none" strike="noStrike" cap="none" normalizeH="0" baseline="0" dirty="0" smtClean="0">
+                <a:ln>
+                  <a:noFill/>
+                </a:ln>
+                <a:solidFill>
+                  <a:srgbClr val="CC7832"/>
+                </a:solidFill>
+                <a:effectLst/>
+                <a:latin typeface="Arial Unicode MS" panose="020B0604020202020204" pitchFamily="34" charset="-122"/>
+                <a:ea typeface="Source Code Pro"/>
+              </a:rPr>
+              <a:t>    return </a:t>
+            </a:r>
+            <a:r>
+              <a:rPr kumimoji="0" lang="zh-CN" altLang="zh-CN" sz="1100" b="0" i="0" u="none" strike="noStrike" cap="none" normalizeH="0" baseline="0" dirty="0" smtClean="0">
+                <a:ln>
+                  <a:noFill/>
+                </a:ln>
+                <a:solidFill>
+                  <a:srgbClr val="A9B7C6"/>
+                </a:solidFill>
+                <a:effectLst/>
+                <a:latin typeface="Arial Unicode MS" panose="020B0604020202020204" pitchFamily="34" charset="-122"/>
+                <a:ea typeface="Source Code Pro"/>
+              </a:rPr>
+              <a:t>result.get()</a:t>
+            </a:r>
+            <a:r>
+              <a:rPr kumimoji="0" lang="zh-CN" altLang="zh-CN" sz="1100" b="0" i="0" u="none" strike="noStrike" cap="none" normalizeH="0" baseline="0" dirty="0" smtClean="0">
+                <a:ln>
+                  <a:noFill/>
+                </a:ln>
+                <a:solidFill>
+                  <a:srgbClr val="CC7832"/>
+                </a:solidFill>
+                <a:effectLst/>
+                <a:latin typeface="Arial Unicode MS" panose="020B0604020202020204" pitchFamily="34" charset="-122"/>
+                <a:ea typeface="Source Code Pro"/>
+              </a:rPr>
+              <a:t>;</a:t>
+            </a:r>
+            <a:br>
+              <a:rPr kumimoji="0" lang="zh-CN" altLang="zh-CN" sz="1100" b="0" i="0" u="none" strike="noStrike" cap="none" normalizeH="0" baseline="0" dirty="0" smtClean="0">
+                <a:ln>
+                  <a:noFill/>
+                </a:ln>
+                <a:solidFill>
+                  <a:srgbClr val="CC7832"/>
+                </a:solidFill>
+                <a:effectLst/>
+                <a:latin typeface="Arial Unicode MS" panose="020B0604020202020204" pitchFamily="34" charset="-122"/>
+                <a:ea typeface="Source Code Pro"/>
+              </a:rPr>
+            </a:br>
+            <a:r>
+              <a:rPr kumimoji="0" lang="zh-CN" altLang="zh-CN" sz="1100" b="0" i="0" u="none" strike="noStrike" cap="none" normalizeH="0" baseline="0" dirty="0" smtClean="0">
+                <a:ln>
+                  <a:noFill/>
+                </a:ln>
+                <a:solidFill>
+                  <a:srgbClr val="A9B7C6"/>
+                </a:solidFill>
+                <a:effectLst/>
+                <a:latin typeface="Arial Unicode MS" panose="020B0604020202020204" pitchFamily="34" charset="-122"/>
+                <a:ea typeface="Source Code Pro"/>
+              </a:rPr>
+              <a:t>}</a:t>
+            </a:r>
+            <a:endParaRPr kumimoji="0" lang="zh-CN" altLang="zh-CN" sz="1800" b="0" i="0" u="none" strike="noStrike" cap="none" normalizeH="0" baseline="0" dirty="0" smtClean="0">
+              <a:ln>
+                <a:noFill/>
+              </a:ln>
+              <a:solidFill>
+                <a:schemeClr val="tx1"/>
+              </a:solidFill>
+              <a:effectLst/>
+              <a:latin typeface="Arial" panose="020B0604020202020204" pitchFamily="34" charset="0"/>
             </a:endParaRPr>
           </a:p>
         </p:txBody>
@@ -14452,7 +16919,7 @@
         <p:spPr>
           <a:xfrm>
             <a:off x="619461" y="4432346"/>
-            <a:ext cx="9173831" cy="1041439"/>
+            <a:ext cx="9173831" cy="672107"/>
           </a:xfrm>
           <a:prstGeom prst="rect">
             <a:avLst/>
@@ -14465,52 +16932,6 @@
           </a:bodyPr>
           <a:lstStyle/>
           <a:p>
-            <a:pPr>
-              <a:lnSpc>
-                <a:spcPct val="150000"/>
-              </a:lnSpc>
-            </a:pPr>
-            <a:r>
-              <a:rPr lang="en-US" altLang="zh-CN" sz="1600" dirty="0">
-                <a:solidFill>
-                  <a:schemeClr val="tx1">
-                    <a:lumMod val="75000"/>
-                    <a:lumOff val="25000"/>
-                  </a:schemeClr>
-                </a:solidFill>
-                <a:latin typeface="微软雅黑" panose="020B0503020204020204" pitchFamily="34" charset="-122"/>
-                <a:ea typeface="微软雅黑" panose="020B0503020204020204" pitchFamily="34" charset="-122"/>
-              </a:rPr>
-              <a:t>TODO </a:t>
-            </a:r>
-            <a:r>
-              <a:rPr lang="zh-CN" altLang="en-US" sz="1600" dirty="0">
-                <a:solidFill>
-                  <a:schemeClr val="tx1">
-                    <a:lumMod val="75000"/>
-                    <a:lumOff val="25000"/>
-                  </a:schemeClr>
-                </a:solidFill>
-                <a:latin typeface="微软雅黑" panose="020B0503020204020204" pitchFamily="34" charset="-122"/>
-                <a:ea typeface="微软雅黑" panose="020B0503020204020204" pitchFamily="34" charset="-122"/>
-              </a:rPr>
-              <a:t>模式匹配</a:t>
-            </a:r>
-            <a:r>
-              <a:rPr lang="en-US" altLang="zh-CN" sz="1600" dirty="0">
-                <a:solidFill>
-                  <a:schemeClr val="tx1">
-                    <a:lumMod val="75000"/>
-                    <a:lumOff val="25000"/>
-                  </a:schemeClr>
-                </a:solidFill>
-                <a:latin typeface="微软雅黑" panose="020B0503020204020204" pitchFamily="34" charset="-122"/>
-                <a:ea typeface="微软雅黑" panose="020B0503020204020204" pitchFamily="34" charset="-122"/>
-              </a:rPr>
-              <a:t>case</a:t>
-            </a:r>
-          </a:p>
-          <a:p>
             <a:pPr marL="285750" lvl="0" indent="-285750">
               <a:lnSpc>
                 <a:spcPct val="150000"/>
@@ -14519,6 +16940,16 @@
               <a:buChar char="•"/>
             </a:pPr>
             <a:r>
+              <a:rPr lang="en-US" altLang="zh-CN" sz="1100" u="sng" dirty="0" smtClean="0">
+                <a:solidFill>
+                  <a:srgbClr val="00B0F0"/>
+                </a:solidFill>
+                <a:latin typeface="微软雅黑" panose="020B0503020204020204" pitchFamily="34" charset="-122"/>
+                <a:ea typeface="微软雅黑" panose="020B0503020204020204" pitchFamily="34" charset="-122"/>
+              </a:rPr>
+              <a:t>=&gt; </a:t>
+            </a:r>
+            <a:r>
               <a:rPr lang="en-US" altLang="zh-CN" sz="1100" u="sng" dirty="0">
                 <a:solidFill>
                   <a:srgbClr val="00B0F0"/>
@@ -14526,7 +16957,7 @@
                 <a:latin typeface="微软雅黑" panose="020B0503020204020204" pitchFamily="34" charset="-122"/>
                 <a:ea typeface="微软雅黑" panose="020B0503020204020204" pitchFamily="34" charset="-122"/>
               </a:rPr>
-              <a:t>=&gt; Match</a:t>
+              <a:t>Match</a:t>
             </a:r>
             <a:endParaRPr lang="en-US" altLang="zh-CN" sz="1600" dirty="0">
               <a:solidFill>

--- a/基于Vavr的开发工具集.pptx
+++ b/基于Vavr的开发工具集.pptx
@@ -209,7 +209,7 @@
           <a:p>
             <a:fld id="{85307CC2-F273-4308-915D-7A15710688A2}" type="datetimeFigureOut">
               <a:rPr lang="zh-CN" altLang="en-US" smtClean="0"/>
-              <a:t>2020/4/13</a:t>
+              <a:t>2020/4/14</a:t>
             </a:fld>
             <a:endParaRPr lang="zh-CN" altLang="en-US"/>
           </a:p>
@@ -1333,7 +1333,29 @@
             </a:pPr>
             <a:r>
               <a:rPr lang="zh-CN" altLang="en-US" dirty="0" smtClean="0"/>
-              <a:t>异常：造成异常的滥用 、 实用角度：可以从深链路中返回</a:t>
+              <a:t>异常：造成异常的滥用 、 实用角度：可以从深链路中</a:t>
+            </a:r>
+            <a:r>
+              <a:rPr lang="zh-CN" altLang="en-US" dirty="0" smtClean="0"/>
+              <a:t>返回</a:t>
+            </a:r>
+            <a:endParaRPr lang="en-US" altLang="zh-CN" dirty="0" smtClean="0"/>
+          </a:p>
+          <a:p>
+            <a:pPr marL="228600" indent="-228600">
+              <a:buAutoNum type="arabicPeriod"/>
+            </a:pPr>
+            <a:r>
+              <a:rPr lang="zh-CN" altLang="en-US" dirty="0" smtClean="0"/>
+              <a:t>总结：</a:t>
+            </a:r>
+            <a:r>
+              <a:rPr lang="en-US" altLang="zh-CN" dirty="0" smtClean="0"/>
+              <a:t>Either</a:t>
+            </a:r>
+            <a:r>
+              <a:rPr lang="zh-CN" altLang="en-US" dirty="0" smtClean="0"/>
+              <a:t>在错误处理中的应用</a:t>
             </a:r>
             <a:endParaRPr lang="zh-CN" altLang="en-US" dirty="0"/>
           </a:p>
@@ -1616,6 +1638,10 @@
             <a:pPr marL="228600" indent="-228600">
               <a:buAutoNum type="arabicPeriod"/>
             </a:pPr>
+            <a:r>
+              <a:rPr lang="zh-CN" altLang="en-US" dirty="0" smtClean="0"/>
+              <a:t>总结：延迟加载和惰性求值的思想</a:t>
+            </a:r>
             <a:endParaRPr lang="zh-CN" altLang="en-US" dirty="0"/>
           </a:p>
         </p:txBody>
@@ -1700,14 +1726,48 @@
           <a:bodyPr/>
           <a:lstStyle/>
           <a:p>
-            <a:r>
-              <a:rPr lang="en-US" altLang="zh-CN" dirty="0"/>
-              <a:t>1. E2C</a:t>
+            <a:pPr marL="228600" indent="-228600">
+              <a:buAutoNum type="arabicPeriod"/>
+            </a:pPr>
+            <a:r>
+              <a:rPr lang="en-US" altLang="zh-CN" dirty="0" smtClean="0"/>
+              <a:t>E2C</a:t>
             </a:r>
             <a:r>
               <a:rPr lang="zh-CN" altLang="en-US" dirty="0"/>
-              <a:t>比较简单，如果有多种匹配模式的话，可以使用不同元祖</a:t>
-            </a:r>
+              <a:t>比较简单，如果有多种匹配模式的话，可以使用不同元</a:t>
+            </a:r>
+            <a:r>
+              <a:rPr lang="zh-CN" altLang="en-US" dirty="0" smtClean="0"/>
+              <a:t>祖</a:t>
+            </a:r>
+            <a:endParaRPr lang="en-US" altLang="zh-CN" dirty="0" smtClean="0"/>
+          </a:p>
+          <a:p>
+            <a:pPr marL="228600" indent="-228600">
+              <a:buAutoNum type="arabicPeriod"/>
+            </a:pPr>
+            <a:r>
+              <a:rPr lang="zh-CN" altLang="en-US" dirty="0" smtClean="0"/>
+              <a:t>数学概念</a:t>
+            </a:r>
+            <a:r>
+              <a:rPr lang="en-US" altLang="zh-CN" dirty="0" smtClean="0"/>
+              <a:t>/</a:t>
+            </a:r>
+            <a:r>
+              <a:rPr lang="zh-CN" altLang="en-US" dirty="0" smtClean="0"/>
+              <a:t>数据库概念中 元组代表元信息，即</a:t>
+            </a:r>
+            <a:r>
+              <a:rPr lang="en-US" altLang="zh-CN" dirty="0" smtClean="0"/>
+              <a:t>key</a:t>
+            </a:r>
+            <a:r>
+              <a:rPr lang="zh-CN" altLang="en-US" dirty="0" smtClean="0"/>
+              <a:t>值</a:t>
+            </a:r>
+            <a:endParaRPr lang="zh-CN" altLang="en-US" dirty="0"/>
           </a:p>
         </p:txBody>
       </p:sp>
@@ -1797,7 +1857,35 @@
             </a:r>
             <a:r>
               <a:rPr lang="zh-CN" altLang="en-US" dirty="0" smtClean="0"/>
-              <a:t>， 在同一层级建模，语义清晰，维护逻辑关系</a:t>
+              <a:t>， 在同一层级建模，语义清晰，维护逻辑</a:t>
+            </a:r>
+            <a:r>
+              <a:rPr lang="zh-CN" altLang="en-US" dirty="0" smtClean="0"/>
+              <a:t>关系</a:t>
+            </a:r>
+            <a:endParaRPr lang="en-US" altLang="zh-CN" dirty="0" smtClean="0"/>
+          </a:p>
+          <a:p>
+            <a:pPr marL="228600" indent="-228600">
+              <a:buAutoNum type="arabicPeriod" startAt="2"/>
+            </a:pPr>
+            <a:r>
+              <a:rPr lang="en-US" altLang="zh-CN" dirty="0" err="1" smtClean="0"/>
+              <a:t>Trycatch</a:t>
+            </a:r>
+            <a:r>
+              <a:rPr lang="zh-CN" altLang="en-US" dirty="0" smtClean="0"/>
+              <a:t>除了变量传递没有好的方式交互</a:t>
+            </a:r>
+            <a:endParaRPr lang="en-US" altLang="zh-CN" dirty="0" smtClean="0"/>
+          </a:p>
+          <a:p>
+            <a:pPr marL="228600" indent="-228600">
+              <a:buAutoNum type="arabicPeriod" startAt="2"/>
+            </a:pPr>
+            <a:r>
+              <a:rPr lang="zh-CN" altLang="en-US" dirty="0" smtClean="0"/>
+              <a:t>总结：复杂过程，语义清晰</a:t>
             </a:r>
             <a:endParaRPr lang="zh-CN" altLang="en-US" dirty="0"/>
           </a:p>
@@ -1944,7 +2032,21 @@
             </a:r>
             <a:r>
               <a:rPr lang="zh-CN" altLang="en-US" dirty="0" smtClean="0"/>
-              <a:t>为模式匹配打好基础</a:t>
+              <a:t>为模式匹配打好</a:t>
+            </a:r>
+            <a:r>
+              <a:rPr lang="zh-CN" altLang="en-US" dirty="0" smtClean="0"/>
+              <a:t>基础</a:t>
+            </a:r>
+            <a:endParaRPr lang="en-US" altLang="zh-CN" dirty="0" smtClean="0"/>
+          </a:p>
+          <a:p>
+            <a:pPr marL="228600" indent="-228600">
+              <a:buAutoNum type="arabicPeriod"/>
+            </a:pPr>
+            <a:r>
+              <a:rPr lang="zh-CN" altLang="en-US" dirty="0" smtClean="0"/>
+              <a:t>数据处理中常用，业务建模中不常用</a:t>
             </a:r>
             <a:endParaRPr lang="zh-CN" altLang="en-US" dirty="0"/>
           </a:p>
@@ -2462,7 +2564,7 @@
           <a:p>
             <a:fld id="{18A0E22B-95DE-4DC9-AF97-FA4A20A8739A}" type="datetimeFigureOut">
               <a:rPr lang="zh-CN" altLang="en-US" smtClean="0"/>
-              <a:t>2020/4/13</a:t>
+              <a:t>2020/4/14</a:t>
             </a:fld>
             <a:endParaRPr lang="zh-CN" altLang="en-US"/>
           </a:p>
@@ -2660,7 +2762,7 @@
           <a:p>
             <a:fld id="{18A0E22B-95DE-4DC9-AF97-FA4A20A8739A}" type="datetimeFigureOut">
               <a:rPr lang="zh-CN" altLang="en-US" smtClean="0"/>
-              <a:t>2020/4/13</a:t>
+              <a:t>2020/4/14</a:t>
             </a:fld>
             <a:endParaRPr lang="zh-CN" altLang="en-US"/>
           </a:p>
@@ -2868,7 +2970,7 @@
           <a:p>
             <a:fld id="{18A0E22B-95DE-4DC9-AF97-FA4A20A8739A}" type="datetimeFigureOut">
               <a:rPr lang="zh-CN" altLang="en-US" smtClean="0"/>
-              <a:t>2020/4/13</a:t>
+              <a:t>2020/4/14</a:t>
             </a:fld>
             <a:endParaRPr lang="zh-CN" altLang="en-US"/>
           </a:p>
@@ -3066,7 +3168,7 @@
           <a:p>
             <a:fld id="{18A0E22B-95DE-4DC9-AF97-FA4A20A8739A}" type="datetimeFigureOut">
               <a:rPr lang="zh-CN" altLang="en-US" smtClean="0"/>
-              <a:t>2020/4/13</a:t>
+              <a:t>2020/4/14</a:t>
             </a:fld>
             <a:endParaRPr lang="zh-CN" altLang="en-US"/>
           </a:p>
@@ -3341,7 +3443,7 @@
           <a:p>
             <a:fld id="{18A0E22B-95DE-4DC9-AF97-FA4A20A8739A}" type="datetimeFigureOut">
               <a:rPr lang="zh-CN" altLang="en-US" smtClean="0"/>
-              <a:t>2020/4/13</a:t>
+              <a:t>2020/4/14</a:t>
             </a:fld>
             <a:endParaRPr lang="zh-CN" altLang="en-US"/>
           </a:p>
@@ -3606,7 +3708,7 @@
           <a:p>
             <a:fld id="{18A0E22B-95DE-4DC9-AF97-FA4A20A8739A}" type="datetimeFigureOut">
               <a:rPr lang="zh-CN" altLang="en-US" smtClean="0"/>
-              <a:t>2020/4/13</a:t>
+              <a:t>2020/4/14</a:t>
             </a:fld>
             <a:endParaRPr lang="zh-CN" altLang="en-US"/>
           </a:p>
@@ -4018,7 +4120,7 @@
           <a:p>
             <a:fld id="{18A0E22B-95DE-4DC9-AF97-FA4A20A8739A}" type="datetimeFigureOut">
               <a:rPr lang="zh-CN" altLang="en-US" smtClean="0"/>
-              <a:t>2020/4/13</a:t>
+              <a:t>2020/4/14</a:t>
             </a:fld>
             <a:endParaRPr lang="zh-CN" altLang="en-US"/>
           </a:p>
@@ -4159,7 +4261,7 @@
           <a:p>
             <a:fld id="{18A0E22B-95DE-4DC9-AF97-FA4A20A8739A}" type="datetimeFigureOut">
               <a:rPr lang="zh-CN" altLang="en-US" smtClean="0"/>
-              <a:t>2020/4/13</a:t>
+              <a:t>2020/4/14</a:t>
             </a:fld>
             <a:endParaRPr lang="zh-CN" altLang="en-US"/>
           </a:p>
@@ -4272,7 +4374,7 @@
           <a:p>
             <a:fld id="{18A0E22B-95DE-4DC9-AF97-FA4A20A8739A}" type="datetimeFigureOut">
               <a:rPr lang="zh-CN" altLang="en-US" smtClean="0"/>
-              <a:t>2020/4/13</a:t>
+              <a:t>2020/4/14</a:t>
             </a:fld>
             <a:endParaRPr lang="zh-CN" altLang="en-US"/>
           </a:p>
@@ -4583,7 +4685,7 @@
           <a:p>
             <a:fld id="{18A0E22B-95DE-4DC9-AF97-FA4A20A8739A}" type="datetimeFigureOut">
               <a:rPr lang="zh-CN" altLang="en-US" smtClean="0"/>
-              <a:t>2020/4/13</a:t>
+              <a:t>2020/4/14</a:t>
             </a:fld>
             <a:endParaRPr lang="zh-CN" altLang="en-US"/>
           </a:p>
@@ -4871,7 +4973,7 @@
           <a:p>
             <a:fld id="{18A0E22B-95DE-4DC9-AF97-FA4A20A8739A}" type="datetimeFigureOut">
               <a:rPr lang="zh-CN" altLang="en-US" smtClean="0"/>
-              <a:t>2020/4/13</a:t>
+              <a:t>2020/4/14</a:t>
             </a:fld>
             <a:endParaRPr lang="zh-CN" altLang="en-US"/>
           </a:p>
@@ -5112,7 +5214,7 @@
           <a:p>
             <a:fld id="{18A0E22B-95DE-4DC9-AF97-FA4A20A8739A}" type="datetimeFigureOut">
               <a:rPr lang="zh-CN" altLang="en-US" smtClean="0"/>
-              <a:t>2020/4/13</a:t>
+              <a:t>2020/4/14</a:t>
             </a:fld>
             <a:endParaRPr lang="zh-CN" altLang="en-US"/>
           </a:p>
@@ -13731,7 +13833,20 @@
                 <a:latin typeface="微软雅黑" panose="020B0503020204020204" pitchFamily="34" charset="-122"/>
                 <a:ea typeface="微软雅黑" panose="020B0503020204020204" pitchFamily="34" charset="-122"/>
               </a:rPr>
-              <a:t>强制思考异常处理</a:t>
+              <a:t>强制思考</a:t>
+            </a:r>
+            <a:r>
+              <a:rPr lang="zh-CN" altLang="en-US" sz="1600" dirty="0" smtClean="0">
+                <a:solidFill>
+                  <a:schemeClr val="tx1">
+                    <a:lumMod val="75000"/>
+                    <a:lumOff val="25000"/>
+                  </a:schemeClr>
+                </a:solidFill>
+                <a:latin typeface="微软雅黑" panose="020B0503020204020204" pitchFamily="34" charset="-122"/>
+                <a:ea typeface="微软雅黑" panose="020B0503020204020204" pitchFamily="34" charset="-122"/>
+              </a:rPr>
+              <a:t>异常处理，状态传递</a:t>
             </a:r>
             <a:endParaRPr lang="en-US" altLang="zh-CN" sz="1600" dirty="0" smtClean="0">
               <a:solidFill>
